--- a/Documentação/Apresentação Projeto PID.pptx
+++ b/Documentação/Apresentação Projeto PID.pptx
@@ -12,11 +12,12 @@
     <p:sldId id="263" r:id="rId6"/>
     <p:sldId id="265" r:id="rId7"/>
     <p:sldId id="266" r:id="rId8"/>
-    <p:sldId id="259" r:id="rId9"/>
-    <p:sldId id="260" r:id="rId10"/>
-    <p:sldId id="258" r:id="rId11"/>
-    <p:sldId id="261" r:id="rId12"/>
-    <p:sldId id="267" r:id="rId13"/>
+    <p:sldId id="260" r:id="rId9"/>
+    <p:sldId id="268" r:id="rId10"/>
+    <p:sldId id="259" r:id="rId11"/>
+    <p:sldId id="258" r:id="rId12"/>
+    <p:sldId id="261" r:id="rId13"/>
+    <p:sldId id="267" r:id="rId14"/>
   </p:sldIdLst>
   <p:sldSz cx="12192000" cy="6858000"/>
   <p:notesSz cx="6858000" cy="9144000"/>
@@ -4565,7 +4566,7 @@
         <p:spPr>
           <a:xfrm>
             <a:off x="609600" y="274638"/>
-            <a:ext cx="10972800" cy="704498"/>
+            <a:ext cx="10972800" cy="680222"/>
           </a:xfrm>
         </p:spPr>
         <p:txBody>
@@ -4591,8 +4592,8 @@
         </p:nvSpPr>
         <p:spPr>
           <a:xfrm>
-            <a:off x="609600" y="979136"/>
-            <a:ext cx="10972800" cy="2737130"/>
+            <a:off x="609600" y="954860"/>
+            <a:ext cx="10972800" cy="714121"/>
           </a:xfrm>
         </p:spPr>
         <p:txBody>
@@ -4601,49 +4602,35 @@
           <a:p>
             <a:r>
               <a:rPr lang="pt-BR" dirty="0"/>
-              <a:t>Posição:</a:t>
-            </a:r>
-          </a:p>
-          <a:p>
-            <a:pPr lvl="1"/>
-            <a:r>
-              <a:rPr lang="pt-BR" dirty="0"/>
-              <a:t>Cálculo do RSSI é feito automaticamente por função já existente na biblioteca do módulo ESP8266;</a:t>
-            </a:r>
-          </a:p>
-          <a:p>
-            <a:pPr lvl="1"/>
-            <a:r>
-              <a:rPr lang="pt-BR" dirty="0"/>
-              <a:t>A partir do RSSI calculamos o FSPL (Atenuação de espaço livre) e daí a posição</a:t>
+              <a:t>Perda de propagação no espaço livre:</a:t>
             </a:r>
           </a:p>
         </p:txBody>
       </p:sp>
       <p:pic>
         <p:nvPicPr>
-          <p:cNvPr id="4" name="Imagem 3"/>
+          <p:cNvPr id="4" name="Imagem 3">
+            <a:extLst>
+              <a:ext uri="{FF2B5EF4-FFF2-40B4-BE49-F238E27FC236}">
+                <a16:creationId xmlns:a16="http://schemas.microsoft.com/office/drawing/2014/main" id="{72B2E2F5-4892-41DC-8205-F999B13188F4}"/>
+              </a:ext>
+            </a:extLst>
+          </p:cNvPr>
           <p:cNvPicPr>
             <a:picLocks noChangeAspect="1"/>
           </p:cNvPicPr>
           <p:nvPr/>
         </p:nvPicPr>
         <p:blipFill>
-          <a:blip r:embed="rId2">
-            <a:extLst>
-              <a:ext uri="{28A0092B-C50C-407E-A947-70E740481C1C}">
-                <a14:useLocalDpi xmlns:a14="http://schemas.microsoft.com/office/drawing/2010/main" val="0"/>
-              </a:ext>
-            </a:extLst>
-          </a:blip>
+          <a:blip r:embed="rId2"/>
           <a:stretch>
             <a:fillRect/>
           </a:stretch>
         </p:blipFill>
         <p:spPr>
           <a:xfrm>
-            <a:off x="609600" y="3511943"/>
-            <a:ext cx="4822854" cy="3212539"/>
+            <a:off x="757858" y="1668981"/>
+            <a:ext cx="7498246" cy="4450713"/>
           </a:xfrm>
           <a:prstGeom prst="rect">
             <a:avLst/>
@@ -4652,28 +4639,28 @@
       </p:pic>
       <p:pic>
         <p:nvPicPr>
-          <p:cNvPr id="5" name="Imagem 4"/>
+          <p:cNvPr id="6" name="Imagem 5">
+            <a:extLst>
+              <a:ext uri="{FF2B5EF4-FFF2-40B4-BE49-F238E27FC236}">
+                <a16:creationId xmlns:a16="http://schemas.microsoft.com/office/drawing/2014/main" id="{13A0869D-1C3A-4154-BEC5-F0B2AC40E5F9}"/>
+              </a:ext>
+            </a:extLst>
+          </p:cNvPr>
           <p:cNvPicPr>
             <a:picLocks noChangeAspect="1"/>
           </p:cNvPicPr>
           <p:nvPr/>
         </p:nvPicPr>
         <p:blipFill>
-          <a:blip r:embed="rId3">
-            <a:extLst>
-              <a:ext uri="{28A0092B-C50C-407E-A947-70E740481C1C}">
-                <a14:useLocalDpi xmlns:a14="http://schemas.microsoft.com/office/drawing/2010/main" val="0"/>
-              </a:ext>
-            </a:extLst>
-          </a:blip>
+          <a:blip r:embed="rId3"/>
           <a:stretch>
             <a:fillRect/>
           </a:stretch>
         </p:blipFill>
         <p:spPr>
           <a:xfrm>
-            <a:off x="5911061" y="3645164"/>
-            <a:ext cx="2370167" cy="1279138"/>
+            <a:off x="8256104" y="1742909"/>
+            <a:ext cx="3364819" cy="724541"/>
           </a:xfrm>
           <a:prstGeom prst="rect">
             <a:avLst/>
@@ -4682,28 +4669,28 @@
       </p:pic>
       <p:pic>
         <p:nvPicPr>
-          <p:cNvPr id="6" name="Imagem 5"/>
+          <p:cNvPr id="7" name="Imagem 6">
+            <a:extLst>
+              <a:ext uri="{FF2B5EF4-FFF2-40B4-BE49-F238E27FC236}">
+                <a16:creationId xmlns:a16="http://schemas.microsoft.com/office/drawing/2014/main" id="{2B94C1A4-0BDC-4F0B-9319-8B4E5AE66092}"/>
+              </a:ext>
+            </a:extLst>
+          </p:cNvPr>
           <p:cNvPicPr>
             <a:picLocks noChangeAspect="1"/>
           </p:cNvPicPr>
           <p:nvPr/>
         </p:nvPicPr>
         <p:blipFill>
-          <a:blip r:embed="rId4">
-            <a:extLst>
-              <a:ext uri="{28A0092B-C50C-407E-A947-70E740481C1C}">
-                <a14:useLocalDpi xmlns:a14="http://schemas.microsoft.com/office/drawing/2010/main" val="0"/>
-              </a:ext>
-            </a:extLst>
-          </a:blip>
+          <a:blip r:embed="rId4"/>
           <a:stretch>
             <a:fillRect/>
           </a:stretch>
         </p:blipFill>
         <p:spPr>
           <a:xfrm>
-            <a:off x="8281228" y="3716266"/>
-            <a:ext cx="2200275" cy="1362075"/>
+            <a:off x="8356533" y="2684180"/>
+            <a:ext cx="2766394" cy="433444"/>
           </a:xfrm>
           <a:prstGeom prst="rect">
             <a:avLst/>
@@ -4712,38 +4699,68 @@
       </p:pic>
       <p:pic>
         <p:nvPicPr>
-          <p:cNvPr id="7" name="Imagem 6"/>
+          <p:cNvPr id="8" name="Imagem 7">
+            <a:extLst>
+              <a:ext uri="{FF2B5EF4-FFF2-40B4-BE49-F238E27FC236}">
+                <a16:creationId xmlns:a16="http://schemas.microsoft.com/office/drawing/2014/main" id="{B2217DE7-186A-4A1F-BC4D-8FA0C9D33A4A}"/>
+              </a:ext>
+            </a:extLst>
+          </p:cNvPr>
           <p:cNvPicPr>
             <a:picLocks noChangeAspect="1"/>
           </p:cNvPicPr>
           <p:nvPr/>
         </p:nvPicPr>
         <p:blipFill>
-          <a:blip r:embed="rId5">
-            <a:extLst>
-              <a:ext uri="{28A0092B-C50C-407E-A947-70E740481C1C}">
-                <a14:useLocalDpi xmlns:a14="http://schemas.microsoft.com/office/drawing/2010/main" val="0"/>
-              </a:ext>
-            </a:extLst>
-          </a:blip>
+          <a:blip r:embed="rId5"/>
           <a:stretch>
             <a:fillRect/>
           </a:stretch>
         </p:blipFill>
         <p:spPr>
           <a:xfrm>
-            <a:off x="6096000" y="4924302"/>
-            <a:ext cx="2339778" cy="1612857"/>
+            <a:off x="11122927" y="2733201"/>
+            <a:ext cx="645003" cy="335402"/>
           </a:xfrm>
           <a:prstGeom prst="rect">
             <a:avLst/>
           </a:prstGeom>
         </p:spPr>
       </p:pic>
+      <p:pic>
+        <p:nvPicPr>
+          <p:cNvPr id="9" name="Imagem 8">
+            <a:extLst>
+              <a:ext uri="{FF2B5EF4-FFF2-40B4-BE49-F238E27FC236}">
+                <a16:creationId xmlns:a16="http://schemas.microsoft.com/office/drawing/2014/main" id="{2D157810-A938-447D-8968-58A715187B03}"/>
+              </a:ext>
+            </a:extLst>
+          </p:cNvPr>
+          <p:cNvPicPr>
+            <a:picLocks noChangeAspect="1"/>
+          </p:cNvPicPr>
+          <p:nvPr/>
+        </p:nvPicPr>
+        <p:blipFill>
+          <a:blip r:embed="rId6"/>
+          <a:stretch>
+            <a:fillRect/>
+          </a:stretch>
+        </p:blipFill>
+        <p:spPr>
+          <a:xfrm>
+            <a:off x="8256104" y="4165152"/>
+            <a:ext cx="3402133" cy="433445"/>
+          </a:xfrm>
+          <a:prstGeom prst="rect">
+            <a:avLst/>
+          </a:prstGeom>
+        </p:spPr>
+      </p:pic>
     </p:spTree>
     <p:extLst>
       <p:ext uri="{BB962C8B-B14F-4D97-AF65-F5344CB8AC3E}">
-        <p14:creationId xmlns:p14="http://schemas.microsoft.com/office/powerpoint/2010/main" val="634293630"/>
+        <p14:creationId xmlns:p14="http://schemas.microsoft.com/office/powerpoint/2010/main" val="63261545"/>
       </p:ext>
     </p:extLst>
   </p:cSld>
@@ -4780,6 +4797,231 @@
             <p:ph type="title"/>
           </p:nvPr>
         </p:nvSpPr>
+        <p:spPr>
+          <a:xfrm>
+            <a:off x="609600" y="274638"/>
+            <a:ext cx="10972800" cy="704498"/>
+          </a:xfrm>
+        </p:spPr>
+        <p:txBody>
+          <a:bodyPr/>
+          <a:lstStyle/>
+          <a:p>
+            <a:r>
+              <a:rPr lang="pt-BR" dirty="0"/>
+              <a:t>Funcionamento</a:t>
+            </a:r>
+          </a:p>
+        </p:txBody>
+      </p:sp>
+      <p:sp>
+        <p:nvSpPr>
+          <p:cNvPr id="3" name="Espaço Reservado para Conteúdo 2"/>
+          <p:cNvSpPr>
+            <a:spLocks noGrp="1"/>
+          </p:cNvSpPr>
+          <p:nvPr>
+            <p:ph idx="1"/>
+          </p:nvPr>
+        </p:nvSpPr>
+        <p:spPr>
+          <a:xfrm>
+            <a:off x="609600" y="979136"/>
+            <a:ext cx="10972800" cy="2737130"/>
+          </a:xfrm>
+        </p:spPr>
+        <p:txBody>
+          <a:bodyPr/>
+          <a:lstStyle/>
+          <a:p>
+            <a:r>
+              <a:rPr lang="pt-BR" dirty="0"/>
+              <a:t>Obtendo a posição:</a:t>
+            </a:r>
+          </a:p>
+          <a:p>
+            <a:pPr lvl="1"/>
+            <a:r>
+              <a:rPr lang="pt-BR" dirty="0"/>
+              <a:t>A partir do RSSI calculamos a distância utilizando o FSPL</a:t>
+            </a:r>
+          </a:p>
+          <a:p>
+            <a:pPr lvl="1"/>
+            <a:r>
+              <a:rPr lang="pt-BR" dirty="0"/>
+              <a:t>Obtenção dos raios dos círculos</a:t>
+            </a:r>
+          </a:p>
+          <a:p>
+            <a:pPr lvl="1"/>
+            <a:r>
+              <a:rPr lang="pt-BR" dirty="0"/>
+              <a:t>Trilateração</a:t>
+            </a:r>
+          </a:p>
+        </p:txBody>
+      </p:sp>
+      <p:pic>
+        <p:nvPicPr>
+          <p:cNvPr id="5" name="Imagem 4"/>
+          <p:cNvPicPr>
+            <a:picLocks noChangeAspect="1"/>
+          </p:cNvPicPr>
+          <p:nvPr/>
+        </p:nvPicPr>
+        <p:blipFill>
+          <a:blip r:embed="rId2">
+            <a:extLst>
+              <a:ext uri="{28A0092B-C50C-407E-A947-70E740481C1C}">
+                <a14:useLocalDpi xmlns:a14="http://schemas.microsoft.com/office/drawing/2010/main" val="0"/>
+              </a:ext>
+            </a:extLst>
+          </a:blip>
+          <a:stretch>
+            <a:fillRect/>
+          </a:stretch>
+        </p:blipFill>
+        <p:spPr>
+          <a:xfrm>
+            <a:off x="6096000" y="3188351"/>
+            <a:ext cx="2370167" cy="1279138"/>
+          </a:xfrm>
+          <a:prstGeom prst="rect">
+            <a:avLst/>
+          </a:prstGeom>
+        </p:spPr>
+      </p:pic>
+      <p:pic>
+        <p:nvPicPr>
+          <p:cNvPr id="6" name="Imagem 5"/>
+          <p:cNvPicPr>
+            <a:picLocks noChangeAspect="1"/>
+          </p:cNvPicPr>
+          <p:nvPr/>
+        </p:nvPicPr>
+        <p:blipFill>
+          <a:blip r:embed="rId3">
+            <a:extLst>
+              <a:ext uri="{28A0092B-C50C-407E-A947-70E740481C1C}">
+                <a14:useLocalDpi xmlns:a14="http://schemas.microsoft.com/office/drawing/2010/main" val="0"/>
+              </a:ext>
+            </a:extLst>
+          </a:blip>
+          <a:stretch>
+            <a:fillRect/>
+          </a:stretch>
+        </p:blipFill>
+        <p:spPr>
+          <a:xfrm>
+            <a:off x="8928780" y="3188351"/>
+            <a:ext cx="2200275" cy="1362075"/>
+          </a:xfrm>
+          <a:prstGeom prst="rect">
+            <a:avLst/>
+          </a:prstGeom>
+        </p:spPr>
+      </p:pic>
+      <p:pic>
+        <p:nvPicPr>
+          <p:cNvPr id="7" name="Imagem 6"/>
+          <p:cNvPicPr>
+            <a:picLocks noChangeAspect="1"/>
+          </p:cNvPicPr>
+          <p:nvPr/>
+        </p:nvPicPr>
+        <p:blipFill>
+          <a:blip r:embed="rId4">
+            <a:extLst>
+              <a:ext uri="{28A0092B-C50C-407E-A947-70E740481C1C}">
+                <a14:useLocalDpi xmlns:a14="http://schemas.microsoft.com/office/drawing/2010/main" val="0"/>
+              </a:ext>
+            </a:extLst>
+          </a:blip>
+          <a:stretch>
+            <a:fillRect/>
+          </a:stretch>
+        </p:blipFill>
+        <p:spPr>
+          <a:xfrm>
+            <a:off x="6195381" y="4467489"/>
+            <a:ext cx="2339778" cy="1612857"/>
+          </a:xfrm>
+          <a:prstGeom prst="rect">
+            <a:avLst/>
+          </a:prstGeom>
+        </p:spPr>
+      </p:pic>
+      <p:pic>
+        <p:nvPicPr>
+          <p:cNvPr id="11" name="Imagem 10">
+            <a:extLst>
+              <a:ext uri="{FF2B5EF4-FFF2-40B4-BE49-F238E27FC236}">
+                <a16:creationId xmlns:a16="http://schemas.microsoft.com/office/drawing/2014/main" id="{17DA9E39-6FD3-4789-80B9-99FDC94AB60A}"/>
+              </a:ext>
+            </a:extLst>
+          </p:cNvPr>
+          <p:cNvPicPr>
+            <a:picLocks noChangeAspect="1"/>
+          </p:cNvPicPr>
+          <p:nvPr/>
+        </p:nvPicPr>
+        <p:blipFill>
+          <a:blip r:embed="rId5"/>
+          <a:stretch>
+            <a:fillRect/>
+          </a:stretch>
+        </p:blipFill>
+        <p:spPr>
+          <a:xfrm>
+            <a:off x="2054088" y="3188351"/>
+            <a:ext cx="3472069" cy="3485024"/>
+          </a:xfrm>
+          <a:prstGeom prst="rect">
+            <a:avLst/>
+          </a:prstGeom>
+        </p:spPr>
+      </p:pic>
+    </p:spTree>
+    <p:extLst>
+      <p:ext uri="{BB962C8B-B14F-4D97-AF65-F5344CB8AC3E}">
+        <p14:creationId xmlns:p14="http://schemas.microsoft.com/office/powerpoint/2010/main" val="634293630"/>
+      </p:ext>
+    </p:extLst>
+  </p:cSld>
+  <p:clrMapOvr>
+    <a:masterClrMapping/>
+  </p:clrMapOvr>
+</p:sld>
+</file>
+
+<file path=ppt/slides/slide12.xml><?xml version="1.0" encoding="utf-8"?>
+<p:sld xmlns:a="http://schemas.openxmlformats.org/drawingml/2006/main" xmlns:r="http://schemas.openxmlformats.org/officeDocument/2006/relationships" xmlns:p="http://schemas.openxmlformats.org/presentationml/2006/main">
+  <p:cSld>
+    <p:spTree>
+      <p:nvGrpSpPr>
+        <p:cNvPr id="1" name=""/>
+        <p:cNvGrpSpPr/>
+        <p:nvPr/>
+      </p:nvGrpSpPr>
+      <p:grpSpPr>
+        <a:xfrm>
+          <a:off x="0" y="0"/>
+          <a:ext cx="0" cy="0"/>
+          <a:chOff x="0" y="0"/>
+          <a:chExt cx="0" cy="0"/>
+        </a:xfrm>
+      </p:grpSpPr>
+      <p:sp>
+        <p:nvSpPr>
+          <p:cNvPr id="2" name="Título 1"/>
+          <p:cNvSpPr>
+            <a:spLocks noGrp="1"/>
+          </p:cNvSpPr>
+          <p:nvPr>
+            <p:ph type="title"/>
+          </p:nvPr>
+        </p:nvSpPr>
         <p:spPr/>
         <p:txBody>
           <a:bodyPr/>
@@ -4848,8 +5090,13 @@
             <a:pPr lvl="1"/>
             <a:r>
               <a:rPr lang="pt-BR" dirty="0"/>
-              <a:t>Recebe a informação do RSSI, calcula o FSPL e a posição da pessoa</a:t>
-            </a:r>
+              <a:t>Recebe a informação do RSSI, calcula a distância com a fórmula do FSPL, e a posição da pessoa a partir da </a:t>
+            </a:r>
+            <a:r>
+              <a:rPr lang="pt-BR" dirty="0" err="1"/>
+              <a:t>trilateração</a:t>
+            </a:r>
+            <a:endParaRPr lang="pt-BR" dirty="0"/>
           </a:p>
           <a:p>
             <a:pPr lvl="1"/>
@@ -4879,7 +5126,7 @@
 </p:sld>
 </file>
 
-<file path=ppt/slides/slide12.xml><?xml version="1.0" encoding="utf-8"?>
+<file path=ppt/slides/slide13.xml><?xml version="1.0" encoding="utf-8"?>
 <p:sld xmlns:a="http://schemas.openxmlformats.org/drawingml/2006/main" xmlns:r="http://schemas.openxmlformats.org/officeDocument/2006/relationships" xmlns:p="http://schemas.openxmlformats.org/presentationml/2006/main">
   <p:cSld>
     <p:spTree>
@@ -6369,7 +6616,7 @@
             <a:pPr algn="just"/>
             <a:r>
               <a:rPr lang="pt-BR" sz="2400" dirty="0"/>
-              <a:t>Sensor Infravermelho: O funcionário passa pelo sensor, a ESP8266 (sensor), dispara um Broadcast UDP.</a:t>
+              <a:t>Sensor Infravermelho: O funcionário passa pelo sensor, a ESP8266 (sensor) dispara um Broadcast UDP.</a:t>
             </a:r>
           </a:p>
           <a:p>
@@ -6383,7 +6630,7 @@
             <a:pPr algn="just"/>
             <a:r>
               <a:rPr lang="pt-BR" sz="2400" dirty="0"/>
-              <a:t>ESP8266 (pessoa): Recebe o UDP pela porta definida e retorna o seu MAC.</a:t>
+              <a:t>ESP8266 (pessoa): Recebe o UDP pela porta definida e utilizando o utilizando o protocolo ARP, retorna o seu MAC.</a:t>
             </a:r>
           </a:p>
           <a:p>
@@ -6629,120 +6876,6 @@
 </file>
 
 <file path=ppt/slides/slide8.xml><?xml version="1.0" encoding="utf-8"?>
-<p:sld xmlns:a="http://schemas.openxmlformats.org/drawingml/2006/main" xmlns:r="http://schemas.openxmlformats.org/officeDocument/2006/relationships" xmlns:p="http://schemas.openxmlformats.org/presentationml/2006/main">
-  <p:cSld>
-    <p:spTree>
-      <p:nvGrpSpPr>
-        <p:cNvPr id="1" name=""/>
-        <p:cNvGrpSpPr/>
-        <p:nvPr/>
-      </p:nvGrpSpPr>
-      <p:grpSpPr>
-        <a:xfrm>
-          <a:off x="0" y="0"/>
-          <a:ext cx="0" cy="0"/>
-          <a:chOff x="0" y="0"/>
-          <a:chExt cx="0" cy="0"/>
-        </a:xfrm>
-      </p:grpSpPr>
-      <p:sp>
-        <p:nvSpPr>
-          <p:cNvPr id="2" name="Título 1"/>
-          <p:cNvSpPr>
-            <a:spLocks noGrp="1"/>
-          </p:cNvSpPr>
-          <p:nvPr>
-            <p:ph type="title"/>
-          </p:nvPr>
-        </p:nvSpPr>
-        <p:spPr>
-          <a:xfrm>
-            <a:off x="609600" y="274638"/>
-            <a:ext cx="10972800" cy="680222"/>
-          </a:xfrm>
-        </p:spPr>
-        <p:txBody>
-          <a:bodyPr/>
-          <a:lstStyle/>
-          <a:p>
-            <a:r>
-              <a:rPr lang="pt-BR" dirty="0"/>
-              <a:t>Funcionamento</a:t>
-            </a:r>
-          </a:p>
-        </p:txBody>
-      </p:sp>
-      <p:sp>
-        <p:nvSpPr>
-          <p:cNvPr id="3" name="Espaço Reservado para Conteúdo 2"/>
-          <p:cNvSpPr>
-            <a:spLocks noGrp="1"/>
-          </p:cNvSpPr>
-          <p:nvPr>
-            <p:ph idx="1"/>
-          </p:nvPr>
-        </p:nvSpPr>
-        <p:spPr>
-          <a:xfrm>
-            <a:off x="609600" y="954860"/>
-            <a:ext cx="10972800" cy="714121"/>
-          </a:xfrm>
-        </p:spPr>
-        <p:txBody>
-          <a:bodyPr/>
-          <a:lstStyle/>
-          <a:p>
-            <a:r>
-              <a:rPr lang="pt-BR" dirty="0"/>
-              <a:t>Posição:</a:t>
-            </a:r>
-          </a:p>
-        </p:txBody>
-      </p:sp>
-      <p:pic>
-        <p:nvPicPr>
-          <p:cNvPr id="5" name="Imagem 4"/>
-          <p:cNvPicPr>
-            <a:picLocks noChangeAspect="1"/>
-          </p:cNvPicPr>
-          <p:nvPr/>
-        </p:nvPicPr>
-        <p:blipFill>
-          <a:blip r:embed="rId2">
-            <a:extLst>
-              <a:ext uri="{28A0092B-C50C-407E-A947-70E740481C1C}">
-                <a14:useLocalDpi xmlns:a14="http://schemas.microsoft.com/office/drawing/2010/main" val="0"/>
-              </a:ext>
-            </a:extLst>
-          </a:blip>
-          <a:stretch>
-            <a:fillRect/>
-          </a:stretch>
-        </p:blipFill>
-        <p:spPr>
-          <a:xfrm>
-            <a:off x="2258436" y="1668981"/>
-            <a:ext cx="7448550" cy="4903774"/>
-          </a:xfrm>
-          <a:prstGeom prst="rect">
-            <a:avLst/>
-          </a:prstGeom>
-        </p:spPr>
-      </p:pic>
-    </p:spTree>
-    <p:extLst>
-      <p:ext uri="{BB962C8B-B14F-4D97-AF65-F5344CB8AC3E}">
-        <p14:creationId xmlns:p14="http://schemas.microsoft.com/office/powerpoint/2010/main" val="63261545"/>
-      </p:ext>
-    </p:extLst>
-  </p:cSld>
-  <p:clrMapOvr>
-    <a:masterClrMapping/>
-  </p:clrMapOvr>
-</p:sld>
-</file>
-
-<file path=ppt/slides/slide9.xml><?xml version="1.0" encoding="utf-8"?>
 <p:sld xmlns:a="http://schemas.openxmlformats.org/drawingml/2006/main" xmlns:r="http://schemas.openxmlformats.org/officeDocument/2006/relationships" xmlns:p="http://schemas.openxmlformats.org/presentationml/2006/main">
   <p:cSld>
     <p:spTree>
@@ -6856,6 +6989,144 @@
     <p:extLst>
       <p:ext uri="{BB962C8B-B14F-4D97-AF65-F5344CB8AC3E}">
         <p14:creationId xmlns:p14="http://schemas.microsoft.com/office/powerpoint/2010/main" val="2264565989"/>
+      </p:ext>
+    </p:extLst>
+  </p:cSld>
+  <p:clrMapOvr>
+    <a:masterClrMapping/>
+  </p:clrMapOvr>
+</p:sld>
+</file>
+
+<file path=ppt/slides/slide9.xml><?xml version="1.0" encoding="utf-8"?>
+<p:sld xmlns:a="http://schemas.openxmlformats.org/drawingml/2006/main" xmlns:r="http://schemas.openxmlformats.org/officeDocument/2006/relationships" xmlns:p="http://schemas.openxmlformats.org/presentationml/2006/main">
+  <p:cSld>
+    <p:spTree>
+      <p:nvGrpSpPr>
+        <p:cNvPr id="1" name=""/>
+        <p:cNvGrpSpPr/>
+        <p:nvPr/>
+      </p:nvGrpSpPr>
+      <p:grpSpPr>
+        <a:xfrm>
+          <a:off x="0" y="0"/>
+          <a:ext cx="0" cy="0"/>
+          <a:chOff x="0" y="0"/>
+          <a:chExt cx="0" cy="0"/>
+        </a:xfrm>
+      </p:grpSpPr>
+      <p:sp>
+        <p:nvSpPr>
+          <p:cNvPr id="2" name="Título 1">
+            <a:extLst>
+              <a:ext uri="{FF2B5EF4-FFF2-40B4-BE49-F238E27FC236}">
+                <a16:creationId xmlns:a16="http://schemas.microsoft.com/office/drawing/2014/main" id="{D657C240-ABA4-4927-AB97-4D3E4134AF98}"/>
+              </a:ext>
+            </a:extLst>
+          </p:cNvPr>
+          <p:cNvSpPr>
+            <a:spLocks noGrp="1"/>
+          </p:cNvSpPr>
+          <p:nvPr>
+            <p:ph type="title"/>
+          </p:nvPr>
+        </p:nvSpPr>
+        <p:spPr/>
+        <p:txBody>
+          <a:bodyPr/>
+          <a:lstStyle/>
+          <a:p>
+            <a:r>
+              <a:rPr lang="pt-BR" dirty="0"/>
+              <a:t>Funcionamento</a:t>
+            </a:r>
+          </a:p>
+        </p:txBody>
+      </p:sp>
+      <p:sp>
+        <p:nvSpPr>
+          <p:cNvPr id="3" name="Espaço Reservado para Conteúdo 2">
+            <a:extLst>
+              <a:ext uri="{FF2B5EF4-FFF2-40B4-BE49-F238E27FC236}">
+                <a16:creationId xmlns:a16="http://schemas.microsoft.com/office/drawing/2014/main" id="{EB832D47-4175-4996-8BA0-D77D002E75F6}"/>
+              </a:ext>
+            </a:extLst>
+          </p:cNvPr>
+          <p:cNvSpPr>
+            <a:spLocks noGrp="1"/>
+          </p:cNvSpPr>
+          <p:nvPr>
+            <p:ph idx="1"/>
+          </p:nvPr>
+        </p:nvSpPr>
+        <p:spPr/>
+        <p:txBody>
+          <a:bodyPr/>
+          <a:lstStyle/>
+          <a:p>
+            <a:r>
+              <a:rPr lang="pt-BR" dirty="0"/>
+              <a:t>RSSI (</a:t>
+            </a:r>
+            <a:r>
+              <a:rPr lang="pt-BR" dirty="0" err="1"/>
+              <a:t>Received</a:t>
+            </a:r>
+            <a:r>
+              <a:rPr lang="pt-BR" dirty="0"/>
+              <a:t> </a:t>
+            </a:r>
+            <a:r>
+              <a:rPr lang="pt-BR" dirty="0" err="1"/>
+              <a:t>Signal</a:t>
+            </a:r>
+            <a:r>
+              <a:rPr lang="pt-BR" dirty="0"/>
+              <a:t> </a:t>
+            </a:r>
+            <a:r>
+              <a:rPr lang="pt-BR" dirty="0" err="1"/>
+              <a:t>Strength</a:t>
+            </a:r>
+            <a:r>
+              <a:rPr lang="pt-BR" dirty="0"/>
+              <a:t> </a:t>
+            </a:r>
+            <a:r>
+              <a:rPr lang="pt-BR" dirty="0" err="1"/>
+              <a:t>Indicator</a:t>
+            </a:r>
+            <a:r>
+              <a:rPr lang="pt-BR" dirty="0"/>
+              <a:t>):</a:t>
+            </a:r>
+          </a:p>
+          <a:p>
+            <a:pPr lvl="1"/>
+            <a:r>
+              <a:rPr lang="pt-BR" dirty="0"/>
+              <a:t>Indicador de força/intensidade do sinal recebido</a:t>
+            </a:r>
+          </a:p>
+          <a:p>
+            <a:pPr lvl="1"/>
+            <a:r>
+              <a:rPr lang="pt-BR" dirty="0"/>
+              <a:t>O cálculo do RSSI é feito automaticamente por uma função já existente na biblioteca do módulo ESP8266 que retorna um valor em dB;</a:t>
+            </a:r>
+          </a:p>
+          <a:p>
+            <a:pPr marL="0" indent="0">
+              <a:buNone/>
+            </a:pPr>
+            <a:endParaRPr lang="pt-BR" dirty="0"/>
+          </a:p>
+        </p:txBody>
+      </p:sp>
+    </p:spTree>
+    <p:extLst>
+      <p:ext uri="{BB962C8B-B14F-4D97-AF65-F5344CB8AC3E}">
+        <p14:creationId xmlns:p14="http://schemas.microsoft.com/office/powerpoint/2010/main" val="3410326930"/>
       </p:ext>
     </p:extLst>
   </p:cSld>

--- a/Documentação/Apresentação Projeto PID.pptx
+++ b/Documentação/Apresentação Projeto PID.pptx
@@ -12,12 +12,11 @@
     <p:sldId id="263" r:id="rId6"/>
     <p:sldId id="265" r:id="rId7"/>
     <p:sldId id="266" r:id="rId8"/>
-    <p:sldId id="260" r:id="rId9"/>
-    <p:sldId id="268" r:id="rId10"/>
-    <p:sldId id="259" r:id="rId11"/>
-    <p:sldId id="258" r:id="rId12"/>
-    <p:sldId id="261" r:id="rId13"/>
-    <p:sldId id="267" r:id="rId14"/>
+    <p:sldId id="268" r:id="rId9"/>
+    <p:sldId id="259" r:id="rId10"/>
+    <p:sldId id="258" r:id="rId11"/>
+    <p:sldId id="261" r:id="rId12"/>
+    <p:sldId id="267" r:id="rId13"/>
   </p:sldIdLst>
   <p:sldSz cx="12192000" cy="6858000"/>
   <p:notesSz cx="6858000" cy="9144000"/>
@@ -4566,240 +4565,6 @@
         <p:spPr>
           <a:xfrm>
             <a:off x="609600" y="274638"/>
-            <a:ext cx="10972800" cy="680222"/>
-          </a:xfrm>
-        </p:spPr>
-        <p:txBody>
-          <a:bodyPr/>
-          <a:lstStyle/>
-          <a:p>
-            <a:r>
-              <a:rPr lang="pt-BR" dirty="0"/>
-              <a:t>Funcionamento</a:t>
-            </a:r>
-          </a:p>
-        </p:txBody>
-      </p:sp>
-      <p:sp>
-        <p:nvSpPr>
-          <p:cNvPr id="3" name="Espaço Reservado para Conteúdo 2"/>
-          <p:cNvSpPr>
-            <a:spLocks noGrp="1"/>
-          </p:cNvSpPr>
-          <p:nvPr>
-            <p:ph idx="1"/>
-          </p:nvPr>
-        </p:nvSpPr>
-        <p:spPr>
-          <a:xfrm>
-            <a:off x="609600" y="954860"/>
-            <a:ext cx="10972800" cy="714121"/>
-          </a:xfrm>
-        </p:spPr>
-        <p:txBody>
-          <a:bodyPr/>
-          <a:lstStyle/>
-          <a:p>
-            <a:r>
-              <a:rPr lang="pt-BR" dirty="0"/>
-              <a:t>Perda de propagação no espaço livre:</a:t>
-            </a:r>
-          </a:p>
-        </p:txBody>
-      </p:sp>
-      <p:pic>
-        <p:nvPicPr>
-          <p:cNvPr id="4" name="Imagem 3">
-            <a:extLst>
-              <a:ext uri="{FF2B5EF4-FFF2-40B4-BE49-F238E27FC236}">
-                <a16:creationId xmlns:a16="http://schemas.microsoft.com/office/drawing/2014/main" id="{72B2E2F5-4892-41DC-8205-F999B13188F4}"/>
-              </a:ext>
-            </a:extLst>
-          </p:cNvPr>
-          <p:cNvPicPr>
-            <a:picLocks noChangeAspect="1"/>
-          </p:cNvPicPr>
-          <p:nvPr/>
-        </p:nvPicPr>
-        <p:blipFill>
-          <a:blip r:embed="rId2"/>
-          <a:stretch>
-            <a:fillRect/>
-          </a:stretch>
-        </p:blipFill>
-        <p:spPr>
-          <a:xfrm>
-            <a:off x="757858" y="1668981"/>
-            <a:ext cx="7498246" cy="4450713"/>
-          </a:xfrm>
-          <a:prstGeom prst="rect">
-            <a:avLst/>
-          </a:prstGeom>
-        </p:spPr>
-      </p:pic>
-      <p:pic>
-        <p:nvPicPr>
-          <p:cNvPr id="6" name="Imagem 5">
-            <a:extLst>
-              <a:ext uri="{FF2B5EF4-FFF2-40B4-BE49-F238E27FC236}">
-                <a16:creationId xmlns:a16="http://schemas.microsoft.com/office/drawing/2014/main" id="{13A0869D-1C3A-4154-BEC5-F0B2AC40E5F9}"/>
-              </a:ext>
-            </a:extLst>
-          </p:cNvPr>
-          <p:cNvPicPr>
-            <a:picLocks noChangeAspect="1"/>
-          </p:cNvPicPr>
-          <p:nvPr/>
-        </p:nvPicPr>
-        <p:blipFill>
-          <a:blip r:embed="rId3"/>
-          <a:stretch>
-            <a:fillRect/>
-          </a:stretch>
-        </p:blipFill>
-        <p:spPr>
-          <a:xfrm>
-            <a:off x="8256104" y="1742909"/>
-            <a:ext cx="3364819" cy="724541"/>
-          </a:xfrm>
-          <a:prstGeom prst="rect">
-            <a:avLst/>
-          </a:prstGeom>
-        </p:spPr>
-      </p:pic>
-      <p:pic>
-        <p:nvPicPr>
-          <p:cNvPr id="7" name="Imagem 6">
-            <a:extLst>
-              <a:ext uri="{FF2B5EF4-FFF2-40B4-BE49-F238E27FC236}">
-                <a16:creationId xmlns:a16="http://schemas.microsoft.com/office/drawing/2014/main" id="{2B94C1A4-0BDC-4F0B-9319-8B4E5AE66092}"/>
-              </a:ext>
-            </a:extLst>
-          </p:cNvPr>
-          <p:cNvPicPr>
-            <a:picLocks noChangeAspect="1"/>
-          </p:cNvPicPr>
-          <p:nvPr/>
-        </p:nvPicPr>
-        <p:blipFill>
-          <a:blip r:embed="rId4"/>
-          <a:stretch>
-            <a:fillRect/>
-          </a:stretch>
-        </p:blipFill>
-        <p:spPr>
-          <a:xfrm>
-            <a:off x="8356533" y="2684180"/>
-            <a:ext cx="2766394" cy="433444"/>
-          </a:xfrm>
-          <a:prstGeom prst="rect">
-            <a:avLst/>
-          </a:prstGeom>
-        </p:spPr>
-      </p:pic>
-      <p:pic>
-        <p:nvPicPr>
-          <p:cNvPr id="8" name="Imagem 7">
-            <a:extLst>
-              <a:ext uri="{FF2B5EF4-FFF2-40B4-BE49-F238E27FC236}">
-                <a16:creationId xmlns:a16="http://schemas.microsoft.com/office/drawing/2014/main" id="{B2217DE7-186A-4A1F-BC4D-8FA0C9D33A4A}"/>
-              </a:ext>
-            </a:extLst>
-          </p:cNvPr>
-          <p:cNvPicPr>
-            <a:picLocks noChangeAspect="1"/>
-          </p:cNvPicPr>
-          <p:nvPr/>
-        </p:nvPicPr>
-        <p:blipFill>
-          <a:blip r:embed="rId5"/>
-          <a:stretch>
-            <a:fillRect/>
-          </a:stretch>
-        </p:blipFill>
-        <p:spPr>
-          <a:xfrm>
-            <a:off x="11122927" y="2733201"/>
-            <a:ext cx="645003" cy="335402"/>
-          </a:xfrm>
-          <a:prstGeom prst="rect">
-            <a:avLst/>
-          </a:prstGeom>
-        </p:spPr>
-      </p:pic>
-      <p:pic>
-        <p:nvPicPr>
-          <p:cNvPr id="9" name="Imagem 8">
-            <a:extLst>
-              <a:ext uri="{FF2B5EF4-FFF2-40B4-BE49-F238E27FC236}">
-                <a16:creationId xmlns:a16="http://schemas.microsoft.com/office/drawing/2014/main" id="{2D157810-A938-447D-8968-58A715187B03}"/>
-              </a:ext>
-            </a:extLst>
-          </p:cNvPr>
-          <p:cNvPicPr>
-            <a:picLocks noChangeAspect="1"/>
-          </p:cNvPicPr>
-          <p:nvPr/>
-        </p:nvPicPr>
-        <p:blipFill>
-          <a:blip r:embed="rId6"/>
-          <a:stretch>
-            <a:fillRect/>
-          </a:stretch>
-        </p:blipFill>
-        <p:spPr>
-          <a:xfrm>
-            <a:off x="8256104" y="4165152"/>
-            <a:ext cx="3402133" cy="433445"/>
-          </a:xfrm>
-          <a:prstGeom prst="rect">
-            <a:avLst/>
-          </a:prstGeom>
-        </p:spPr>
-      </p:pic>
-    </p:spTree>
-    <p:extLst>
-      <p:ext uri="{BB962C8B-B14F-4D97-AF65-F5344CB8AC3E}">
-        <p14:creationId xmlns:p14="http://schemas.microsoft.com/office/powerpoint/2010/main" val="63261545"/>
-      </p:ext>
-    </p:extLst>
-  </p:cSld>
-  <p:clrMapOvr>
-    <a:masterClrMapping/>
-  </p:clrMapOvr>
-</p:sld>
-</file>
-
-<file path=ppt/slides/slide11.xml><?xml version="1.0" encoding="utf-8"?>
-<p:sld xmlns:a="http://schemas.openxmlformats.org/drawingml/2006/main" xmlns:r="http://schemas.openxmlformats.org/officeDocument/2006/relationships" xmlns:p="http://schemas.openxmlformats.org/presentationml/2006/main">
-  <p:cSld>
-    <p:spTree>
-      <p:nvGrpSpPr>
-        <p:cNvPr id="1" name=""/>
-        <p:cNvGrpSpPr/>
-        <p:nvPr/>
-      </p:nvGrpSpPr>
-      <p:grpSpPr>
-        <a:xfrm>
-          <a:off x="0" y="0"/>
-          <a:ext cx="0" cy="0"/>
-          <a:chOff x="0" y="0"/>
-          <a:chExt cx="0" cy="0"/>
-        </a:xfrm>
-      </p:grpSpPr>
-      <p:sp>
-        <p:nvSpPr>
-          <p:cNvPr id="2" name="Título 1"/>
-          <p:cNvSpPr>
-            <a:spLocks noGrp="1"/>
-          </p:cNvSpPr>
-          <p:nvPr>
-            <p:ph type="title"/>
-          </p:nvPr>
-        </p:nvSpPr>
-        <p:spPr>
-          <a:xfrm>
-            <a:off x="609600" y="274638"/>
             <a:ext cx="10972800" cy="704498"/>
           </a:xfrm>
         </p:spPr>
@@ -4995,7 +4760,7 @@
 </p:sld>
 </file>
 
-<file path=ppt/slides/slide12.xml><?xml version="1.0" encoding="utf-8"?>
+<file path=ppt/slides/slide11.xml><?xml version="1.0" encoding="utf-8"?>
 <p:sld xmlns:a="http://schemas.openxmlformats.org/drawingml/2006/main" xmlns:r="http://schemas.openxmlformats.org/officeDocument/2006/relationships" xmlns:p="http://schemas.openxmlformats.org/presentationml/2006/main">
   <p:cSld>
     <p:spTree>
@@ -5126,7 +4891,7 @@
 </p:sld>
 </file>
 
-<file path=ppt/slides/slide13.xml><?xml version="1.0" encoding="utf-8"?>
+<file path=ppt/slides/slide12.xml><?xml version="1.0" encoding="utf-8"?>
 <p:sld xmlns:a="http://schemas.openxmlformats.org/drawingml/2006/main" xmlns:r="http://schemas.openxmlformats.org/officeDocument/2006/relationships" xmlns:p="http://schemas.openxmlformats.org/presentationml/2006/main">
   <p:cSld>
     <p:spTree>
@@ -5922,6 +5687,16 @@
                 <a:cs typeface="Arial" pitchFamily="34" charset="0"/>
               </a:rPr>
               <a:t>Reconhecer em qual sala e andar o funcionário se encontra.</a:t>
+            </a:r>
+          </a:p>
+          <a:p>
+            <a:pPr algn="just"/>
+            <a:r>
+              <a:rPr lang="pt-BR" dirty="0">
+                <a:latin typeface="Arial" pitchFamily="34" charset="0"/>
+                <a:cs typeface="Arial" pitchFamily="34" charset="0"/>
+              </a:rPr>
+              <a:t>Identificar pessoa.</a:t>
             </a:r>
           </a:p>
           <a:p>
@@ -6894,101 +6669,124 @@
       </p:grpSpPr>
       <p:sp>
         <p:nvSpPr>
-          <p:cNvPr id="2" name="Título 1"/>
-          <p:cNvSpPr>
-            <a:spLocks noGrp="1"/>
-          </p:cNvSpPr>
-          <p:nvPr>
-            <p:ph type="title"/>
-          </p:nvPr>
-        </p:nvSpPr>
-        <p:spPr>
-          <a:xfrm>
-            <a:off x="609600" y="179924"/>
-            <a:ext cx="10972800" cy="1143000"/>
-          </a:xfrm>
-        </p:spPr>
-        <p:txBody>
-          <a:bodyPr/>
-          <a:lstStyle/>
-          <a:p>
-            <a:r>
-              <a:rPr lang="pt-BR" dirty="0"/>
-              <a:t>Funcionamento</a:t>
-            </a:r>
-          </a:p>
-        </p:txBody>
-      </p:sp>
-      <p:sp>
-        <p:nvSpPr>
-          <p:cNvPr id="3" name="Espaço Reservado para Conteúdo 2"/>
-          <p:cNvSpPr>
-            <a:spLocks noGrp="1"/>
-          </p:cNvSpPr>
-          <p:nvPr>
-            <p:ph idx="1"/>
-          </p:nvPr>
-        </p:nvSpPr>
-        <p:spPr>
-          <a:xfrm>
-            <a:off x="609600" y="1267094"/>
-            <a:ext cx="10972800" cy="4525963"/>
-          </a:xfrm>
-        </p:spPr>
-        <p:txBody>
-          <a:bodyPr/>
-          <a:lstStyle/>
-          <a:p>
-            <a:r>
-              <a:rPr lang="pt-BR" dirty="0"/>
-              <a:t>Reconhecimento da pessoa:</a:t>
-            </a:r>
-          </a:p>
-          <a:p>
-            <a:endParaRPr lang="pt-BR" dirty="0"/>
-          </a:p>
-        </p:txBody>
-      </p:sp>
-      <p:pic>
-        <p:nvPicPr>
-          <p:cNvPr id="10" name="Imagem 9">
+          <p:cNvPr id="2" name="Título 1">
             <a:extLst>
               <a:ext uri="{FF2B5EF4-FFF2-40B4-BE49-F238E27FC236}">
-                <a16:creationId xmlns:a16="http://schemas.microsoft.com/office/drawing/2014/main" id="{C6CC0296-3456-4172-8DB9-6148A9C72B33}"/>
+                <a16:creationId xmlns:a16="http://schemas.microsoft.com/office/drawing/2014/main" id="{D657C240-ABA4-4927-AB97-4D3E4134AF98}"/>
               </a:ext>
             </a:extLst>
           </p:cNvPr>
-          <p:cNvPicPr>
-            <a:picLocks noChangeAspect="1"/>
-          </p:cNvPicPr>
-          <p:nvPr/>
-        </p:nvPicPr>
-        <p:blipFill>
-          <a:blip r:embed="rId2">
+          <p:cNvSpPr>
+            <a:spLocks noGrp="1"/>
+          </p:cNvSpPr>
+          <p:nvPr>
+            <p:ph type="title"/>
+          </p:nvPr>
+        </p:nvSpPr>
+        <p:spPr/>
+        <p:txBody>
+          <a:bodyPr/>
+          <a:lstStyle/>
+          <a:p>
+            <a:r>
+              <a:rPr lang="pt-BR" dirty="0"/>
+              <a:t>Funcionamento</a:t>
+            </a:r>
+          </a:p>
+        </p:txBody>
+      </p:sp>
+      <p:sp>
+        <p:nvSpPr>
+          <p:cNvPr id="3" name="Espaço Reservado para Conteúdo 2">
             <a:extLst>
-              <a:ext uri="{28A0092B-C50C-407E-A947-70E740481C1C}">
-                <a14:useLocalDpi xmlns:a14="http://schemas.microsoft.com/office/drawing/2010/main" val="0"/>
+              <a:ext uri="{FF2B5EF4-FFF2-40B4-BE49-F238E27FC236}">
+                <a16:creationId xmlns:a16="http://schemas.microsoft.com/office/drawing/2014/main" id="{EB832D47-4175-4996-8BA0-D77D002E75F6}"/>
               </a:ext>
             </a:extLst>
-          </a:blip>
-          <a:stretch>
-            <a:fillRect/>
-          </a:stretch>
-        </p:blipFill>
-        <p:spPr>
-          <a:xfrm>
-            <a:off x="808633" y="2115871"/>
-            <a:ext cx="9687089" cy="4192856"/>
-          </a:xfrm>
-          <a:prstGeom prst="rect">
-            <a:avLst/>
-          </a:prstGeom>
-        </p:spPr>
-      </p:pic>
+          </p:cNvPr>
+          <p:cNvSpPr>
+            <a:spLocks noGrp="1"/>
+          </p:cNvSpPr>
+          <p:nvPr>
+            <p:ph idx="1"/>
+          </p:nvPr>
+        </p:nvSpPr>
+        <p:spPr/>
+        <p:txBody>
+          <a:bodyPr/>
+          <a:lstStyle/>
+          <a:p>
+            <a:r>
+              <a:rPr lang="pt-BR" dirty="0"/>
+              <a:t>RSSI (</a:t>
+            </a:r>
+            <a:r>
+              <a:rPr lang="pt-BR" dirty="0" err="1"/>
+              <a:t>Received</a:t>
+            </a:r>
+            <a:r>
+              <a:rPr lang="pt-BR" dirty="0"/>
+              <a:t> </a:t>
+            </a:r>
+            <a:r>
+              <a:rPr lang="pt-BR" dirty="0" err="1"/>
+              <a:t>Signal</a:t>
+            </a:r>
+            <a:r>
+              <a:rPr lang="pt-BR" dirty="0"/>
+              <a:t> </a:t>
+            </a:r>
+            <a:r>
+              <a:rPr lang="pt-BR" dirty="0" err="1"/>
+              <a:t>Strength</a:t>
+            </a:r>
+            <a:r>
+              <a:rPr lang="pt-BR" dirty="0"/>
+              <a:t> </a:t>
+            </a:r>
+            <a:r>
+              <a:rPr lang="pt-BR" dirty="0" err="1"/>
+              <a:t>Indicator</a:t>
+            </a:r>
+            <a:r>
+              <a:rPr lang="pt-BR" dirty="0"/>
+              <a:t>):</a:t>
+            </a:r>
+          </a:p>
+          <a:p>
+            <a:pPr lvl="1"/>
+            <a:r>
+              <a:rPr lang="pt-BR" dirty="0"/>
+              <a:t>Indicador de força/intensidade do sinal recebido</a:t>
+            </a:r>
+          </a:p>
+          <a:p>
+            <a:pPr lvl="1"/>
+            <a:r>
+              <a:rPr lang="pt-BR" dirty="0"/>
+              <a:t>O cálculo do RSSI é feito </a:t>
+            </a:r>
+            <a:r>
+              <a:rPr lang="pt-BR" dirty="0" err="1"/>
+              <a:t>predefinidamente</a:t>
+            </a:r>
+            <a:r>
+              <a:rPr lang="pt-BR" dirty="0"/>
+              <a:t> por uma função já existente na biblioteca do módulo ESP8266 que retorna um valor em dB;</a:t>
+            </a:r>
+          </a:p>
+          <a:p>
+            <a:pPr marL="0" indent="0">
+              <a:buNone/>
+            </a:pPr>
+            <a:endParaRPr lang="pt-BR" dirty="0"/>
+          </a:p>
+        </p:txBody>
+      </p:sp>
     </p:spTree>
     <p:extLst>
       <p:ext uri="{BB962C8B-B14F-4D97-AF65-F5344CB8AC3E}">
-        <p14:creationId xmlns:p14="http://schemas.microsoft.com/office/powerpoint/2010/main" val="2264565989"/>
+        <p14:creationId xmlns:p14="http://schemas.microsoft.com/office/powerpoint/2010/main" val="3410326930"/>
       </p:ext>
     </p:extLst>
   </p:cSld>
@@ -7017,116 +6815,212 @@
       </p:grpSpPr>
       <p:sp>
         <p:nvSpPr>
-          <p:cNvPr id="2" name="Título 1">
+          <p:cNvPr id="2" name="Título 1"/>
+          <p:cNvSpPr>
+            <a:spLocks noGrp="1"/>
+          </p:cNvSpPr>
+          <p:nvPr>
+            <p:ph type="title"/>
+          </p:nvPr>
+        </p:nvSpPr>
+        <p:spPr>
+          <a:xfrm>
+            <a:off x="609600" y="274638"/>
+            <a:ext cx="10972800" cy="680222"/>
+          </a:xfrm>
+        </p:spPr>
+        <p:txBody>
+          <a:bodyPr/>
+          <a:lstStyle/>
+          <a:p>
+            <a:r>
+              <a:rPr lang="pt-BR" dirty="0"/>
+              <a:t>Funcionamento</a:t>
+            </a:r>
+          </a:p>
+        </p:txBody>
+      </p:sp>
+      <p:sp>
+        <p:nvSpPr>
+          <p:cNvPr id="3" name="Espaço Reservado para Conteúdo 2"/>
+          <p:cNvSpPr>
+            <a:spLocks noGrp="1"/>
+          </p:cNvSpPr>
+          <p:nvPr>
+            <p:ph idx="1"/>
+          </p:nvPr>
+        </p:nvSpPr>
+        <p:spPr>
+          <a:xfrm>
+            <a:off x="609600" y="954860"/>
+            <a:ext cx="10972800" cy="714121"/>
+          </a:xfrm>
+        </p:spPr>
+        <p:txBody>
+          <a:bodyPr/>
+          <a:lstStyle/>
+          <a:p>
+            <a:r>
+              <a:rPr lang="pt-BR" dirty="0"/>
+              <a:t>Perda de propagação no espaço livre:</a:t>
+            </a:r>
+          </a:p>
+        </p:txBody>
+      </p:sp>
+      <p:pic>
+        <p:nvPicPr>
+          <p:cNvPr id="4" name="Imagem 3">
             <a:extLst>
               <a:ext uri="{FF2B5EF4-FFF2-40B4-BE49-F238E27FC236}">
-                <a16:creationId xmlns:a16="http://schemas.microsoft.com/office/drawing/2014/main" id="{D657C240-ABA4-4927-AB97-4D3E4134AF98}"/>
+                <a16:creationId xmlns:a16="http://schemas.microsoft.com/office/drawing/2014/main" id="{72B2E2F5-4892-41DC-8205-F999B13188F4}"/>
               </a:ext>
             </a:extLst>
           </p:cNvPr>
-          <p:cNvSpPr>
-            <a:spLocks noGrp="1"/>
-          </p:cNvSpPr>
-          <p:nvPr>
-            <p:ph type="title"/>
-          </p:nvPr>
-        </p:nvSpPr>
-        <p:spPr/>
-        <p:txBody>
-          <a:bodyPr/>
-          <a:lstStyle/>
-          <a:p>
-            <a:r>
-              <a:rPr lang="pt-BR" dirty="0"/>
-              <a:t>Funcionamento</a:t>
-            </a:r>
-          </a:p>
-        </p:txBody>
-      </p:sp>
-      <p:sp>
-        <p:nvSpPr>
-          <p:cNvPr id="3" name="Espaço Reservado para Conteúdo 2">
+          <p:cNvPicPr>
+            <a:picLocks noChangeAspect="1"/>
+          </p:cNvPicPr>
+          <p:nvPr/>
+        </p:nvPicPr>
+        <p:blipFill>
+          <a:blip r:embed="rId2"/>
+          <a:stretch>
+            <a:fillRect/>
+          </a:stretch>
+        </p:blipFill>
+        <p:spPr>
+          <a:xfrm>
+            <a:off x="757858" y="1668981"/>
+            <a:ext cx="7498246" cy="4450713"/>
+          </a:xfrm>
+          <a:prstGeom prst="rect">
+            <a:avLst/>
+          </a:prstGeom>
+        </p:spPr>
+      </p:pic>
+      <p:pic>
+        <p:nvPicPr>
+          <p:cNvPr id="6" name="Imagem 5">
             <a:extLst>
               <a:ext uri="{FF2B5EF4-FFF2-40B4-BE49-F238E27FC236}">
-                <a16:creationId xmlns:a16="http://schemas.microsoft.com/office/drawing/2014/main" id="{EB832D47-4175-4996-8BA0-D77D002E75F6}"/>
+                <a16:creationId xmlns:a16="http://schemas.microsoft.com/office/drawing/2014/main" id="{13A0869D-1C3A-4154-BEC5-F0B2AC40E5F9}"/>
               </a:ext>
             </a:extLst>
           </p:cNvPr>
-          <p:cNvSpPr>
-            <a:spLocks noGrp="1"/>
-          </p:cNvSpPr>
-          <p:nvPr>
-            <p:ph idx="1"/>
-          </p:nvPr>
-        </p:nvSpPr>
-        <p:spPr/>
-        <p:txBody>
-          <a:bodyPr/>
-          <a:lstStyle/>
-          <a:p>
-            <a:r>
-              <a:rPr lang="pt-BR" dirty="0"/>
-              <a:t>RSSI (</a:t>
-            </a:r>
-            <a:r>
-              <a:rPr lang="pt-BR" dirty="0" err="1"/>
-              <a:t>Received</a:t>
-            </a:r>
-            <a:r>
-              <a:rPr lang="pt-BR" dirty="0"/>
-              <a:t> </a:t>
-            </a:r>
-            <a:r>
-              <a:rPr lang="pt-BR" dirty="0" err="1"/>
-              <a:t>Signal</a:t>
-            </a:r>
-            <a:r>
-              <a:rPr lang="pt-BR" dirty="0"/>
-              <a:t> </a:t>
-            </a:r>
-            <a:r>
-              <a:rPr lang="pt-BR" dirty="0" err="1"/>
-              <a:t>Strength</a:t>
-            </a:r>
-            <a:r>
-              <a:rPr lang="pt-BR" dirty="0"/>
-              <a:t> </a:t>
-            </a:r>
-            <a:r>
-              <a:rPr lang="pt-BR" dirty="0" err="1"/>
-              <a:t>Indicator</a:t>
-            </a:r>
-            <a:r>
-              <a:rPr lang="pt-BR" dirty="0"/>
-              <a:t>):</a:t>
-            </a:r>
-          </a:p>
-          <a:p>
-            <a:pPr lvl="1"/>
-            <a:r>
-              <a:rPr lang="pt-BR" dirty="0"/>
-              <a:t>Indicador de força/intensidade do sinal recebido</a:t>
-            </a:r>
-          </a:p>
-          <a:p>
-            <a:pPr lvl="1"/>
-            <a:r>
-              <a:rPr lang="pt-BR" dirty="0"/>
-              <a:t>O cálculo do RSSI é feito automaticamente por uma função já existente na biblioteca do módulo ESP8266 que retorna um valor em dB;</a:t>
-            </a:r>
-          </a:p>
-          <a:p>
-            <a:pPr marL="0" indent="0">
-              <a:buNone/>
-            </a:pPr>
-            <a:endParaRPr lang="pt-BR" dirty="0"/>
-          </a:p>
-        </p:txBody>
-      </p:sp>
+          <p:cNvPicPr>
+            <a:picLocks noChangeAspect="1"/>
+          </p:cNvPicPr>
+          <p:nvPr/>
+        </p:nvPicPr>
+        <p:blipFill>
+          <a:blip r:embed="rId3"/>
+          <a:stretch>
+            <a:fillRect/>
+          </a:stretch>
+        </p:blipFill>
+        <p:spPr>
+          <a:xfrm>
+            <a:off x="8256104" y="1742909"/>
+            <a:ext cx="3364819" cy="724541"/>
+          </a:xfrm>
+          <a:prstGeom prst="rect">
+            <a:avLst/>
+          </a:prstGeom>
+        </p:spPr>
+      </p:pic>
+      <p:pic>
+        <p:nvPicPr>
+          <p:cNvPr id="7" name="Imagem 6">
+            <a:extLst>
+              <a:ext uri="{FF2B5EF4-FFF2-40B4-BE49-F238E27FC236}">
+                <a16:creationId xmlns:a16="http://schemas.microsoft.com/office/drawing/2014/main" id="{2B94C1A4-0BDC-4F0B-9319-8B4E5AE66092}"/>
+              </a:ext>
+            </a:extLst>
+          </p:cNvPr>
+          <p:cNvPicPr>
+            <a:picLocks noChangeAspect="1"/>
+          </p:cNvPicPr>
+          <p:nvPr/>
+        </p:nvPicPr>
+        <p:blipFill>
+          <a:blip r:embed="rId4"/>
+          <a:stretch>
+            <a:fillRect/>
+          </a:stretch>
+        </p:blipFill>
+        <p:spPr>
+          <a:xfrm>
+            <a:off x="8356533" y="2684180"/>
+            <a:ext cx="2766394" cy="433444"/>
+          </a:xfrm>
+          <a:prstGeom prst="rect">
+            <a:avLst/>
+          </a:prstGeom>
+        </p:spPr>
+      </p:pic>
+      <p:pic>
+        <p:nvPicPr>
+          <p:cNvPr id="8" name="Imagem 7">
+            <a:extLst>
+              <a:ext uri="{FF2B5EF4-FFF2-40B4-BE49-F238E27FC236}">
+                <a16:creationId xmlns:a16="http://schemas.microsoft.com/office/drawing/2014/main" id="{B2217DE7-186A-4A1F-BC4D-8FA0C9D33A4A}"/>
+              </a:ext>
+            </a:extLst>
+          </p:cNvPr>
+          <p:cNvPicPr>
+            <a:picLocks noChangeAspect="1"/>
+          </p:cNvPicPr>
+          <p:nvPr/>
+        </p:nvPicPr>
+        <p:blipFill>
+          <a:blip r:embed="rId5"/>
+          <a:stretch>
+            <a:fillRect/>
+          </a:stretch>
+        </p:blipFill>
+        <p:spPr>
+          <a:xfrm>
+            <a:off x="11122927" y="2733201"/>
+            <a:ext cx="645003" cy="335402"/>
+          </a:xfrm>
+          <a:prstGeom prst="rect">
+            <a:avLst/>
+          </a:prstGeom>
+        </p:spPr>
+      </p:pic>
+      <p:pic>
+        <p:nvPicPr>
+          <p:cNvPr id="5" name="Imagem 4">
+            <a:extLst>
+              <a:ext uri="{FF2B5EF4-FFF2-40B4-BE49-F238E27FC236}">
+                <a16:creationId xmlns:a16="http://schemas.microsoft.com/office/drawing/2014/main" id="{6CE9D224-2685-4638-B91D-DDEDE77FAE85}"/>
+              </a:ext>
+            </a:extLst>
+          </p:cNvPr>
+          <p:cNvPicPr>
+            <a:picLocks noChangeAspect="1"/>
+          </p:cNvPicPr>
+          <p:nvPr/>
+        </p:nvPicPr>
+        <p:blipFill>
+          <a:blip r:embed="rId6"/>
+          <a:stretch>
+            <a:fillRect/>
+          </a:stretch>
+        </p:blipFill>
+        <p:spPr>
+          <a:xfrm>
+            <a:off x="7977808" y="4079573"/>
+            <a:ext cx="4094922" cy="518092"/>
+          </a:xfrm>
+          <a:prstGeom prst="rect">
+            <a:avLst/>
+          </a:prstGeom>
+        </p:spPr>
+      </p:pic>
     </p:spTree>
     <p:extLst>
       <p:ext uri="{BB962C8B-B14F-4D97-AF65-F5344CB8AC3E}">
-        <p14:creationId xmlns:p14="http://schemas.microsoft.com/office/powerpoint/2010/main" val="3410326930"/>
+        <p14:creationId xmlns:p14="http://schemas.microsoft.com/office/powerpoint/2010/main" val="63261545"/>
       </p:ext>
     </p:extLst>
   </p:cSld>

--- a/Documentação/Apresentação Projeto PID.pptx
+++ b/Documentação/Apresentação Projeto PID.pptx
@@ -4,6 +4,9 @@
   <p:sldMasterIdLst>
     <p:sldMasterId id="2147483660" r:id="rId1"/>
   </p:sldMasterIdLst>
+  <p:notesMasterIdLst>
+    <p:notesMasterId r:id="rId21"/>
+  </p:notesMasterIdLst>
   <p:sldIdLst>
     <p:sldId id="256" r:id="rId2"/>
     <p:sldId id="257" r:id="rId3"/>
@@ -16,7 +19,14 @@
     <p:sldId id="259" r:id="rId10"/>
     <p:sldId id="258" r:id="rId11"/>
     <p:sldId id="261" r:id="rId12"/>
-    <p:sldId id="267" r:id="rId13"/>
+    <p:sldId id="269" r:id="rId13"/>
+    <p:sldId id="270" r:id="rId14"/>
+    <p:sldId id="271" r:id="rId15"/>
+    <p:sldId id="272" r:id="rId16"/>
+    <p:sldId id="273" r:id="rId17"/>
+    <p:sldId id="274" r:id="rId18"/>
+    <p:sldId id="275" r:id="rId19"/>
+    <p:sldId id="267" r:id="rId20"/>
   </p:sldIdLst>
   <p:sldSz cx="12192000" cy="6858000"/>
   <p:notesSz cx="6858000" cy="9144000"/>
@@ -123,6 +133,1011 @@
 </p:presentation>
 </file>
 
+<file path=ppt/revisionInfo.xml><?xml version="1.0" encoding="utf-8"?>
+<p1510:revInfo xmlns:a="http://schemas.openxmlformats.org/drawingml/2006/main" xmlns:r="http://schemas.openxmlformats.org/officeDocument/2006/relationships" xmlns:p1510="http://schemas.microsoft.com/office/powerpoint/2015/10/main">
+  <p1510:revLst>
+    <p1510:client id="{57015670-CF21-4385-8615-D58ECE80EAC3}" v="13" dt="2018-11-27T19:48:00.405"/>
+    <p1510:client id="{412F841C-B755-414D-A3EA-C7D4C725A165}" v="657" dt="2018-11-27T20:42:03.602"/>
+  </p1510:revLst>
+</p1510:revInfo>
+</file>
+
+<file path=ppt/changesInfos/changesInfo1.xml><?xml version="1.0" encoding="utf-8"?>
+<pc:chgInfo xmlns:a="http://schemas.openxmlformats.org/drawingml/2006/main" xmlns:r="http://schemas.openxmlformats.org/officeDocument/2006/relationships" xmlns:ac="http://schemas.microsoft.com/office/drawing/2013/main/command" xmlns:pc="http://schemas.microsoft.com/office/powerpoint/2013/main/command">
+  <pc:docChgLst>
+    <pc:chgData name="Luiz Guilherme das Chagas" userId="206fdf12f7296ded" providerId="Windows Live" clId="Web-{908E70AC-A64B-49FC-8876-CBDC0619EC26}"/>
+    <pc:docChg chg="modSld">
+      <pc:chgData name="Luiz Guilherme das Chagas" userId="206fdf12f7296ded" providerId="Windows Live" clId="Web-{908E70AC-A64B-49FC-8876-CBDC0619EC26}" dt="2018-11-27T19:40:32.665" v="0"/>
+      <pc:docMkLst>
+        <pc:docMk/>
+      </pc:docMkLst>
+      <pc:sldChg chg="addSp delSp modSp">
+        <pc:chgData name="Luiz Guilherme das Chagas" userId="206fdf12f7296ded" providerId="Windows Live" clId="Web-{908E70AC-A64B-49FC-8876-CBDC0619EC26}" dt="2018-11-27T19:40:32.665" v="0"/>
+        <pc:sldMkLst>
+          <pc:docMk/>
+          <pc:sldMk cId="3040999062" sldId="270"/>
+        </pc:sldMkLst>
+        <pc:spChg chg="del">
+          <ac:chgData name="Luiz Guilherme das Chagas" userId="206fdf12f7296ded" providerId="Windows Live" clId="Web-{908E70AC-A64B-49FC-8876-CBDC0619EC26}" dt="2018-11-27T19:40:32.665" v="0"/>
+          <ac:spMkLst>
+            <pc:docMk/>
+            <pc:sldMk cId="3040999062" sldId="270"/>
+            <ac:spMk id="3" creationId="{F8933F2B-BA6F-461E-8F16-28C27366077D}"/>
+          </ac:spMkLst>
+        </pc:spChg>
+        <pc:picChg chg="add mod ord">
+          <ac:chgData name="Luiz Guilherme das Chagas" userId="206fdf12f7296ded" providerId="Windows Live" clId="Web-{908E70AC-A64B-49FC-8876-CBDC0619EC26}" dt="2018-11-27T19:40:32.665" v="0"/>
+          <ac:picMkLst>
+            <pc:docMk/>
+            <pc:sldMk cId="3040999062" sldId="270"/>
+            <ac:picMk id="4" creationId="{C3711DBB-CFB9-4220-B9D3-67CC724419B6}"/>
+          </ac:picMkLst>
+        </pc:picChg>
+      </pc:sldChg>
+    </pc:docChg>
+  </pc:docChgLst>
+  <pc:docChgLst>
+    <pc:chgData name="Luiz Guilherme das Chagas" userId="206fdf12f7296ded" providerId="Windows Live" clId="Web-{3204B273-AE47-41B0-9E42-B34319D230AD}"/>
+    <pc:docChg chg="addSld modSld">
+      <pc:chgData name="Luiz Guilherme das Chagas" userId="206fdf12f7296ded" providerId="Windows Live" clId="Web-{3204B273-AE47-41B0-9E42-B34319D230AD}" dt="2018-11-27T19:10:30.574" v="243" actId="20577"/>
+      <pc:docMkLst>
+        <pc:docMk/>
+      </pc:docMkLst>
+      <pc:sldChg chg="modSp">
+        <pc:chgData name="Luiz Guilherme das Chagas" userId="206fdf12f7296ded" providerId="Windows Live" clId="Web-{3204B273-AE47-41B0-9E42-B34319D230AD}" dt="2018-11-27T18:33:03.644" v="55" actId="20577"/>
+        <pc:sldMkLst>
+          <pc:docMk/>
+          <pc:sldMk cId="4162155300" sldId="256"/>
+        </pc:sldMkLst>
+        <pc:spChg chg="mod">
+          <ac:chgData name="Luiz Guilherme das Chagas" userId="206fdf12f7296ded" providerId="Windows Live" clId="Web-{3204B273-AE47-41B0-9E42-B34319D230AD}" dt="2018-11-27T18:33:03.644" v="55" actId="20577"/>
+          <ac:spMkLst>
+            <pc:docMk/>
+            <pc:sldMk cId="4162155300" sldId="256"/>
+            <ac:spMk id="3" creationId="{00000000-0000-0000-0000-000000000000}"/>
+          </ac:spMkLst>
+        </pc:spChg>
+      </pc:sldChg>
+      <pc:sldChg chg="modSp">
+        <pc:chgData name="Luiz Guilherme das Chagas" userId="206fdf12f7296ded" providerId="Windows Live" clId="Web-{3204B273-AE47-41B0-9E42-B34319D230AD}" dt="2018-11-27T18:33:08.034" v="56" actId="20577"/>
+        <pc:sldMkLst>
+          <pc:docMk/>
+          <pc:sldMk cId="3243159910" sldId="257"/>
+        </pc:sldMkLst>
+        <pc:spChg chg="mod">
+          <ac:chgData name="Luiz Guilherme das Chagas" userId="206fdf12f7296ded" providerId="Windows Live" clId="Web-{3204B273-AE47-41B0-9E42-B34319D230AD}" dt="2018-11-27T18:33:08.034" v="56" actId="20577"/>
+          <ac:spMkLst>
+            <pc:docMk/>
+            <pc:sldMk cId="3243159910" sldId="257"/>
+            <ac:spMk id="3" creationId="{00000000-0000-0000-0000-000000000000}"/>
+          </ac:spMkLst>
+        </pc:spChg>
+      </pc:sldChg>
+      <pc:sldChg chg="modSp">
+        <pc:chgData name="Luiz Guilherme das Chagas" userId="206fdf12f7296ded" providerId="Windows Live" clId="Web-{3204B273-AE47-41B0-9E42-B34319D230AD}" dt="2018-11-27T19:08:18.289" v="224" actId="20577"/>
+        <pc:sldMkLst>
+          <pc:docMk/>
+          <pc:sldMk cId="818157959" sldId="261"/>
+        </pc:sldMkLst>
+        <pc:spChg chg="mod">
+          <ac:chgData name="Luiz Guilherme das Chagas" userId="206fdf12f7296ded" providerId="Windows Live" clId="Web-{3204B273-AE47-41B0-9E42-B34319D230AD}" dt="2018-11-27T19:08:18.289" v="224" actId="20577"/>
+          <ac:spMkLst>
+            <pc:docMk/>
+            <pc:sldMk cId="818157959" sldId="261"/>
+            <ac:spMk id="3" creationId="{00000000-0000-0000-0000-000000000000}"/>
+          </ac:spMkLst>
+        </pc:spChg>
+      </pc:sldChg>
+      <pc:sldChg chg="modSp">
+        <pc:chgData name="Luiz Guilherme das Chagas" userId="206fdf12f7296ded" providerId="Windows Live" clId="Web-{3204B273-AE47-41B0-9E42-B34319D230AD}" dt="2018-11-27T18:49:33.628" v="89" actId="20577"/>
+        <pc:sldMkLst>
+          <pc:docMk/>
+          <pc:sldMk cId="66895171" sldId="262"/>
+        </pc:sldMkLst>
+        <pc:spChg chg="mod">
+          <ac:chgData name="Luiz Guilherme das Chagas" userId="206fdf12f7296ded" providerId="Windows Live" clId="Web-{3204B273-AE47-41B0-9E42-B34319D230AD}" dt="2018-11-27T18:49:33.628" v="89" actId="20577"/>
+          <ac:spMkLst>
+            <pc:docMk/>
+            <pc:sldMk cId="66895171" sldId="262"/>
+            <ac:spMk id="3" creationId="{F69F7D09-1738-4DFC-97B5-228C71BBA84E}"/>
+          </ac:spMkLst>
+        </pc:spChg>
+      </pc:sldChg>
+      <pc:sldChg chg="modSp">
+        <pc:chgData name="Luiz Guilherme das Chagas" userId="206fdf12f7296ded" providerId="Windows Live" clId="Web-{3204B273-AE47-41B0-9E42-B34319D230AD}" dt="2018-11-27T18:59:15.381" v="171" actId="20577"/>
+        <pc:sldMkLst>
+          <pc:docMk/>
+          <pc:sldMk cId="2256198250" sldId="263"/>
+        </pc:sldMkLst>
+        <pc:spChg chg="mod">
+          <ac:chgData name="Luiz Guilherme das Chagas" userId="206fdf12f7296ded" providerId="Windows Live" clId="Web-{3204B273-AE47-41B0-9E42-B34319D230AD}" dt="2018-11-27T18:59:15.381" v="171" actId="20577"/>
+          <ac:spMkLst>
+            <pc:docMk/>
+            <pc:sldMk cId="2256198250" sldId="263"/>
+            <ac:spMk id="3" creationId="{2C933F79-4A87-40D5-BFCE-A2AD7FB33826}"/>
+          </ac:spMkLst>
+        </pc:spChg>
+      </pc:sldChg>
+      <pc:sldChg chg="modSp">
+        <pc:chgData name="Luiz Guilherme das Chagas" userId="206fdf12f7296ded" providerId="Windows Live" clId="Web-{3204B273-AE47-41B0-9E42-B34319D230AD}" dt="2018-11-27T18:50:11.098" v="95" actId="20577"/>
+        <pc:sldMkLst>
+          <pc:docMk/>
+          <pc:sldMk cId="3003466117" sldId="264"/>
+        </pc:sldMkLst>
+        <pc:spChg chg="mod">
+          <ac:chgData name="Luiz Guilherme das Chagas" userId="206fdf12f7296ded" providerId="Windows Live" clId="Web-{3204B273-AE47-41B0-9E42-B34319D230AD}" dt="2018-11-27T18:50:11.098" v="95" actId="20577"/>
+          <ac:spMkLst>
+            <pc:docMk/>
+            <pc:sldMk cId="3003466117" sldId="264"/>
+            <ac:spMk id="3" creationId="{1361DA8B-F985-4006-840D-70599B22BDB0}"/>
+          </ac:spMkLst>
+        </pc:spChg>
+      </pc:sldChg>
+      <pc:sldChg chg="modSp">
+        <pc:chgData name="Luiz Guilherme das Chagas" userId="206fdf12f7296ded" providerId="Windows Live" clId="Web-{3204B273-AE47-41B0-9E42-B34319D230AD}" dt="2018-11-27T18:52:38.790" v="133" actId="20577"/>
+        <pc:sldMkLst>
+          <pc:docMk/>
+          <pc:sldMk cId="2571555312" sldId="265"/>
+        </pc:sldMkLst>
+        <pc:spChg chg="mod">
+          <ac:chgData name="Luiz Guilherme das Chagas" userId="206fdf12f7296ded" providerId="Windows Live" clId="Web-{3204B273-AE47-41B0-9E42-B34319D230AD}" dt="2018-11-27T18:52:38.790" v="133" actId="20577"/>
+          <ac:spMkLst>
+            <pc:docMk/>
+            <pc:sldMk cId="2571555312" sldId="265"/>
+            <ac:spMk id="8" creationId="{AD9E1827-F661-47B9-B26E-476F21AC1E01}"/>
+          </ac:spMkLst>
+        </pc:spChg>
+      </pc:sldChg>
+      <pc:sldChg chg="modSp">
+        <pc:chgData name="Luiz Guilherme das Chagas" userId="206fdf12f7296ded" providerId="Windows Live" clId="Web-{3204B273-AE47-41B0-9E42-B34319D230AD}" dt="2018-11-27T19:02:24.324" v="176" actId="20577"/>
+        <pc:sldMkLst>
+          <pc:docMk/>
+          <pc:sldMk cId="2649129009" sldId="266"/>
+        </pc:sldMkLst>
+        <pc:spChg chg="mod">
+          <ac:chgData name="Luiz Guilherme das Chagas" userId="206fdf12f7296ded" providerId="Windows Live" clId="Web-{3204B273-AE47-41B0-9E42-B34319D230AD}" dt="2018-11-27T19:02:24.324" v="176" actId="20577"/>
+          <ac:spMkLst>
+            <pc:docMk/>
+            <pc:sldMk cId="2649129009" sldId="266"/>
+            <ac:spMk id="2" creationId="{6C1BBEF6-C81F-430F-8D11-600F12B28724}"/>
+          </ac:spMkLst>
+        </pc:spChg>
+        <pc:spChg chg="mod">
+          <ac:chgData name="Luiz Guilherme das Chagas" userId="206fdf12f7296ded" providerId="Windows Live" clId="Web-{3204B273-AE47-41B0-9E42-B34319D230AD}" dt="2018-11-27T19:01:08.400" v="174" actId="20577"/>
+          <ac:spMkLst>
+            <pc:docMk/>
+            <pc:sldMk cId="2649129009" sldId="266"/>
+            <ac:spMk id="3" creationId="{37DECF27-60D2-4394-ACCC-93415FA3D1DB}"/>
+          </ac:spMkLst>
+        </pc:spChg>
+      </pc:sldChg>
+      <pc:sldChg chg="modSp">
+        <pc:chgData name="Luiz Guilherme das Chagas" userId="206fdf12f7296ded" providerId="Windows Live" clId="Web-{3204B273-AE47-41B0-9E42-B34319D230AD}" dt="2018-11-27T19:07:17.865" v="222" actId="20577"/>
+        <pc:sldMkLst>
+          <pc:docMk/>
+          <pc:sldMk cId="2689926839" sldId="267"/>
+        </pc:sldMkLst>
+        <pc:spChg chg="mod">
+          <ac:chgData name="Luiz Guilherme das Chagas" userId="206fdf12f7296ded" providerId="Windows Live" clId="Web-{3204B273-AE47-41B0-9E42-B34319D230AD}" dt="2018-11-27T19:07:17.865" v="222" actId="20577"/>
+          <ac:spMkLst>
+            <pc:docMk/>
+            <pc:sldMk cId="2689926839" sldId="267"/>
+            <ac:spMk id="3" creationId="{96956319-831D-4FA7-B7F6-F64779D4B369}"/>
+          </ac:spMkLst>
+        </pc:spChg>
+      </pc:sldChg>
+      <pc:sldChg chg="addSp delSp modSp new">
+        <pc:chgData name="Luiz Guilherme das Chagas" userId="206fdf12f7296ded" providerId="Windows Live" clId="Web-{3204B273-AE47-41B0-9E42-B34319D230AD}" dt="2018-11-27T19:10:04.307" v="233" actId="14100"/>
+        <pc:sldMkLst>
+          <pc:docMk/>
+          <pc:sldMk cId="1691223783" sldId="269"/>
+        </pc:sldMkLst>
+        <pc:spChg chg="mod">
+          <ac:chgData name="Luiz Guilherme das Chagas" userId="206fdf12f7296ded" providerId="Windows Live" clId="Web-{3204B273-AE47-41B0-9E42-B34319D230AD}" dt="2018-11-27T19:08:32.133" v="229" actId="20577"/>
+          <ac:spMkLst>
+            <pc:docMk/>
+            <pc:sldMk cId="1691223783" sldId="269"/>
+            <ac:spMk id="2" creationId="{3AA6CA7E-EF4F-4C15-83B7-BF71CEA6DEB4}"/>
+          </ac:spMkLst>
+        </pc:spChg>
+        <pc:spChg chg="del">
+          <ac:chgData name="Luiz Guilherme das Chagas" userId="206fdf12f7296ded" providerId="Windows Live" clId="Web-{3204B273-AE47-41B0-9E42-B34319D230AD}" dt="2018-11-27T19:09:26.150" v="230"/>
+          <ac:spMkLst>
+            <pc:docMk/>
+            <pc:sldMk cId="1691223783" sldId="269"/>
+            <ac:spMk id="3" creationId="{299DE8AF-E536-46F7-B94A-9A24756AA7C0}"/>
+          </ac:spMkLst>
+        </pc:spChg>
+        <pc:picChg chg="add mod ord">
+          <ac:chgData name="Luiz Guilherme das Chagas" userId="206fdf12f7296ded" providerId="Windows Live" clId="Web-{3204B273-AE47-41B0-9E42-B34319D230AD}" dt="2018-11-27T19:10:04.307" v="233" actId="14100"/>
+          <ac:picMkLst>
+            <pc:docMk/>
+            <pc:sldMk cId="1691223783" sldId="269"/>
+            <ac:picMk id="4" creationId="{9A9CB850-7783-46F2-9F63-B74EC5ACBC45}"/>
+          </ac:picMkLst>
+        </pc:picChg>
+      </pc:sldChg>
+      <pc:sldChg chg="modSp new">
+        <pc:chgData name="Luiz Guilherme das Chagas" userId="206fdf12f7296ded" providerId="Windows Live" clId="Web-{3204B273-AE47-41B0-9E42-B34319D230AD}" dt="2018-11-27T19:10:30.574" v="243" actId="20577"/>
+        <pc:sldMkLst>
+          <pc:docMk/>
+          <pc:sldMk cId="3040999062" sldId="270"/>
+        </pc:sldMkLst>
+        <pc:spChg chg="mod">
+          <ac:chgData name="Luiz Guilherme das Chagas" userId="206fdf12f7296ded" providerId="Windows Live" clId="Web-{3204B273-AE47-41B0-9E42-B34319D230AD}" dt="2018-11-27T19:10:30.574" v="243" actId="20577"/>
+          <ac:spMkLst>
+            <pc:docMk/>
+            <pc:sldMk cId="3040999062" sldId="270"/>
+            <ac:spMk id="2" creationId="{D65E84C1-DF3A-4954-997B-C92808673021}"/>
+          </ac:spMkLst>
+        </pc:spChg>
+      </pc:sldChg>
+    </pc:docChg>
+  </pc:docChgLst>
+  <pc:docChgLst>
+    <pc:chgData name="Luiz Guilherme das Chagas" userId="206fdf12f7296ded" providerId="Windows Live" clId="Web-{412F841C-B755-414D-A3EA-C7D4C725A165}"/>
+    <pc:docChg chg="addSld delSld modSld sldOrd">
+      <pc:chgData name="Luiz Guilherme das Chagas" userId="206fdf12f7296ded" providerId="Windows Live" clId="Web-{412F841C-B755-414D-A3EA-C7D4C725A165}" dt="2018-11-27T20:42:03.602" v="830" actId="20577"/>
+      <pc:docMkLst>
+        <pc:docMk/>
+      </pc:docMkLst>
+      <pc:sldChg chg="modSp">
+        <pc:chgData name="Luiz Guilherme das Chagas" userId="206fdf12f7296ded" providerId="Windows Live" clId="Web-{412F841C-B755-414D-A3EA-C7D4C725A165}" dt="2018-11-27T19:54:07.471" v="6" actId="20577"/>
+        <pc:sldMkLst>
+          <pc:docMk/>
+          <pc:sldMk cId="4162155300" sldId="256"/>
+        </pc:sldMkLst>
+        <pc:spChg chg="mod">
+          <ac:chgData name="Luiz Guilherme das Chagas" userId="206fdf12f7296ded" providerId="Windows Live" clId="Web-{412F841C-B755-414D-A3EA-C7D4C725A165}" dt="2018-11-27T19:54:07.471" v="6" actId="20577"/>
+          <ac:spMkLst>
+            <pc:docMk/>
+            <pc:sldMk cId="4162155300" sldId="256"/>
+            <ac:spMk id="2" creationId="{00000000-0000-0000-0000-000000000000}"/>
+          </ac:spMkLst>
+        </pc:spChg>
+      </pc:sldChg>
+      <pc:sldChg chg="addSp modSp">
+        <pc:chgData name="Luiz Guilherme das Chagas" userId="206fdf12f7296ded" providerId="Windows Live" clId="Web-{412F841C-B755-414D-A3EA-C7D4C725A165}" dt="2018-11-27T20:13:03.571" v="89" actId="1076"/>
+        <pc:sldMkLst>
+          <pc:docMk/>
+          <pc:sldMk cId="634293630" sldId="258"/>
+        </pc:sldMkLst>
+        <pc:spChg chg="add mod">
+          <ac:chgData name="Luiz Guilherme das Chagas" userId="206fdf12f7296ded" providerId="Windows Live" clId="Web-{412F841C-B755-414D-A3EA-C7D4C725A165}" dt="2018-11-27T20:13:03.571" v="89" actId="1076"/>
+          <ac:spMkLst>
+            <pc:docMk/>
+            <pc:sldMk cId="634293630" sldId="258"/>
+            <ac:spMk id="4" creationId="{2742F006-9F74-42F9-B200-D46D2AFBB316}"/>
+          </ac:spMkLst>
+        </pc:spChg>
+        <pc:picChg chg="mod">
+          <ac:chgData name="Luiz Guilherme das Chagas" userId="206fdf12f7296ded" providerId="Windows Live" clId="Web-{412F841C-B755-414D-A3EA-C7D4C725A165}" dt="2018-11-27T20:12:18.275" v="79" actId="14100"/>
+          <ac:picMkLst>
+            <pc:docMk/>
+            <pc:sldMk cId="634293630" sldId="258"/>
+            <ac:picMk id="11" creationId="{17DA9E39-6FD3-4789-80B9-99FDC94AB60A}"/>
+          </ac:picMkLst>
+        </pc:picChg>
+      </pc:sldChg>
+      <pc:sldChg chg="modSp">
+        <pc:chgData name="Luiz Guilherme das Chagas" userId="206fdf12f7296ded" providerId="Windows Live" clId="Web-{412F841C-B755-414D-A3EA-C7D4C725A165}" dt="2018-11-27T20:41:26.181" v="823" actId="20577"/>
+        <pc:sldMkLst>
+          <pc:docMk/>
+          <pc:sldMk cId="2649129009" sldId="266"/>
+        </pc:sldMkLst>
+        <pc:spChg chg="mod">
+          <ac:chgData name="Luiz Guilherme das Chagas" userId="206fdf12f7296ded" providerId="Windows Live" clId="Web-{412F841C-B755-414D-A3EA-C7D4C725A165}" dt="2018-11-27T20:41:26.181" v="823" actId="20577"/>
+          <ac:spMkLst>
+            <pc:docMk/>
+            <pc:sldMk cId="2649129009" sldId="266"/>
+            <ac:spMk id="3" creationId="{37DECF27-60D2-4394-ACCC-93415FA3D1DB}"/>
+          </ac:spMkLst>
+        </pc:spChg>
+      </pc:sldChg>
+      <pc:sldChg chg="modSp">
+        <pc:chgData name="Luiz Guilherme das Chagas" userId="206fdf12f7296ded" providerId="Windows Live" clId="Web-{412F841C-B755-414D-A3EA-C7D4C725A165}" dt="2018-11-27T20:42:03.602" v="830" actId="20577"/>
+        <pc:sldMkLst>
+          <pc:docMk/>
+          <pc:sldMk cId="3410326930" sldId="268"/>
+        </pc:sldMkLst>
+        <pc:spChg chg="mod">
+          <ac:chgData name="Luiz Guilherme das Chagas" userId="206fdf12f7296ded" providerId="Windows Live" clId="Web-{412F841C-B755-414D-A3EA-C7D4C725A165}" dt="2018-11-27T20:42:03.602" v="830" actId="20577"/>
+          <ac:spMkLst>
+            <pc:docMk/>
+            <pc:sldMk cId="3410326930" sldId="268"/>
+            <ac:spMk id="3" creationId="{EB832D47-4175-4996-8BA0-D77D002E75F6}"/>
+          </ac:spMkLst>
+        </pc:spChg>
+      </pc:sldChg>
+      <pc:sldChg chg="addSp modSp">
+        <pc:chgData name="Luiz Guilherme das Chagas" userId="206fdf12f7296ded" providerId="Windows Live" clId="Web-{412F841C-B755-414D-A3EA-C7D4C725A165}" dt="2018-11-27T20:13:35.884" v="106" actId="1076"/>
+        <pc:sldMkLst>
+          <pc:docMk/>
+          <pc:sldMk cId="1691223783" sldId="269"/>
+        </pc:sldMkLst>
+        <pc:spChg chg="add mod">
+          <ac:chgData name="Luiz Guilherme das Chagas" userId="206fdf12f7296ded" providerId="Windows Live" clId="Web-{412F841C-B755-414D-A3EA-C7D4C725A165}" dt="2018-11-27T20:13:35.884" v="106" actId="1076"/>
+          <ac:spMkLst>
+            <pc:docMk/>
+            <pc:sldMk cId="1691223783" sldId="269"/>
+            <ac:spMk id="3" creationId="{4BEBB6FC-B4C4-4C37-BD91-77BED357E364}"/>
+          </ac:spMkLst>
+        </pc:spChg>
+      </pc:sldChg>
+      <pc:sldChg chg="addSp modSp">
+        <pc:chgData name="Luiz Guilherme das Chagas" userId="206fdf12f7296ded" providerId="Windows Live" clId="Web-{412F841C-B755-414D-A3EA-C7D4C725A165}" dt="2018-11-27T20:14:02.868" v="133" actId="1076"/>
+        <pc:sldMkLst>
+          <pc:docMk/>
+          <pc:sldMk cId="3040999062" sldId="270"/>
+        </pc:sldMkLst>
+        <pc:spChg chg="add mod">
+          <ac:chgData name="Luiz Guilherme das Chagas" userId="206fdf12f7296ded" providerId="Windows Live" clId="Web-{412F841C-B755-414D-A3EA-C7D4C725A165}" dt="2018-11-27T20:14:02.868" v="133" actId="1076"/>
+          <ac:spMkLst>
+            <pc:docMk/>
+            <pc:sldMk cId="3040999062" sldId="270"/>
+            <ac:spMk id="6" creationId="{E96DD4A1-AD0F-44C3-8077-D31312AA11F6}"/>
+          </ac:spMkLst>
+        </pc:spChg>
+        <pc:picChg chg="add mod">
+          <ac:chgData name="Luiz Guilherme das Chagas" userId="206fdf12f7296ded" providerId="Windows Live" clId="Web-{412F841C-B755-414D-A3EA-C7D4C725A165}" dt="2018-11-27T20:13:12.790" v="90" actId="14100"/>
+          <ac:picMkLst>
+            <pc:docMk/>
+            <pc:sldMk cId="3040999062" sldId="270"/>
+            <ac:picMk id="3" creationId="{A84F7CAB-F1D9-44D9-B2E2-16408854995A}"/>
+          </ac:picMkLst>
+        </pc:picChg>
+      </pc:sldChg>
+      <pc:sldChg chg="addSp modSp new">
+        <pc:chgData name="Luiz Guilherme das Chagas" userId="206fdf12f7296ded" providerId="Windows Live" clId="Web-{412F841C-B755-414D-A3EA-C7D4C725A165}" dt="2018-11-27T20:14:40.383" v="153" actId="1076"/>
+        <pc:sldMkLst>
+          <pc:docMk/>
+          <pc:sldMk cId="1773372417" sldId="271"/>
+        </pc:sldMkLst>
+        <pc:spChg chg="mod">
+          <ac:chgData name="Luiz Guilherme das Chagas" userId="206fdf12f7296ded" providerId="Windows Live" clId="Web-{412F841C-B755-414D-A3EA-C7D4C725A165}" dt="2018-11-27T19:55:05.596" v="29" actId="20577"/>
+          <ac:spMkLst>
+            <pc:docMk/>
+            <pc:sldMk cId="1773372417" sldId="271"/>
+            <ac:spMk id="2" creationId="{096FBE9E-32C1-43D7-8799-5D407F57C1A8}"/>
+          </ac:spMkLst>
+        </pc:spChg>
+        <pc:spChg chg="mod">
+          <ac:chgData name="Luiz Guilherme das Chagas" userId="206fdf12f7296ded" providerId="Windows Live" clId="Web-{412F841C-B755-414D-A3EA-C7D4C725A165}" dt="2018-11-27T19:57:38.517" v="43" actId="20577"/>
+          <ac:spMkLst>
+            <pc:docMk/>
+            <pc:sldMk cId="1773372417" sldId="271"/>
+            <ac:spMk id="3" creationId="{96EC26D3-07BF-4A25-A8BD-345070BA6D21}"/>
+          </ac:spMkLst>
+        </pc:spChg>
+        <pc:spChg chg="add mod">
+          <ac:chgData name="Luiz Guilherme das Chagas" userId="206fdf12f7296ded" providerId="Windows Live" clId="Web-{412F841C-B755-414D-A3EA-C7D4C725A165}" dt="2018-11-27T20:14:40.383" v="153" actId="1076"/>
+          <ac:spMkLst>
+            <pc:docMk/>
+            <pc:sldMk cId="1773372417" sldId="271"/>
+            <ac:spMk id="6" creationId="{A3A86125-58C5-4675-9F87-674C6C1D2864}"/>
+          </ac:spMkLst>
+        </pc:spChg>
+        <pc:picChg chg="add mod">
+          <ac:chgData name="Luiz Guilherme das Chagas" userId="206fdf12f7296ded" providerId="Windows Live" clId="Web-{412F841C-B755-414D-A3EA-C7D4C725A165}" dt="2018-11-27T20:14:09.571" v="134" actId="14100"/>
+          <ac:picMkLst>
+            <pc:docMk/>
+            <pc:sldMk cId="1773372417" sldId="271"/>
+            <ac:picMk id="4" creationId="{FFDA70D0-C5B5-4744-867A-B15B1449F33C}"/>
+          </ac:picMkLst>
+        </pc:picChg>
+      </pc:sldChg>
+      <pc:sldChg chg="addSp delSp modSp new">
+        <pc:chgData name="Luiz Guilherme das Chagas" userId="206fdf12f7296ded" providerId="Windows Live" clId="Web-{412F841C-B755-414D-A3EA-C7D4C725A165}" dt="2018-11-27T20:15:15.320" v="185" actId="1076"/>
+        <pc:sldMkLst>
+          <pc:docMk/>
+          <pc:sldMk cId="1739936723" sldId="272"/>
+        </pc:sldMkLst>
+        <pc:spChg chg="mod">
+          <ac:chgData name="Luiz Guilherme das Chagas" userId="206fdf12f7296ded" providerId="Windows Live" clId="Web-{412F841C-B755-414D-A3EA-C7D4C725A165}" dt="2018-11-27T19:58:52.563" v="57" actId="20577"/>
+          <ac:spMkLst>
+            <pc:docMk/>
+            <pc:sldMk cId="1739936723" sldId="272"/>
+            <ac:spMk id="2" creationId="{AC4B1506-DD39-4DD3-B36A-A970472B70A9}"/>
+          </ac:spMkLst>
+        </pc:spChg>
+        <pc:spChg chg="mod">
+          <ac:chgData name="Luiz Guilherme das Chagas" userId="206fdf12f7296ded" providerId="Windows Live" clId="Web-{412F841C-B755-414D-A3EA-C7D4C725A165}" dt="2018-11-27T20:10:05.698" v="68" actId="20577"/>
+          <ac:spMkLst>
+            <pc:docMk/>
+            <pc:sldMk cId="1739936723" sldId="272"/>
+            <ac:spMk id="3" creationId="{FAF87A69-EB34-4D24-BB7E-34050C343C8C}"/>
+          </ac:spMkLst>
+        </pc:spChg>
+        <pc:spChg chg="add mod">
+          <ac:chgData name="Luiz Guilherme das Chagas" userId="206fdf12f7296ded" providerId="Windows Live" clId="Web-{412F841C-B755-414D-A3EA-C7D4C725A165}" dt="2018-11-27T20:15:15.320" v="185" actId="1076"/>
+          <ac:spMkLst>
+            <pc:docMk/>
+            <pc:sldMk cId="1739936723" sldId="272"/>
+            <ac:spMk id="8" creationId="{7657B173-F2C7-4D61-A70A-CAC56361A7C3}"/>
+          </ac:spMkLst>
+        </pc:spChg>
+        <pc:picChg chg="add del mod">
+          <ac:chgData name="Luiz Guilherme das Chagas" userId="206fdf12f7296ded" providerId="Windows Live" clId="Web-{412F841C-B755-414D-A3EA-C7D4C725A165}" dt="2018-11-27T20:11:02.229" v="73"/>
+          <ac:picMkLst>
+            <pc:docMk/>
+            <pc:sldMk cId="1739936723" sldId="272"/>
+            <ac:picMk id="4" creationId="{059983A5-90FF-468B-BA8F-40A6E444DF56}"/>
+          </ac:picMkLst>
+        </pc:picChg>
+        <pc:picChg chg="add mod">
+          <ac:chgData name="Luiz Guilherme das Chagas" userId="206fdf12f7296ded" providerId="Windows Live" clId="Web-{412F841C-B755-414D-A3EA-C7D4C725A165}" dt="2018-11-27T20:11:21.947" v="78" actId="1076"/>
+          <ac:picMkLst>
+            <pc:docMk/>
+            <pc:sldMk cId="1739936723" sldId="272"/>
+            <ac:picMk id="6" creationId="{AEE3188E-A787-4391-8D8B-75B8BBEC7920}"/>
+          </ac:picMkLst>
+        </pc:picChg>
+      </pc:sldChg>
+      <pc:sldChg chg="addSp modSp new">
+        <pc:chgData name="Luiz Guilherme das Chagas" userId="206fdf12f7296ded" providerId="Windows Live" clId="Web-{412F841C-B755-414D-A3EA-C7D4C725A165}" dt="2018-11-27T20:20:01.989" v="232" actId="1076"/>
+        <pc:sldMkLst>
+          <pc:docMk/>
+          <pc:sldMk cId="1044427732" sldId="273"/>
+        </pc:sldMkLst>
+        <pc:spChg chg="mod">
+          <ac:chgData name="Luiz Guilherme das Chagas" userId="206fdf12f7296ded" providerId="Windows Live" clId="Web-{412F841C-B755-414D-A3EA-C7D4C725A165}" dt="2018-11-27T20:15:40.617" v="208" actId="20577"/>
+          <ac:spMkLst>
+            <pc:docMk/>
+            <pc:sldMk cId="1044427732" sldId="273"/>
+            <ac:spMk id="2" creationId="{18FB7192-ACB9-41A8-9165-0CB6A44CB7FD}"/>
+          </ac:spMkLst>
+        </pc:spChg>
+        <pc:spChg chg="mod">
+          <ac:chgData name="Luiz Guilherme das Chagas" userId="206fdf12f7296ded" providerId="Windows Live" clId="Web-{412F841C-B755-414D-A3EA-C7D4C725A165}" dt="2018-11-27T20:17:28.225" v="214" actId="20577"/>
+          <ac:spMkLst>
+            <pc:docMk/>
+            <pc:sldMk cId="1044427732" sldId="273"/>
+            <ac:spMk id="3" creationId="{C6496F65-2CB6-4293-BC3E-FB5DFB5E89A8}"/>
+          </ac:spMkLst>
+        </pc:spChg>
+        <pc:spChg chg="add mod">
+          <ac:chgData name="Luiz Guilherme das Chagas" userId="206fdf12f7296ded" providerId="Windows Live" clId="Web-{412F841C-B755-414D-A3EA-C7D4C725A165}" dt="2018-11-27T20:20:01.989" v="232" actId="1076"/>
+          <ac:spMkLst>
+            <pc:docMk/>
+            <pc:sldMk cId="1044427732" sldId="273"/>
+            <ac:spMk id="6" creationId="{279F660F-DA47-4F82-BB89-F05FDB22F40A}"/>
+          </ac:spMkLst>
+        </pc:spChg>
+        <pc:picChg chg="add mod">
+          <ac:chgData name="Luiz Guilherme das Chagas" userId="206fdf12f7296ded" providerId="Windows Live" clId="Web-{412F841C-B755-414D-A3EA-C7D4C725A165}" dt="2018-11-27T20:19:26.255" v="220" actId="14100"/>
+          <ac:picMkLst>
+            <pc:docMk/>
+            <pc:sldMk cId="1044427732" sldId="273"/>
+            <ac:picMk id="4" creationId="{0C8AED84-59AB-4D3B-B61C-9843044B8A30}"/>
+          </ac:picMkLst>
+        </pc:picChg>
+      </pc:sldChg>
+      <pc:sldChg chg="modSp new del">
+        <pc:chgData name="Luiz Guilherme das Chagas" userId="206fdf12f7296ded" providerId="Windows Live" clId="Web-{412F841C-B755-414D-A3EA-C7D4C725A165}" dt="2018-11-27T20:25:16.033" v="273"/>
+        <pc:sldMkLst>
+          <pc:docMk/>
+          <pc:sldMk cId="759875628" sldId="274"/>
+        </pc:sldMkLst>
+        <pc:spChg chg="mod">
+          <ac:chgData name="Luiz Guilherme das Chagas" userId="206fdf12f7296ded" providerId="Windows Live" clId="Web-{412F841C-B755-414D-A3EA-C7D4C725A165}" dt="2018-11-27T20:21:43.801" v="269" actId="20577"/>
+          <ac:spMkLst>
+            <pc:docMk/>
+            <pc:sldMk cId="759875628" sldId="274"/>
+            <ac:spMk id="2" creationId="{213826BF-E2FE-4183-9F7F-2DAD2EED1608}"/>
+          </ac:spMkLst>
+        </pc:spChg>
+        <pc:spChg chg="mod">
+          <ac:chgData name="Luiz Guilherme das Chagas" userId="206fdf12f7296ded" providerId="Windows Live" clId="Web-{412F841C-B755-414D-A3EA-C7D4C725A165}" dt="2018-11-27T20:25:15.533" v="272" actId="20577"/>
+          <ac:spMkLst>
+            <pc:docMk/>
+            <pc:sldMk cId="759875628" sldId="274"/>
+            <ac:spMk id="3" creationId="{AA74D81D-7957-467A-8E6B-CFE24E9F8029}"/>
+          </ac:spMkLst>
+        </pc:spChg>
+      </pc:sldChg>
+      <pc:sldChg chg="addSp delSp modSp new ord">
+        <pc:chgData name="Luiz Guilherme das Chagas" userId="206fdf12f7296ded" providerId="Windows Live" clId="Web-{412F841C-B755-414D-A3EA-C7D4C725A165}" dt="2018-11-27T20:36:21.621" v="788" actId="20577"/>
+        <pc:sldMkLst>
+          <pc:docMk/>
+          <pc:sldMk cId="1845792132" sldId="274"/>
+        </pc:sldMkLst>
+        <pc:spChg chg="mod">
+          <ac:chgData name="Luiz Guilherme das Chagas" userId="206fdf12f7296ded" providerId="Windows Live" clId="Web-{412F841C-B755-414D-A3EA-C7D4C725A165}" dt="2018-11-27T20:25:40.861" v="285" actId="20577"/>
+          <ac:spMkLst>
+            <pc:docMk/>
+            <pc:sldMk cId="1845792132" sldId="274"/>
+            <ac:spMk id="2" creationId="{FA4B4CEB-B001-4754-AC43-20EA923DBDFE}"/>
+          </ac:spMkLst>
+        </pc:spChg>
+        <pc:spChg chg="del">
+          <ac:chgData name="Luiz Guilherme das Chagas" userId="206fdf12f7296ded" providerId="Windows Live" clId="Web-{412F841C-B755-414D-A3EA-C7D4C725A165}" dt="2018-11-27T20:25:55.299" v="286"/>
+          <ac:spMkLst>
+            <pc:docMk/>
+            <pc:sldMk cId="1845792132" sldId="274"/>
+            <ac:spMk id="3" creationId="{39F3B6A0-7ABE-4BA6-8E0A-9AF1FDF25593}"/>
+          </ac:spMkLst>
+        </pc:spChg>
+        <pc:spChg chg="add del">
+          <ac:chgData name="Luiz Guilherme das Chagas" userId="206fdf12f7296ded" providerId="Windows Live" clId="Web-{412F841C-B755-414D-A3EA-C7D4C725A165}" dt="2018-11-27T20:28:53.985" v="399"/>
+          <ac:spMkLst>
+            <pc:docMk/>
+            <pc:sldMk cId="1845792132" sldId="274"/>
+            <ac:spMk id="8" creationId="{77742C64-4CC3-4F28-8B2D-0F96D0973E35}"/>
+          </ac:spMkLst>
+        </pc:spChg>
+        <pc:spChg chg="add mod">
+          <ac:chgData name="Luiz Guilherme das Chagas" userId="206fdf12f7296ded" providerId="Windows Live" clId="Web-{412F841C-B755-414D-A3EA-C7D4C725A165}" dt="2018-11-27T20:28:50.703" v="397" actId="20577"/>
+          <ac:spMkLst>
+            <pc:docMk/>
+            <pc:sldMk cId="1845792132" sldId="274"/>
+            <ac:spMk id="9" creationId="{BD2E91DC-9131-4682-A690-AD176560A14F}"/>
+          </ac:spMkLst>
+        </pc:spChg>
+        <pc:spChg chg="add mod">
+          <ac:chgData name="Luiz Guilherme das Chagas" userId="206fdf12f7296ded" providerId="Windows Live" clId="Web-{412F841C-B755-414D-A3EA-C7D4C725A165}" dt="2018-11-27T20:28:12.860" v="350" actId="20577"/>
+          <ac:spMkLst>
+            <pc:docMk/>
+            <pc:sldMk cId="1845792132" sldId="274"/>
+            <ac:spMk id="10" creationId="{094DCF34-64C4-42F7-B0A6-888B1B7FA3FA}"/>
+          </ac:spMkLst>
+        </pc:spChg>
+        <pc:spChg chg="add del">
+          <ac:chgData name="Luiz Guilherme das Chagas" userId="206fdf12f7296ded" providerId="Windows Live" clId="Web-{412F841C-B755-414D-A3EA-C7D4C725A165}" dt="2018-11-27T20:27:21.110" v="299"/>
+          <ac:spMkLst>
+            <pc:docMk/>
+            <pc:sldMk cId="1845792132" sldId="274"/>
+            <ac:spMk id="11" creationId="{0F9C6700-7291-4D31-98F0-8F118AE764A1}"/>
+          </ac:spMkLst>
+        </pc:spChg>
+        <pc:spChg chg="add mod">
+          <ac:chgData name="Luiz Guilherme das Chagas" userId="206fdf12f7296ded" providerId="Windows Live" clId="Web-{412F841C-B755-414D-A3EA-C7D4C725A165}" dt="2018-11-27T20:36:21.621" v="788" actId="20577"/>
+          <ac:spMkLst>
+            <pc:docMk/>
+            <pc:sldMk cId="1845792132" sldId="274"/>
+            <ac:spMk id="12" creationId="{BB357B6D-88E7-486C-A5C6-39064FCB16FA}"/>
+          </ac:spMkLst>
+        </pc:spChg>
+        <pc:picChg chg="add mod ord">
+          <ac:chgData name="Luiz Guilherme das Chagas" userId="206fdf12f7296ded" providerId="Windows Live" clId="Web-{412F841C-B755-414D-A3EA-C7D4C725A165}" dt="2018-11-27T20:27:13.767" v="297"/>
+          <ac:picMkLst>
+            <pc:docMk/>
+            <pc:sldMk cId="1845792132" sldId="274"/>
+            <ac:picMk id="4" creationId="{DDF7A0B2-F7B9-4449-8AE1-CA6832998BC3}"/>
+          </ac:picMkLst>
+        </pc:picChg>
+        <pc:picChg chg="add mod ord">
+          <ac:chgData name="Luiz Guilherme das Chagas" userId="206fdf12f7296ded" providerId="Windows Live" clId="Web-{412F841C-B755-414D-A3EA-C7D4C725A165}" dt="2018-11-27T20:27:13.657" v="296"/>
+          <ac:picMkLst>
+            <pc:docMk/>
+            <pc:sldMk cId="1845792132" sldId="274"/>
+            <ac:picMk id="6" creationId="{9A22015F-26C4-4865-8B70-57700E7F1319}"/>
+          </ac:picMkLst>
+        </pc:picChg>
+      </pc:sldChg>
+      <pc:sldChg chg="modSp new">
+        <pc:chgData name="Luiz Guilherme das Chagas" userId="206fdf12f7296ded" providerId="Windows Live" clId="Web-{412F841C-B755-414D-A3EA-C7D4C725A165}" dt="2018-11-27T20:40:04.947" v="818" actId="20577"/>
+        <pc:sldMkLst>
+          <pc:docMk/>
+          <pc:sldMk cId="910572889" sldId="275"/>
+        </pc:sldMkLst>
+        <pc:spChg chg="mod">
+          <ac:chgData name="Luiz Guilherme das Chagas" userId="206fdf12f7296ded" providerId="Windows Live" clId="Web-{412F841C-B755-414D-A3EA-C7D4C725A165}" dt="2018-11-27T20:36:35.715" v="796" actId="20577"/>
+          <ac:spMkLst>
+            <pc:docMk/>
+            <pc:sldMk cId="910572889" sldId="275"/>
+            <ac:spMk id="2" creationId="{7990D462-2715-4669-8033-FB6BC46F950F}"/>
+          </ac:spMkLst>
+        </pc:spChg>
+        <pc:spChg chg="mod">
+          <ac:chgData name="Luiz Guilherme das Chagas" userId="206fdf12f7296ded" providerId="Windows Live" clId="Web-{412F841C-B755-414D-A3EA-C7D4C725A165}" dt="2018-11-27T20:40:04.947" v="818" actId="20577"/>
+          <ac:spMkLst>
+            <pc:docMk/>
+            <pc:sldMk cId="910572889" sldId="275"/>
+            <ac:spMk id="3" creationId="{A774997B-2FCE-48AF-BB14-F988D4D4C67F}"/>
+          </ac:spMkLst>
+        </pc:spChg>
+      </pc:sldChg>
+    </pc:docChg>
+  </pc:docChgLst>
+  <pc:docChgLst>
+    <pc:chgData name="Luiz Guilherme das Chagas" userId="206fdf12f7296ded" providerId="Windows Live" clId="Web-{57015670-CF21-4385-8615-D58ECE80EAC3}"/>
+    <pc:docChg chg="modSld">
+      <pc:chgData name="Luiz Guilherme das Chagas" userId="206fdf12f7296ded" providerId="Windows Live" clId="Web-{57015670-CF21-4385-8615-D58ECE80EAC3}" dt="2018-11-27T19:48:00.405" v="13" actId="20577"/>
+      <pc:docMkLst>
+        <pc:docMk/>
+      </pc:docMkLst>
+      <pc:sldChg chg="modSp">
+        <pc:chgData name="Luiz Guilherme das Chagas" userId="206fdf12f7296ded" providerId="Windows Live" clId="Web-{57015670-CF21-4385-8615-D58ECE80EAC3}" dt="2018-11-27T19:46:41.279" v="4" actId="20577"/>
+        <pc:sldMkLst>
+          <pc:docMk/>
+          <pc:sldMk cId="4162155300" sldId="256"/>
+        </pc:sldMkLst>
+        <pc:spChg chg="mod">
+          <ac:chgData name="Luiz Guilherme das Chagas" userId="206fdf12f7296ded" providerId="Windows Live" clId="Web-{57015670-CF21-4385-8615-D58ECE80EAC3}" dt="2018-11-27T19:46:41.279" v="4" actId="20577"/>
+          <ac:spMkLst>
+            <pc:docMk/>
+            <pc:sldMk cId="4162155300" sldId="256"/>
+            <ac:spMk id="3" creationId="{00000000-0000-0000-0000-000000000000}"/>
+          </ac:spMkLst>
+        </pc:spChg>
+      </pc:sldChg>
+      <pc:sldChg chg="addSp delSp modSp">
+        <pc:chgData name="Luiz Guilherme das Chagas" userId="206fdf12f7296ded" providerId="Windows Live" clId="Web-{57015670-CF21-4385-8615-D58ECE80EAC3}" dt="2018-11-27T19:48:00.405" v="13" actId="20577"/>
+        <pc:sldMkLst>
+          <pc:docMk/>
+          <pc:sldMk cId="3040999062" sldId="270"/>
+        </pc:sldMkLst>
+        <pc:spChg chg="add mod">
+          <ac:chgData name="Luiz Guilherme das Chagas" userId="206fdf12f7296ded" providerId="Windows Live" clId="Web-{57015670-CF21-4385-8615-D58ECE80EAC3}" dt="2018-11-27T19:48:00.405" v="13" actId="20577"/>
+          <ac:spMkLst>
+            <pc:docMk/>
+            <pc:sldMk cId="3040999062" sldId="270"/>
+            <ac:spMk id="5" creationId="{C001D542-8F2C-47A5-A01F-7CBDF41B5E37}"/>
+          </ac:spMkLst>
+        </pc:spChg>
+        <pc:picChg chg="del">
+          <ac:chgData name="Luiz Guilherme das Chagas" userId="206fdf12f7296ded" providerId="Windows Live" clId="Web-{57015670-CF21-4385-8615-D58ECE80EAC3}" dt="2018-11-27T19:46:44.732" v="5"/>
+          <ac:picMkLst>
+            <pc:docMk/>
+            <pc:sldMk cId="3040999062" sldId="270"/>
+            <ac:picMk id="4" creationId="{C3711DBB-CFB9-4220-B9D3-67CC724419B6}"/>
+          </ac:picMkLst>
+        </pc:picChg>
+      </pc:sldChg>
+    </pc:docChg>
+  </pc:docChgLst>
+</pc:chgInfo>
+</file>
+
+<file path=ppt/notesMasters/notesMaster1.xml><?xml version="1.0" encoding="utf-8"?>
+<p:notesMaster xmlns:a="http://schemas.openxmlformats.org/drawingml/2006/main" xmlns:r="http://schemas.openxmlformats.org/officeDocument/2006/relationships" xmlns:p="http://schemas.openxmlformats.org/presentationml/2006/main">
+  <p:cSld>
+    <p:bg>
+      <p:bgRef idx="1001">
+        <a:schemeClr val="bg1"/>
+      </p:bgRef>
+    </p:bg>
+    <p:spTree>
+      <p:nvGrpSpPr>
+        <p:cNvPr id="1" name=""/>
+        <p:cNvGrpSpPr/>
+        <p:nvPr/>
+      </p:nvGrpSpPr>
+      <p:grpSpPr>
+        <a:xfrm>
+          <a:off x="0" y="0"/>
+          <a:ext cx="0" cy="0"/>
+          <a:chOff x="0" y="0"/>
+          <a:chExt cx="0" cy="0"/>
+        </a:xfrm>
+      </p:grpSpPr>
+      <p:sp>
+        <p:nvSpPr>
+          <p:cNvPr id="2" name="Espaço Reservado para Cabeçalho 1"/>
+          <p:cNvSpPr>
+            <a:spLocks noGrp="1"/>
+          </p:cNvSpPr>
+          <p:nvPr>
+            <p:ph type="hdr" sz="quarter"/>
+          </p:nvPr>
+        </p:nvSpPr>
+        <p:spPr>
+          <a:xfrm>
+            <a:off x="0" y="0"/>
+            <a:ext cx="2971800" cy="458788"/>
+          </a:xfrm>
+          <a:prstGeom prst="rect">
+            <a:avLst/>
+          </a:prstGeom>
+        </p:spPr>
+        <p:txBody>
+          <a:bodyPr vert="horz" lIns="91440" tIns="45720" rIns="91440" bIns="45720" rtlCol="0"/>
+          <a:lstStyle>
+            <a:lvl1pPr algn="l">
+              <a:defRPr sz="1200"/>
+            </a:lvl1pPr>
+          </a:lstStyle>
+          <a:p>
+            <a:endParaRPr lang="pt-BR"/>
+          </a:p>
+        </p:txBody>
+      </p:sp>
+      <p:sp>
+        <p:nvSpPr>
+          <p:cNvPr id="3" name="Espaço Reservado para Data 2"/>
+          <p:cNvSpPr>
+            <a:spLocks noGrp="1"/>
+          </p:cNvSpPr>
+          <p:nvPr>
+            <p:ph type="dt" idx="1"/>
+          </p:nvPr>
+        </p:nvSpPr>
+        <p:spPr>
+          <a:xfrm>
+            <a:off x="3884613" y="0"/>
+            <a:ext cx="2971800" cy="458788"/>
+          </a:xfrm>
+          <a:prstGeom prst="rect">
+            <a:avLst/>
+          </a:prstGeom>
+        </p:spPr>
+        <p:txBody>
+          <a:bodyPr vert="horz" lIns="91440" tIns="45720" rIns="91440" bIns="45720" rtlCol="0"/>
+          <a:lstStyle>
+            <a:lvl1pPr algn="r">
+              <a:defRPr sz="1200"/>
+            </a:lvl1pPr>
+          </a:lstStyle>
+          <a:p>
+            <a:fld id="{E3697F56-4F80-47A1-A50E-9F0D71CA86D3}" type="datetimeFigureOut">
+              <a:rPr lang="pt-BR" smtClean="0"/>
+              <a:t>27/11/2018</a:t>
+            </a:fld>
+            <a:endParaRPr lang="pt-BR"/>
+          </a:p>
+        </p:txBody>
+      </p:sp>
+      <p:sp>
+        <p:nvSpPr>
+          <p:cNvPr id="4" name="Espaço Reservado para Imagem de Slide 3"/>
+          <p:cNvSpPr>
+            <a:spLocks noGrp="1" noRot="1" noChangeAspect="1"/>
+          </p:cNvSpPr>
+          <p:nvPr>
+            <p:ph type="sldImg" idx="2"/>
+          </p:nvPr>
+        </p:nvSpPr>
+        <p:spPr>
+          <a:xfrm>
+            <a:off x="685800" y="1143000"/>
+            <a:ext cx="5486400" cy="3086100"/>
+          </a:xfrm>
+          <a:prstGeom prst="rect">
+            <a:avLst/>
+          </a:prstGeom>
+          <a:noFill/>
+          <a:ln w="12700">
+            <a:solidFill>
+              <a:prstClr val="black"/>
+            </a:solidFill>
+          </a:ln>
+        </p:spPr>
+        <p:txBody>
+          <a:bodyPr vert="horz" lIns="91440" tIns="45720" rIns="91440" bIns="45720" rtlCol="0" anchor="ctr"/>
+          <a:lstStyle/>
+          <a:p>
+            <a:endParaRPr lang="pt-BR"/>
+          </a:p>
+        </p:txBody>
+      </p:sp>
+      <p:sp>
+        <p:nvSpPr>
+          <p:cNvPr id="5" name="Espaço Reservado para Anotações 4"/>
+          <p:cNvSpPr>
+            <a:spLocks noGrp="1"/>
+          </p:cNvSpPr>
+          <p:nvPr>
+            <p:ph type="body" sz="quarter" idx="3"/>
+          </p:nvPr>
+        </p:nvSpPr>
+        <p:spPr>
+          <a:xfrm>
+            <a:off x="685800" y="4400550"/>
+            <a:ext cx="5486400" cy="3600450"/>
+          </a:xfrm>
+          <a:prstGeom prst="rect">
+            <a:avLst/>
+          </a:prstGeom>
+        </p:spPr>
+        <p:txBody>
+          <a:bodyPr vert="horz" lIns="91440" tIns="45720" rIns="91440" bIns="45720" rtlCol="0"/>
+          <a:lstStyle/>
+          <a:p>
+            <a:pPr lvl="0"/>
+            <a:r>
+              <a:rPr lang="pt-BR"/>
+              <a:t>Editar estilos de texto Mestre</a:t>
+            </a:r>
+          </a:p>
+          <a:p>
+            <a:pPr lvl="1"/>
+            <a:r>
+              <a:rPr lang="pt-BR"/>
+              <a:t>Segundo nível</a:t>
+            </a:r>
+          </a:p>
+          <a:p>
+            <a:pPr lvl="2"/>
+            <a:r>
+              <a:rPr lang="pt-BR"/>
+              <a:t>Terceiro nível</a:t>
+            </a:r>
+          </a:p>
+          <a:p>
+            <a:pPr lvl="3"/>
+            <a:r>
+              <a:rPr lang="pt-BR"/>
+              <a:t>Quarto nível</a:t>
+            </a:r>
+          </a:p>
+          <a:p>
+            <a:pPr lvl="4"/>
+            <a:r>
+              <a:rPr lang="pt-BR"/>
+              <a:t>Quinto nível</a:t>
+            </a:r>
+          </a:p>
+        </p:txBody>
+      </p:sp>
+      <p:sp>
+        <p:nvSpPr>
+          <p:cNvPr id="6" name="Espaço Reservado para Rodapé 5"/>
+          <p:cNvSpPr>
+            <a:spLocks noGrp="1"/>
+          </p:cNvSpPr>
+          <p:nvPr>
+            <p:ph type="ftr" sz="quarter" idx="4"/>
+          </p:nvPr>
+        </p:nvSpPr>
+        <p:spPr>
+          <a:xfrm>
+            <a:off x="0" y="8685213"/>
+            <a:ext cx="2971800" cy="458787"/>
+          </a:xfrm>
+          <a:prstGeom prst="rect">
+            <a:avLst/>
+          </a:prstGeom>
+        </p:spPr>
+        <p:txBody>
+          <a:bodyPr vert="horz" lIns="91440" tIns="45720" rIns="91440" bIns="45720" rtlCol="0" anchor="b"/>
+          <a:lstStyle>
+            <a:lvl1pPr algn="l">
+              <a:defRPr sz="1200"/>
+            </a:lvl1pPr>
+          </a:lstStyle>
+          <a:p>
+            <a:endParaRPr lang="pt-BR"/>
+          </a:p>
+        </p:txBody>
+      </p:sp>
+      <p:sp>
+        <p:nvSpPr>
+          <p:cNvPr id="7" name="Espaço Reservado para Número de Slide 6"/>
+          <p:cNvSpPr>
+            <a:spLocks noGrp="1"/>
+          </p:cNvSpPr>
+          <p:nvPr>
+            <p:ph type="sldNum" sz="quarter" idx="5"/>
+          </p:nvPr>
+        </p:nvSpPr>
+        <p:spPr>
+          <a:xfrm>
+            <a:off x="3884613" y="8685213"/>
+            <a:ext cx="2971800" cy="458787"/>
+          </a:xfrm>
+          <a:prstGeom prst="rect">
+            <a:avLst/>
+          </a:prstGeom>
+        </p:spPr>
+        <p:txBody>
+          <a:bodyPr vert="horz" lIns="91440" tIns="45720" rIns="91440" bIns="45720" rtlCol="0" anchor="b"/>
+          <a:lstStyle>
+            <a:lvl1pPr algn="r">
+              <a:defRPr sz="1200"/>
+            </a:lvl1pPr>
+          </a:lstStyle>
+          <a:p>
+            <a:fld id="{3BCF2559-462F-4758-A99F-19EE0C1FDBC7}" type="slidenum">
+              <a:rPr lang="pt-BR" smtClean="0"/>
+              <a:t>‹nº›</a:t>
+            </a:fld>
+            <a:endParaRPr lang="pt-BR"/>
+          </a:p>
+        </p:txBody>
+      </p:sp>
+    </p:spTree>
+    <p:extLst>
+      <p:ext uri="{BB962C8B-B14F-4D97-AF65-F5344CB8AC3E}">
+        <p14:creationId xmlns:p14="http://schemas.microsoft.com/office/powerpoint/2010/main" val="2156819422"/>
+      </p:ext>
+    </p:extLst>
+  </p:cSld>
+  <p:clrMap bg1="lt1" tx1="dk1" bg2="lt2" tx2="dk2" accent1="accent1" accent2="accent2" accent3="accent3" accent4="accent4" accent5="accent5" accent6="accent6" hlink="hlink" folHlink="folHlink"/>
+  <p:notesStyle>
+    <a:lvl1pPr marL="0" algn="l" defTabSz="914400" rtl="0" eaLnBrk="1" latinLnBrk="0" hangingPunct="1">
+      <a:defRPr sz="1200" kern="1200">
+        <a:solidFill>
+          <a:schemeClr val="tx1"/>
+        </a:solidFill>
+        <a:latin typeface="+mn-lt"/>
+        <a:ea typeface="+mn-ea"/>
+        <a:cs typeface="+mn-cs"/>
+      </a:defRPr>
+    </a:lvl1pPr>
+    <a:lvl2pPr marL="457200" algn="l" defTabSz="914400" rtl="0" eaLnBrk="1" latinLnBrk="0" hangingPunct="1">
+      <a:defRPr sz="1200" kern="1200">
+        <a:solidFill>
+          <a:schemeClr val="tx1"/>
+        </a:solidFill>
+        <a:latin typeface="+mn-lt"/>
+        <a:ea typeface="+mn-ea"/>
+        <a:cs typeface="+mn-cs"/>
+      </a:defRPr>
+    </a:lvl2pPr>
+    <a:lvl3pPr marL="914400" algn="l" defTabSz="914400" rtl="0" eaLnBrk="1" latinLnBrk="0" hangingPunct="1">
+      <a:defRPr sz="1200" kern="1200">
+        <a:solidFill>
+          <a:schemeClr val="tx1"/>
+        </a:solidFill>
+        <a:latin typeface="+mn-lt"/>
+        <a:ea typeface="+mn-ea"/>
+        <a:cs typeface="+mn-cs"/>
+      </a:defRPr>
+    </a:lvl3pPr>
+    <a:lvl4pPr marL="1371600" algn="l" defTabSz="914400" rtl="0" eaLnBrk="1" latinLnBrk="0" hangingPunct="1">
+      <a:defRPr sz="1200" kern="1200">
+        <a:solidFill>
+          <a:schemeClr val="tx1"/>
+        </a:solidFill>
+        <a:latin typeface="+mn-lt"/>
+        <a:ea typeface="+mn-ea"/>
+        <a:cs typeface="+mn-cs"/>
+      </a:defRPr>
+    </a:lvl4pPr>
+    <a:lvl5pPr marL="1828800" algn="l" defTabSz="914400" rtl="0" eaLnBrk="1" latinLnBrk="0" hangingPunct="1">
+      <a:defRPr sz="1200" kern="1200">
+        <a:solidFill>
+          <a:schemeClr val="tx1"/>
+        </a:solidFill>
+        <a:latin typeface="+mn-lt"/>
+        <a:ea typeface="+mn-ea"/>
+        <a:cs typeface="+mn-cs"/>
+      </a:defRPr>
+    </a:lvl5pPr>
+    <a:lvl6pPr marL="2286000" algn="l" defTabSz="914400" rtl="0" eaLnBrk="1" latinLnBrk="0" hangingPunct="1">
+      <a:defRPr sz="1200" kern="1200">
+        <a:solidFill>
+          <a:schemeClr val="tx1"/>
+        </a:solidFill>
+        <a:latin typeface="+mn-lt"/>
+        <a:ea typeface="+mn-ea"/>
+        <a:cs typeface="+mn-cs"/>
+      </a:defRPr>
+    </a:lvl6pPr>
+    <a:lvl7pPr marL="2743200" algn="l" defTabSz="914400" rtl="0" eaLnBrk="1" latinLnBrk="0" hangingPunct="1">
+      <a:defRPr sz="1200" kern="1200">
+        <a:solidFill>
+          <a:schemeClr val="tx1"/>
+        </a:solidFill>
+        <a:latin typeface="+mn-lt"/>
+        <a:ea typeface="+mn-ea"/>
+        <a:cs typeface="+mn-cs"/>
+      </a:defRPr>
+    </a:lvl7pPr>
+    <a:lvl8pPr marL="3200400" algn="l" defTabSz="914400" rtl="0" eaLnBrk="1" latinLnBrk="0" hangingPunct="1">
+      <a:defRPr sz="1200" kern="1200">
+        <a:solidFill>
+          <a:schemeClr val="tx1"/>
+        </a:solidFill>
+        <a:latin typeface="+mn-lt"/>
+        <a:ea typeface="+mn-ea"/>
+        <a:cs typeface="+mn-cs"/>
+      </a:defRPr>
+    </a:lvl8pPr>
+    <a:lvl9pPr marL="3657600" algn="l" defTabSz="914400" rtl="0" eaLnBrk="1" latinLnBrk="0" hangingPunct="1">
+      <a:defRPr sz="1200" kern="1200">
+        <a:solidFill>
+          <a:schemeClr val="tx1"/>
+        </a:solidFill>
+        <a:latin typeface="+mn-lt"/>
+        <a:ea typeface="+mn-ea"/>
+        <a:cs typeface="+mn-cs"/>
+      </a:defRPr>
+    </a:lvl9pPr>
+  </p:notesStyle>
+</p:notesMaster>
+</file>
+
 <file path=ppt/slideLayouts/slideLayout1.xml><?xml version="1.0" encoding="utf-8"?>
 <p:sldLayout xmlns:a="http://schemas.openxmlformats.org/drawingml/2006/main" xmlns:r="http://schemas.openxmlformats.org/officeDocument/2006/relationships" xmlns:p="http://schemas.openxmlformats.org/presentationml/2006/main" type="title" preserve="1">
   <p:cSld name="Slide de título">
@@ -311,7 +1326,7 @@
             </a:lvl1pPr>
           </a:lstStyle>
           <a:p>
-            <a:fld id="{9EEA3770-D09A-4A43-918D-B4CCE40FEB5F}" type="datetimeFigureOut">
+            <a:fld id="{CAC5DF36-976D-4FFD-B88E-599D253160EF}" type="datetime1">
               <a:rPr lang="pt-BR" smtClean="0"/>
               <a:t>27/11/2018</a:t>
             </a:fld>
@@ -551,7 +1566,7 @@
             </a:lvl1pPr>
           </a:lstStyle>
           <a:p>
-            <a:fld id="{9EEA3770-D09A-4A43-918D-B4CCE40FEB5F}" type="datetimeFigureOut">
+            <a:fld id="{6FBFBC6A-F19D-4ADD-8312-D5467FCE704B}" type="datetime1">
               <a:rPr lang="pt-BR" smtClean="0"/>
               <a:t>27/11/2018</a:t>
             </a:fld>
@@ -747,7 +1762,7 @@
             </a:lvl1pPr>
           </a:lstStyle>
           <a:p>
-            <a:fld id="{9EEA3770-D09A-4A43-918D-B4CCE40FEB5F}" type="datetimeFigureOut">
+            <a:fld id="{7598057F-ECF9-4F8C-971C-436DF4DA956C}" type="datetime1">
               <a:rPr lang="pt-BR" smtClean="0"/>
               <a:t>27/11/2018</a:t>
             </a:fld>
@@ -992,7 +2007,7 @@
             </a:lvl1pPr>
           </a:lstStyle>
           <a:p>
-            <a:fld id="{9EEA3770-D09A-4A43-918D-B4CCE40FEB5F}" type="datetimeFigureOut">
+            <a:fld id="{31B34CC8-3CD8-476B-9A0F-71A5C69E8A28}" type="datetime1">
               <a:rPr lang="pt-BR" smtClean="0"/>
               <a:t>27/11/2018</a:t>
             </a:fld>
@@ -1314,7 +2329,7 @@
             </a:lvl1pPr>
           </a:lstStyle>
           <a:p>
-            <a:fld id="{9EEA3770-D09A-4A43-918D-B4CCE40FEB5F}" type="datetimeFigureOut">
+            <a:fld id="{F439643C-B573-4CD2-8CE0-238A37FE8B88}" type="datetime1">
               <a:rPr lang="pt-BR" smtClean="0"/>
               <a:t>27/11/2018</a:t>
             </a:fld>
@@ -1730,7 +2745,7 @@
             </a:lvl1pPr>
           </a:lstStyle>
           <a:p>
-            <a:fld id="{9EEA3770-D09A-4A43-918D-B4CCE40FEB5F}" type="datetimeFigureOut">
+            <a:fld id="{27F18B9B-21A9-4411-9128-1B06D2A45828}" type="datetime1">
               <a:rPr lang="pt-BR" smtClean="0"/>
               <a:t>27/11/2018</a:t>
             </a:fld>
@@ -2280,7 +3295,7 @@
             </a:lvl1pPr>
           </a:lstStyle>
           <a:p>
-            <a:fld id="{9EEA3770-D09A-4A43-918D-B4CCE40FEB5F}" type="datetimeFigureOut">
+            <a:fld id="{3A74F392-9984-4A29-893D-1A7638600F18}" type="datetime1">
               <a:rPr lang="pt-BR" smtClean="0"/>
               <a:t>27/11/2018</a:t>
             </a:fld>
@@ -2528,7 +3543,7 @@
             </a:lvl1pPr>
           </a:lstStyle>
           <a:p>
-            <a:fld id="{9EEA3770-D09A-4A43-918D-B4CCE40FEB5F}" type="datetimeFigureOut">
+            <a:fld id="{611172CB-500A-445C-89FE-ACA6E3D3E54B}" type="datetime1">
               <a:rPr lang="pt-BR" smtClean="0"/>
               <a:t>27/11/2018</a:t>
             </a:fld>
@@ -2754,7 +3769,7 @@
             </a:lvl1pPr>
           </a:lstStyle>
           <a:p>
-            <a:fld id="{9EEA3770-D09A-4A43-918D-B4CCE40FEB5F}" type="datetimeFigureOut">
+            <a:fld id="{2E2909A7-384B-413D-933D-77DBCFE60441}" type="datetime1">
               <a:rPr lang="pt-BR" smtClean="0"/>
               <a:t>27/11/2018</a:t>
             </a:fld>
@@ -3160,7 +4175,7 @@
             </a:lvl1pPr>
           </a:lstStyle>
           <a:p>
-            <a:fld id="{9EEA3770-D09A-4A43-918D-B4CCE40FEB5F}" type="datetimeFigureOut">
+            <a:fld id="{A392DAF2-2A57-4FA4-9390-E36702D46919}" type="datetime1">
               <a:rPr lang="pt-BR" smtClean="0"/>
               <a:t>27/11/2018</a:t>
             </a:fld>
@@ -3547,7 +4562,7 @@
             </a:lvl1pPr>
           </a:lstStyle>
           <a:p>
-            <a:fld id="{9EEA3770-D09A-4A43-918D-B4CCE40FEB5F}" type="datetimeFigureOut">
+            <a:fld id="{17254E71-5CE1-413D-96F0-F8070276B063}" type="datetime1">
               <a:rPr lang="pt-BR" smtClean="0"/>
               <a:t>27/11/2018</a:t>
             </a:fld>
@@ -3883,7 +4898,7 @@
             </a:lvl1pPr>
           </a:lstStyle>
           <a:p>
-            <a:fld id="{9EEA3770-D09A-4A43-918D-B4CCE40FEB5F}" type="datetimeFigureOut">
+            <a:fld id="{395D13D1-C2E0-4364-86B8-5B4B38CC27F3}" type="datetime1">
               <a:rPr lang="pt-BR" smtClean="0"/>
               <a:t>27/11/2018</a:t>
             </a:fld>
@@ -4052,6 +5067,7 @@
     <p:sldLayoutId id="2147483670" r:id="rId10"/>
     <p:sldLayoutId id="2147483671" r:id="rId11"/>
   </p:sldLayoutIdLst>
+  <p:hf hdr="0" ftr="0" dt="0"/>
   <p:txStyles>
     <p:titleStyle>
       <a:lvl1pPr algn="ctr" rtl="0" eaLnBrk="1" fontAlgn="base" hangingPunct="1">
@@ -4459,8 +5475,8 @@
           <a:lstStyle/>
           <a:p>
             <a:r>
-              <a:rPr lang="pt-BR" dirty="0"/>
-              <a:t>Projeto Interativo - VIII</a:t>
+              <a:rPr lang="pt-BR"/>
+              <a:t>Projeto Integrador - VIII</a:t>
             </a:r>
           </a:p>
         </p:txBody>
@@ -4487,38 +5503,61 @@
           <a:p>
             <a:r>
               <a:rPr lang="pt-BR" dirty="0"/>
-              <a:t>Prédio </a:t>
-            </a:r>
-            <a:r>
-              <a:rPr lang="pt-BR" dirty="0" err="1"/>
-              <a:t>In-door</a:t>
-            </a:r>
-            <a:r>
-              <a:rPr lang="pt-BR" dirty="0"/>
-              <a:t> (PID)</a:t>
-            </a:r>
-          </a:p>
-          <a:p>
-            <a:r>
-              <a:rPr lang="pt-BR" sz="2400" dirty="0"/>
+              <a:t>Prédio Indoor (PID)</a:t>
+            </a:r>
+          </a:p>
+          <a:p>
+            <a:r>
+              <a:rPr lang="pt-BR" sz="2000" dirty="0"/>
               <a:t>Nomes: Alessandro Kantousian</a:t>
             </a:r>
           </a:p>
           <a:p>
             <a:r>
-              <a:rPr lang="pt-BR" sz="2400" dirty="0"/>
+              <a:rPr lang="pt-BR" sz="2000" dirty="0">
+                <a:cs typeface="Arial"/>
+              </a:rPr>
+              <a:t>Cainã Camargo</a:t>
+            </a:r>
+            <a:endParaRPr lang="pt-BR" sz="2800" dirty="0"/>
+          </a:p>
+          <a:p>
+            <a:r>
+              <a:rPr lang="pt-BR" sz="2000" dirty="0"/>
               <a:t>Luiz Guilherme das Chagas</a:t>
             </a:r>
-          </a:p>
-          <a:p>
-            <a:r>
-              <a:rPr lang="pt-BR" sz="2400" dirty="0" err="1"/>
-              <a:t>Cainã</a:t>
-            </a:r>
-            <a:r>
-              <a:rPr lang="pt-BR" sz="2400" dirty="0"/>
-              <a:t> Camargo</a:t>
-            </a:r>
+            <a:endParaRPr lang="pt-BR" sz="2000" dirty="0">
+              <a:cs typeface="Arial"/>
+            </a:endParaRPr>
+          </a:p>
+        </p:txBody>
+      </p:sp>
+      <p:sp>
+        <p:nvSpPr>
+          <p:cNvPr id="4" name="Espaço Reservado para Número de Slide 3">
+            <a:extLst>
+              <a:ext uri="{FF2B5EF4-FFF2-40B4-BE49-F238E27FC236}">
+                <a16:creationId xmlns:a16="http://schemas.microsoft.com/office/drawing/2014/main" id="{CD1C8956-6A56-47E4-9FCA-D4AD4448D3A0}"/>
+              </a:ext>
+            </a:extLst>
+          </p:cNvPr>
+          <p:cNvSpPr>
+            <a:spLocks noGrp="1"/>
+          </p:cNvSpPr>
+          <p:nvPr>
+            <p:ph type="sldNum" sz="quarter" idx="12"/>
+          </p:nvPr>
+        </p:nvSpPr>
+        <p:spPr/>
+        <p:txBody>
+          <a:bodyPr/>
+          <a:lstStyle/>
+          <a:p>
+            <a:fld id="{64079E33-1B1B-4251-8EEF-3C4640F9F3A4}" type="slidenum">
+              <a:rPr lang="pt-BR" smtClean="0"/>
+              <a:t>1</a:t>
+            </a:fld>
+            <a:endParaRPr lang="pt-BR"/>
           </a:p>
         </p:txBody>
       </p:sp>
@@ -4573,7 +5612,7 @@
           <a:lstStyle/>
           <a:p>
             <a:r>
-              <a:rPr lang="pt-BR" dirty="0"/>
+              <a:rPr lang="pt-BR"/>
               <a:t>Funcionamento</a:t>
             </a:r>
           </a:p>
@@ -4600,28 +5639,28 @@
           <a:lstStyle/>
           <a:p>
             <a:r>
-              <a:rPr lang="pt-BR" dirty="0"/>
+              <a:rPr lang="pt-BR"/>
               <a:t>Obtendo a posição:</a:t>
             </a:r>
           </a:p>
           <a:p>
             <a:pPr lvl="1"/>
             <a:r>
-              <a:rPr lang="pt-BR" dirty="0"/>
+              <a:rPr lang="pt-BR"/>
               <a:t>A partir do RSSI calculamos a distância utilizando o FSPL</a:t>
             </a:r>
           </a:p>
           <a:p>
             <a:pPr lvl="1"/>
             <a:r>
-              <a:rPr lang="pt-BR" dirty="0"/>
+              <a:rPr lang="pt-BR"/>
               <a:t>Obtenção dos raios dos círculos</a:t>
             </a:r>
           </a:p>
           <a:p>
             <a:pPr lvl="1"/>
             <a:r>
-              <a:rPr lang="pt-BR" dirty="0"/>
+              <a:rPr lang="pt-BR"/>
               <a:t>Trilateração</a:t>
             </a:r>
           </a:p>
@@ -4740,13 +5779,86 @@
         <p:spPr>
           <a:xfrm>
             <a:off x="2054088" y="3188351"/>
-            <a:ext cx="3472069" cy="3485024"/>
+            <a:ext cx="3472069" cy="3300540"/>
           </a:xfrm>
           <a:prstGeom prst="rect">
             <a:avLst/>
           </a:prstGeom>
         </p:spPr>
       </p:pic>
+      <p:sp>
+        <p:nvSpPr>
+          <p:cNvPr id="4" name="TextBox 3">
+            <a:extLst>
+              <a:ext uri="{FF2B5EF4-FFF2-40B4-BE49-F238E27FC236}">
+                <a16:creationId xmlns:a16="http://schemas.microsoft.com/office/drawing/2014/main" id="{2742F006-9F74-42F9-B200-D46D2AFBB316}"/>
+              </a:ext>
+            </a:extLst>
+          </p:cNvPr>
+          <p:cNvSpPr txBox="1"/>
+          <p:nvPr/>
+        </p:nvSpPr>
+        <p:spPr>
+          <a:xfrm>
+            <a:off x="2053389" y="6493042"/>
+            <a:ext cx="2743200" cy="369332"/>
+          </a:xfrm>
+          <a:prstGeom prst="rect">
+            <a:avLst/>
+          </a:prstGeom>
+        </p:spPr>
+        <p:txBody>
+          <a:bodyPr rot="0" spcFirstLastPara="0" vertOverflow="overflow" horzOverflow="overflow" vert="horz" wrap="square" lIns="91440" tIns="45720" rIns="91440" bIns="45720" numCol="1" spcCol="0" rtlCol="0" fromWordArt="0" anchor="t" anchorCtr="0" forceAA="0" compatLnSpc="1">
+            <a:prstTxWarp prst="textNoShape">
+              <a:avLst/>
+            </a:prstTxWarp>
+            <a:spAutoFit/>
+          </a:bodyPr>
+          <a:lstStyle/>
+          <a:p>
+            <a:r>
+              <a:rPr lang="en-US" dirty="0" err="1"/>
+              <a:t>Figura</a:t>
+            </a:r>
+            <a:r>
+              <a:rPr lang="en-US" dirty="0">
+                <a:cs typeface="Arial"/>
+              </a:rPr>
+              <a:t> 3</a:t>
+            </a:r>
+            <a:endParaRPr lang="en-US" dirty="0"/>
+          </a:p>
+        </p:txBody>
+      </p:sp>
+      <p:sp>
+        <p:nvSpPr>
+          <p:cNvPr id="8" name="Espaço Reservado para Número de Slide 7">
+            <a:extLst>
+              <a:ext uri="{FF2B5EF4-FFF2-40B4-BE49-F238E27FC236}">
+                <a16:creationId xmlns:a16="http://schemas.microsoft.com/office/drawing/2014/main" id="{75DC2F3D-FBCA-497B-9B9C-0603D515DAFB}"/>
+              </a:ext>
+            </a:extLst>
+          </p:cNvPr>
+          <p:cNvSpPr>
+            <a:spLocks noGrp="1"/>
+          </p:cNvSpPr>
+          <p:nvPr>
+            <p:ph type="sldNum" sz="quarter" idx="12"/>
+          </p:nvPr>
+        </p:nvSpPr>
+        <p:spPr/>
+        <p:txBody>
+          <a:bodyPr/>
+          <a:lstStyle/>
+          <a:p>
+            <a:fld id="{64079E33-1B1B-4251-8EEF-3C4640F9F3A4}" type="slidenum">
+              <a:rPr lang="pt-BR" smtClean="0"/>
+              <a:t>10</a:t>
+            </a:fld>
+            <a:endParaRPr lang="pt-BR"/>
+          </a:p>
+        </p:txBody>
+      </p:sp>
     </p:spTree>
     <p:extLst>
       <p:ext uri="{BB962C8B-B14F-4D97-AF65-F5344CB8AC3E}">
@@ -4793,7 +5905,7 @@
           <a:lstStyle/>
           <a:p>
             <a:r>
-              <a:rPr lang="pt-BR" dirty="0"/>
+              <a:rPr lang="pt-BR"/>
               <a:t>Funcionamento</a:t>
             </a:r>
           </a:p>
@@ -4820,53 +5932,56 @@
           <a:lstStyle/>
           <a:p>
             <a:r>
-              <a:rPr lang="pt-BR" dirty="0"/>
+              <a:rPr lang="pt-BR"/>
               <a:t>Comunicação:</a:t>
             </a:r>
           </a:p>
           <a:p>
             <a:pPr lvl="1"/>
             <a:r>
-              <a:rPr lang="pt-BR" dirty="0"/>
+              <a:rPr lang="pt-BR"/>
               <a:t>UDP: Confirmação de funcionários</a:t>
             </a:r>
           </a:p>
           <a:p>
             <a:pPr lvl="1"/>
             <a:r>
-              <a:rPr lang="pt-BR" dirty="0"/>
-              <a:t>TCP: Envio dos dados de RSSI</a:t>
-            </a:r>
-          </a:p>
-          <a:p>
-            <a:r>
-              <a:rPr lang="pt-BR" dirty="0"/>
+              <a:rPr lang="pt-BR"/>
+              <a:t>UDP: Envio dos dados de RSSI</a:t>
+            </a:r>
+            <a:endParaRPr lang="pt-BR">
+              <a:cs typeface="Arial"/>
+            </a:endParaRPr>
+          </a:p>
+          <a:p>
+            <a:r>
+              <a:rPr lang="pt-BR"/>
               <a:t>Servidor:</a:t>
             </a:r>
           </a:p>
           <a:p>
             <a:pPr lvl="1"/>
             <a:r>
-              <a:rPr lang="pt-BR" dirty="0"/>
+              <a:rPr lang="pt-BR"/>
               <a:t>Consulta um banco de dados com o registro dos dispositivos cadastrados</a:t>
             </a:r>
           </a:p>
           <a:p>
             <a:pPr lvl="1"/>
             <a:r>
-              <a:rPr lang="pt-BR" dirty="0"/>
+              <a:rPr lang="pt-BR"/>
               <a:t>Recebe a informação do RSSI, calcula a distância com a fórmula do FSPL, e a posição da pessoa a partir da </a:t>
             </a:r>
             <a:r>
-              <a:rPr lang="pt-BR" dirty="0" err="1"/>
+              <a:rPr lang="pt-BR" err="1"/>
               <a:t>trilateração</a:t>
             </a:r>
-            <a:endParaRPr lang="pt-BR" dirty="0"/>
+            <a:endParaRPr lang="pt-BR"/>
           </a:p>
           <a:p>
             <a:pPr lvl="1"/>
             <a:r>
-              <a:rPr lang="pt-BR" dirty="0"/>
+              <a:rPr lang="pt-BR"/>
               <a:t>Envia para uma página web onde é possível ver a localização da pessoa</a:t>
             </a:r>
           </a:p>
@@ -4874,7 +5989,36 @@
             <a:pPr marL="457200" lvl="1" indent="0">
               <a:buNone/>
             </a:pPr>
-            <a:endParaRPr lang="pt-BR" dirty="0"/>
+            <a:endParaRPr lang="pt-BR"/>
+          </a:p>
+        </p:txBody>
+      </p:sp>
+      <p:sp>
+        <p:nvSpPr>
+          <p:cNvPr id="4" name="Espaço Reservado para Número de Slide 3">
+            <a:extLst>
+              <a:ext uri="{FF2B5EF4-FFF2-40B4-BE49-F238E27FC236}">
+                <a16:creationId xmlns:a16="http://schemas.microsoft.com/office/drawing/2014/main" id="{2819A4F1-DCD8-4236-A11C-B19AE2A45B8B}"/>
+              </a:ext>
+            </a:extLst>
+          </p:cNvPr>
+          <p:cNvSpPr>
+            <a:spLocks noGrp="1"/>
+          </p:cNvSpPr>
+          <p:nvPr>
+            <p:ph type="sldNum" sz="quarter" idx="12"/>
+          </p:nvPr>
+        </p:nvSpPr>
+        <p:spPr/>
+        <p:txBody>
+          <a:bodyPr/>
+          <a:lstStyle/>
+          <a:p>
+            <a:fld id="{64079E33-1B1B-4251-8EEF-3C4640F9F3A4}" type="slidenum">
+              <a:rPr lang="pt-BR" smtClean="0"/>
+              <a:t>11</a:t>
+            </a:fld>
+            <a:endParaRPr lang="pt-BR"/>
           </a:p>
         </p:txBody>
       </p:sp>
@@ -4910,6 +6054,2015 @@
       </p:grpSpPr>
       <p:sp>
         <p:nvSpPr>
+          <p:cNvPr id="2" name="Title 1">
+            <a:extLst>
+              <a:ext uri="{FF2B5EF4-FFF2-40B4-BE49-F238E27FC236}">
+                <a16:creationId xmlns:a16="http://schemas.microsoft.com/office/drawing/2014/main" id="{3AA6CA7E-EF4F-4C15-83B7-BF71CEA6DEB4}"/>
+              </a:ext>
+            </a:extLst>
+          </p:cNvPr>
+          <p:cNvSpPr>
+            <a:spLocks noGrp="1"/>
+          </p:cNvSpPr>
+          <p:nvPr>
+            <p:ph type="title"/>
+          </p:nvPr>
+        </p:nvSpPr>
+        <p:spPr/>
+        <p:txBody>
+          <a:bodyPr/>
+          <a:lstStyle/>
+          <a:p>
+            <a:r>
+              <a:rPr lang="en-US" err="1">
+                <a:cs typeface="Arial"/>
+              </a:rPr>
+              <a:t>Funcionamento</a:t>
+            </a:r>
+            <a:endParaRPr lang="en-US" err="1"/>
+          </a:p>
+        </p:txBody>
+      </p:sp>
+      <p:pic>
+        <p:nvPicPr>
+          <p:cNvPr id="4" name="Picture 4">
+            <a:extLst>
+              <a:ext uri="{FF2B5EF4-FFF2-40B4-BE49-F238E27FC236}">
+                <a16:creationId xmlns:a16="http://schemas.microsoft.com/office/drawing/2014/main" id="{9A9CB850-7783-46F2-9F63-B74EC5ACBC45}"/>
+              </a:ext>
+            </a:extLst>
+          </p:cNvPr>
+          <p:cNvPicPr>
+            <a:picLocks noGrp="1" noChangeAspect="1"/>
+          </p:cNvPicPr>
+          <p:nvPr>
+            <p:ph idx="1"/>
+          </p:nvPr>
+        </p:nvPicPr>
+        <p:blipFill>
+          <a:blip r:embed="rId2"/>
+          <a:stretch>
+            <a:fillRect/>
+          </a:stretch>
+        </p:blipFill>
+        <p:spPr>
+          <a:xfrm>
+            <a:off x="1287884" y="1600201"/>
+            <a:ext cx="9471853" cy="4630236"/>
+          </a:xfrm>
+          <a:prstGeom prst="rect">
+            <a:avLst/>
+          </a:prstGeom>
+        </p:spPr>
+      </p:pic>
+      <p:sp>
+        <p:nvSpPr>
+          <p:cNvPr id="3" name="TextBox 2">
+            <a:extLst>
+              <a:ext uri="{FF2B5EF4-FFF2-40B4-BE49-F238E27FC236}">
+                <a16:creationId xmlns:a16="http://schemas.microsoft.com/office/drawing/2014/main" id="{4BEBB6FC-B4C4-4C37-BD91-77BED357E364}"/>
+              </a:ext>
+            </a:extLst>
+          </p:cNvPr>
+          <p:cNvSpPr txBox="1"/>
+          <p:nvPr/>
+        </p:nvSpPr>
+        <p:spPr>
+          <a:xfrm>
+            <a:off x="5293895" y="6260431"/>
+            <a:ext cx="2743200" cy="369332"/>
+          </a:xfrm>
+          <a:prstGeom prst="rect">
+            <a:avLst/>
+          </a:prstGeom>
+        </p:spPr>
+        <p:txBody>
+          <a:bodyPr rot="0" spcFirstLastPara="0" vertOverflow="overflow" horzOverflow="overflow" vert="horz" wrap="square" lIns="91440" tIns="45720" rIns="91440" bIns="45720" numCol="1" spcCol="0" rtlCol="0" fromWordArt="0" anchor="t" anchorCtr="0" forceAA="0" compatLnSpc="1">
+            <a:prstTxWarp prst="textNoShape">
+              <a:avLst/>
+            </a:prstTxWarp>
+            <a:spAutoFit/>
+          </a:bodyPr>
+          <a:lstStyle/>
+          <a:p>
+            <a:r>
+              <a:rPr lang="en-US" err="1">
+                <a:cs typeface="Arial"/>
+              </a:rPr>
+              <a:t>Figura</a:t>
+            </a:r>
+            <a:r>
+              <a:rPr lang="en-US">
+                <a:cs typeface="Arial"/>
+              </a:rPr>
+              <a:t> 4</a:t>
+            </a:r>
+          </a:p>
+        </p:txBody>
+      </p:sp>
+      <p:sp>
+        <p:nvSpPr>
+          <p:cNvPr id="5" name="Espaço Reservado para Número de Slide 4">
+            <a:extLst>
+              <a:ext uri="{FF2B5EF4-FFF2-40B4-BE49-F238E27FC236}">
+                <a16:creationId xmlns:a16="http://schemas.microsoft.com/office/drawing/2014/main" id="{8436B545-F35D-42E0-A291-BF9F9BE52C51}"/>
+              </a:ext>
+            </a:extLst>
+          </p:cNvPr>
+          <p:cNvSpPr>
+            <a:spLocks noGrp="1"/>
+          </p:cNvSpPr>
+          <p:nvPr>
+            <p:ph type="sldNum" sz="quarter" idx="12"/>
+          </p:nvPr>
+        </p:nvSpPr>
+        <p:spPr/>
+        <p:txBody>
+          <a:bodyPr/>
+          <a:lstStyle/>
+          <a:p>
+            <a:fld id="{64079E33-1B1B-4251-8EEF-3C4640F9F3A4}" type="slidenum">
+              <a:rPr lang="pt-BR" smtClean="0"/>
+              <a:t>12</a:t>
+            </a:fld>
+            <a:endParaRPr lang="pt-BR"/>
+          </a:p>
+        </p:txBody>
+      </p:sp>
+    </p:spTree>
+    <p:extLst>
+      <p:ext uri="{BB962C8B-B14F-4D97-AF65-F5344CB8AC3E}">
+        <p14:creationId xmlns:p14="http://schemas.microsoft.com/office/powerpoint/2010/main" val="1691223783"/>
+      </p:ext>
+    </p:extLst>
+  </p:cSld>
+  <p:clrMapOvr>
+    <a:masterClrMapping/>
+  </p:clrMapOvr>
+</p:sld>
+</file>
+
+<file path=ppt/slides/slide13.xml><?xml version="1.0" encoding="utf-8"?>
+<p:sld xmlns:a="http://schemas.openxmlformats.org/drawingml/2006/main" xmlns:r="http://schemas.openxmlformats.org/officeDocument/2006/relationships" xmlns:p="http://schemas.openxmlformats.org/presentationml/2006/main">
+  <p:cSld>
+    <p:spTree>
+      <p:nvGrpSpPr>
+        <p:cNvPr id="1" name=""/>
+        <p:cNvGrpSpPr/>
+        <p:nvPr/>
+      </p:nvGrpSpPr>
+      <p:grpSpPr>
+        <a:xfrm>
+          <a:off x="0" y="0"/>
+          <a:ext cx="0" cy="0"/>
+          <a:chOff x="0" y="0"/>
+          <a:chExt cx="0" cy="0"/>
+        </a:xfrm>
+      </p:grpSpPr>
+      <p:sp>
+        <p:nvSpPr>
+          <p:cNvPr id="2" name="Title 1">
+            <a:extLst>
+              <a:ext uri="{FF2B5EF4-FFF2-40B4-BE49-F238E27FC236}">
+                <a16:creationId xmlns:a16="http://schemas.microsoft.com/office/drawing/2014/main" id="{D65E84C1-DF3A-4954-997B-C92808673021}"/>
+              </a:ext>
+            </a:extLst>
+          </p:cNvPr>
+          <p:cNvSpPr>
+            <a:spLocks noGrp="1"/>
+          </p:cNvSpPr>
+          <p:nvPr>
+            <p:ph type="title"/>
+          </p:nvPr>
+        </p:nvSpPr>
+        <p:spPr/>
+        <p:txBody>
+          <a:bodyPr/>
+          <a:lstStyle/>
+          <a:p>
+            <a:r>
+              <a:rPr lang="en-US" err="1">
+                <a:cs typeface="Arial"/>
+              </a:rPr>
+              <a:t>Resultados</a:t>
+            </a:r>
+            <a:r>
+              <a:rPr lang="en-US">
+                <a:cs typeface="Arial"/>
+              </a:rPr>
+              <a:t> e </a:t>
+            </a:r>
+            <a:r>
+              <a:rPr lang="en-US" err="1">
+                <a:cs typeface="Arial"/>
+              </a:rPr>
+              <a:t>Discussões</a:t>
+            </a:r>
+            <a:endParaRPr lang="en-US" err="1"/>
+          </a:p>
+        </p:txBody>
+      </p:sp>
+      <p:sp>
+        <p:nvSpPr>
+          <p:cNvPr id="5" name="Content Placeholder 4">
+            <a:extLst>
+              <a:ext uri="{FF2B5EF4-FFF2-40B4-BE49-F238E27FC236}">
+                <a16:creationId xmlns:a16="http://schemas.microsoft.com/office/drawing/2014/main" id="{C001D542-8F2C-47A5-A01F-7CBDF41B5E37}"/>
+              </a:ext>
+            </a:extLst>
+          </p:cNvPr>
+          <p:cNvSpPr>
+            <a:spLocks noGrp="1"/>
+          </p:cNvSpPr>
+          <p:nvPr>
+            <p:ph idx="1"/>
+          </p:nvPr>
+        </p:nvSpPr>
+        <p:spPr/>
+        <p:txBody>
+          <a:bodyPr/>
+          <a:lstStyle/>
+          <a:p>
+            <a:r>
+              <a:rPr lang="en-US" err="1">
+                <a:cs typeface="Arial"/>
+              </a:rPr>
+              <a:t>Servidor</a:t>
+            </a:r>
+          </a:p>
+          <a:p>
+            <a:endParaRPr lang="en-US">
+              <a:cs typeface="Arial"/>
+            </a:endParaRPr>
+          </a:p>
+        </p:txBody>
+      </p:sp>
+      <p:pic>
+        <p:nvPicPr>
+          <p:cNvPr id="3" name="Picture 3" descr="A screenshot of a cell phone&#10;&#10;Description generated with very high confidence">
+            <a:extLst>
+              <a:ext uri="{FF2B5EF4-FFF2-40B4-BE49-F238E27FC236}">
+                <a16:creationId xmlns:a16="http://schemas.microsoft.com/office/drawing/2014/main" id="{A84F7CAB-F1D9-44D9-B2E2-16408854995A}"/>
+              </a:ext>
+            </a:extLst>
+          </p:cNvPr>
+          <p:cNvPicPr>
+            <a:picLocks noChangeAspect="1"/>
+          </p:cNvPicPr>
+          <p:nvPr/>
+        </p:nvPicPr>
+        <p:blipFill>
+          <a:blip r:embed="rId2"/>
+          <a:stretch>
+            <a:fillRect/>
+          </a:stretch>
+        </p:blipFill>
+        <p:spPr>
+          <a:xfrm>
+            <a:off x="3793958" y="2132957"/>
+            <a:ext cx="4451684" cy="4388804"/>
+          </a:xfrm>
+          <a:prstGeom prst="rect">
+            <a:avLst/>
+          </a:prstGeom>
+        </p:spPr>
+      </p:pic>
+      <p:sp>
+        <p:nvSpPr>
+          <p:cNvPr id="6" name="TextBox 5">
+            <a:extLst>
+              <a:ext uri="{FF2B5EF4-FFF2-40B4-BE49-F238E27FC236}">
+                <a16:creationId xmlns:a16="http://schemas.microsoft.com/office/drawing/2014/main" id="{E96DD4A1-AD0F-44C3-8077-D31312AA11F6}"/>
+              </a:ext>
+            </a:extLst>
+          </p:cNvPr>
+          <p:cNvSpPr txBox="1"/>
+          <p:nvPr/>
+        </p:nvSpPr>
+        <p:spPr>
+          <a:xfrm>
+            <a:off x="5109411" y="6485021"/>
+            <a:ext cx="2743200" cy="369332"/>
+          </a:xfrm>
+          <a:prstGeom prst="rect">
+            <a:avLst/>
+          </a:prstGeom>
+        </p:spPr>
+        <p:txBody>
+          <a:bodyPr rot="0" spcFirstLastPara="0" vertOverflow="overflow" horzOverflow="overflow" vert="horz" wrap="square" lIns="91440" tIns="45720" rIns="91440" bIns="45720" numCol="1" spcCol="0" rtlCol="0" fromWordArt="0" anchor="t" anchorCtr="0" forceAA="0" compatLnSpc="1">
+            <a:prstTxWarp prst="textNoShape">
+              <a:avLst/>
+            </a:prstTxWarp>
+            <a:spAutoFit/>
+          </a:bodyPr>
+          <a:lstStyle/>
+          <a:p>
+            <a:r>
+              <a:rPr lang="en-US" err="1">
+                <a:cs typeface="Arial"/>
+              </a:rPr>
+              <a:t>Figura</a:t>
+            </a:r>
+            <a:r>
+              <a:rPr lang="en-US">
+                <a:cs typeface="Arial"/>
+              </a:rPr>
+              <a:t> 5</a:t>
+            </a:r>
+          </a:p>
+        </p:txBody>
+      </p:sp>
+      <p:sp>
+        <p:nvSpPr>
+          <p:cNvPr id="4" name="Espaço Reservado para Número de Slide 3">
+            <a:extLst>
+              <a:ext uri="{FF2B5EF4-FFF2-40B4-BE49-F238E27FC236}">
+                <a16:creationId xmlns:a16="http://schemas.microsoft.com/office/drawing/2014/main" id="{A824C63C-DA5C-4EAC-8DB4-064391BE7AC2}"/>
+              </a:ext>
+            </a:extLst>
+          </p:cNvPr>
+          <p:cNvSpPr>
+            <a:spLocks noGrp="1"/>
+          </p:cNvSpPr>
+          <p:nvPr>
+            <p:ph type="sldNum" sz="quarter" idx="12"/>
+          </p:nvPr>
+        </p:nvSpPr>
+        <p:spPr/>
+        <p:txBody>
+          <a:bodyPr/>
+          <a:lstStyle/>
+          <a:p>
+            <a:fld id="{64079E33-1B1B-4251-8EEF-3C4640F9F3A4}" type="slidenum">
+              <a:rPr lang="pt-BR" smtClean="0"/>
+              <a:t>13</a:t>
+            </a:fld>
+            <a:endParaRPr lang="pt-BR"/>
+          </a:p>
+        </p:txBody>
+      </p:sp>
+    </p:spTree>
+    <p:extLst>
+      <p:ext uri="{BB962C8B-B14F-4D97-AF65-F5344CB8AC3E}">
+        <p14:creationId xmlns:p14="http://schemas.microsoft.com/office/powerpoint/2010/main" val="3040999062"/>
+      </p:ext>
+    </p:extLst>
+  </p:cSld>
+  <p:clrMapOvr>
+    <a:masterClrMapping/>
+  </p:clrMapOvr>
+</p:sld>
+</file>
+
+<file path=ppt/slides/slide14.xml><?xml version="1.0" encoding="utf-8"?>
+<p:sld xmlns:a="http://schemas.openxmlformats.org/drawingml/2006/main" xmlns:r="http://schemas.openxmlformats.org/officeDocument/2006/relationships" xmlns:p="http://schemas.openxmlformats.org/presentationml/2006/main">
+  <p:cSld>
+    <p:spTree>
+      <p:nvGrpSpPr>
+        <p:cNvPr id="1" name=""/>
+        <p:cNvGrpSpPr/>
+        <p:nvPr/>
+      </p:nvGrpSpPr>
+      <p:grpSpPr>
+        <a:xfrm>
+          <a:off x="0" y="0"/>
+          <a:ext cx="0" cy="0"/>
+          <a:chOff x="0" y="0"/>
+          <a:chExt cx="0" cy="0"/>
+        </a:xfrm>
+      </p:grpSpPr>
+      <p:sp>
+        <p:nvSpPr>
+          <p:cNvPr id="2" name="Title 1">
+            <a:extLst>
+              <a:ext uri="{FF2B5EF4-FFF2-40B4-BE49-F238E27FC236}">
+                <a16:creationId xmlns:a16="http://schemas.microsoft.com/office/drawing/2014/main" id="{096FBE9E-32C1-43D7-8799-5D407F57C1A8}"/>
+              </a:ext>
+            </a:extLst>
+          </p:cNvPr>
+          <p:cNvSpPr>
+            <a:spLocks noGrp="1"/>
+          </p:cNvSpPr>
+          <p:nvPr>
+            <p:ph type="title"/>
+          </p:nvPr>
+        </p:nvSpPr>
+        <p:spPr/>
+        <p:txBody>
+          <a:bodyPr/>
+          <a:lstStyle/>
+          <a:p>
+            <a:r>
+              <a:rPr lang="en-US" err="1">
+                <a:cs typeface="Arial"/>
+              </a:rPr>
+              <a:t>Resultados</a:t>
+            </a:r>
+            <a:r>
+              <a:rPr lang="en-US">
+                <a:cs typeface="Arial"/>
+              </a:rPr>
+              <a:t> e </a:t>
+            </a:r>
+            <a:r>
+              <a:rPr lang="en-US" err="1">
+                <a:cs typeface="Arial"/>
+              </a:rPr>
+              <a:t>Discussões</a:t>
+            </a:r>
+            <a:endParaRPr lang="en-US" err="1"/>
+          </a:p>
+        </p:txBody>
+      </p:sp>
+      <p:sp>
+        <p:nvSpPr>
+          <p:cNvPr id="3" name="Content Placeholder 2">
+            <a:extLst>
+              <a:ext uri="{FF2B5EF4-FFF2-40B4-BE49-F238E27FC236}">
+                <a16:creationId xmlns:a16="http://schemas.microsoft.com/office/drawing/2014/main" id="{96EC26D3-07BF-4A25-A8BD-345070BA6D21}"/>
+              </a:ext>
+            </a:extLst>
+          </p:cNvPr>
+          <p:cNvSpPr>
+            <a:spLocks noGrp="1"/>
+          </p:cNvSpPr>
+          <p:nvPr>
+            <p:ph idx="1"/>
+          </p:nvPr>
+        </p:nvSpPr>
+        <p:spPr/>
+        <p:txBody>
+          <a:bodyPr/>
+          <a:lstStyle/>
+          <a:p>
+            <a:r>
+              <a:rPr lang="en-US" err="1">
+                <a:cs typeface="Arial"/>
+              </a:rPr>
+              <a:t>Tela</a:t>
+            </a:r>
+          </a:p>
+          <a:p>
+            <a:endParaRPr lang="en-US">
+              <a:cs typeface="Arial"/>
+            </a:endParaRPr>
+          </a:p>
+        </p:txBody>
+      </p:sp>
+      <p:pic>
+        <p:nvPicPr>
+          <p:cNvPr id="4" name="Picture 4" descr="A picture containing vector graphics&#10;&#10;Description generated with very high confidence">
+            <a:extLst>
+              <a:ext uri="{FF2B5EF4-FFF2-40B4-BE49-F238E27FC236}">
+                <a16:creationId xmlns:a16="http://schemas.microsoft.com/office/drawing/2014/main" id="{FFDA70D0-C5B5-4744-867A-B15B1449F33C}"/>
+              </a:ext>
+            </a:extLst>
+          </p:cNvPr>
+          <p:cNvPicPr>
+            <a:picLocks noChangeAspect="1"/>
+          </p:cNvPicPr>
+          <p:nvPr/>
+        </p:nvPicPr>
+        <p:blipFill>
+          <a:blip r:embed="rId2"/>
+          <a:stretch>
+            <a:fillRect/>
+          </a:stretch>
+        </p:blipFill>
+        <p:spPr>
+          <a:xfrm>
+            <a:off x="4098758" y="2340593"/>
+            <a:ext cx="3705726" cy="3997593"/>
+          </a:xfrm>
+          <a:prstGeom prst="rect">
+            <a:avLst/>
+          </a:prstGeom>
+        </p:spPr>
+      </p:pic>
+      <p:sp>
+        <p:nvSpPr>
+          <p:cNvPr id="6" name="TextBox 5">
+            <a:extLst>
+              <a:ext uri="{FF2B5EF4-FFF2-40B4-BE49-F238E27FC236}">
+                <a16:creationId xmlns:a16="http://schemas.microsoft.com/office/drawing/2014/main" id="{A3A86125-58C5-4675-9F87-674C6C1D2864}"/>
+              </a:ext>
+            </a:extLst>
+          </p:cNvPr>
+          <p:cNvSpPr txBox="1"/>
+          <p:nvPr/>
+        </p:nvSpPr>
+        <p:spPr>
+          <a:xfrm>
+            <a:off x="5390147" y="6332621"/>
+            <a:ext cx="2743200" cy="369332"/>
+          </a:xfrm>
+          <a:prstGeom prst="rect">
+            <a:avLst/>
+          </a:prstGeom>
+        </p:spPr>
+        <p:txBody>
+          <a:bodyPr rot="0" spcFirstLastPara="0" vertOverflow="overflow" horzOverflow="overflow" vert="horz" wrap="square" lIns="91440" tIns="45720" rIns="91440" bIns="45720" numCol="1" spcCol="0" rtlCol="0" fromWordArt="0" anchor="t" anchorCtr="0" forceAA="0" compatLnSpc="1">
+            <a:prstTxWarp prst="textNoShape">
+              <a:avLst/>
+            </a:prstTxWarp>
+            <a:spAutoFit/>
+          </a:bodyPr>
+          <a:lstStyle/>
+          <a:p>
+            <a:r>
+              <a:rPr lang="en-US" err="1">
+                <a:cs typeface="Arial"/>
+              </a:rPr>
+              <a:t>Figura</a:t>
+            </a:r>
+            <a:r>
+              <a:rPr lang="en-US">
+                <a:cs typeface="Arial"/>
+              </a:rPr>
+              <a:t> 6</a:t>
+            </a:r>
+          </a:p>
+        </p:txBody>
+      </p:sp>
+      <p:sp>
+        <p:nvSpPr>
+          <p:cNvPr id="5" name="Espaço Reservado para Número de Slide 4">
+            <a:extLst>
+              <a:ext uri="{FF2B5EF4-FFF2-40B4-BE49-F238E27FC236}">
+                <a16:creationId xmlns:a16="http://schemas.microsoft.com/office/drawing/2014/main" id="{95AD4968-40BE-4A71-AF4D-2C886CFB7D61}"/>
+              </a:ext>
+            </a:extLst>
+          </p:cNvPr>
+          <p:cNvSpPr>
+            <a:spLocks noGrp="1"/>
+          </p:cNvSpPr>
+          <p:nvPr>
+            <p:ph type="sldNum" sz="quarter" idx="12"/>
+          </p:nvPr>
+        </p:nvSpPr>
+        <p:spPr/>
+        <p:txBody>
+          <a:bodyPr/>
+          <a:lstStyle/>
+          <a:p>
+            <a:fld id="{64079E33-1B1B-4251-8EEF-3C4640F9F3A4}" type="slidenum">
+              <a:rPr lang="pt-BR" smtClean="0"/>
+              <a:t>14</a:t>
+            </a:fld>
+            <a:endParaRPr lang="pt-BR"/>
+          </a:p>
+        </p:txBody>
+      </p:sp>
+    </p:spTree>
+    <p:extLst>
+      <p:ext uri="{BB962C8B-B14F-4D97-AF65-F5344CB8AC3E}">
+        <p14:creationId xmlns:p14="http://schemas.microsoft.com/office/powerpoint/2010/main" val="1773372417"/>
+      </p:ext>
+    </p:extLst>
+  </p:cSld>
+  <p:clrMapOvr>
+    <a:masterClrMapping/>
+  </p:clrMapOvr>
+</p:sld>
+</file>
+
+<file path=ppt/slides/slide15.xml><?xml version="1.0" encoding="utf-8"?>
+<p:sld xmlns:a="http://schemas.openxmlformats.org/drawingml/2006/main" xmlns:r="http://schemas.openxmlformats.org/officeDocument/2006/relationships" xmlns:p="http://schemas.openxmlformats.org/presentationml/2006/main">
+  <p:cSld>
+    <p:spTree>
+      <p:nvGrpSpPr>
+        <p:cNvPr id="1" name=""/>
+        <p:cNvGrpSpPr/>
+        <p:nvPr/>
+      </p:nvGrpSpPr>
+      <p:grpSpPr>
+        <a:xfrm>
+          <a:off x="0" y="0"/>
+          <a:ext cx="0" cy="0"/>
+          <a:chOff x="0" y="0"/>
+          <a:chExt cx="0" cy="0"/>
+        </a:xfrm>
+      </p:grpSpPr>
+      <p:sp>
+        <p:nvSpPr>
+          <p:cNvPr id="2" name="Title 1">
+            <a:extLst>
+              <a:ext uri="{FF2B5EF4-FFF2-40B4-BE49-F238E27FC236}">
+                <a16:creationId xmlns:a16="http://schemas.microsoft.com/office/drawing/2014/main" id="{AC4B1506-DD39-4DD3-B36A-A970472B70A9}"/>
+              </a:ext>
+            </a:extLst>
+          </p:cNvPr>
+          <p:cNvSpPr>
+            <a:spLocks noGrp="1"/>
+          </p:cNvSpPr>
+          <p:nvPr>
+            <p:ph type="title"/>
+          </p:nvPr>
+        </p:nvSpPr>
+        <p:spPr/>
+        <p:txBody>
+          <a:bodyPr/>
+          <a:lstStyle/>
+          <a:p>
+            <a:r>
+              <a:rPr lang="en-US" err="1">
+                <a:cs typeface="Arial"/>
+              </a:rPr>
+              <a:t>Resultados</a:t>
+            </a:r>
+            <a:r>
+              <a:rPr lang="en-US">
+                <a:cs typeface="Arial"/>
+              </a:rPr>
+              <a:t> e </a:t>
+            </a:r>
+            <a:r>
+              <a:rPr lang="en-US" err="1">
+                <a:cs typeface="Arial"/>
+              </a:rPr>
+              <a:t>Discussões</a:t>
+            </a:r>
+          </a:p>
+        </p:txBody>
+      </p:sp>
+      <p:sp>
+        <p:nvSpPr>
+          <p:cNvPr id="3" name="Content Placeholder 2">
+            <a:extLst>
+              <a:ext uri="{FF2B5EF4-FFF2-40B4-BE49-F238E27FC236}">
+                <a16:creationId xmlns:a16="http://schemas.microsoft.com/office/drawing/2014/main" id="{FAF87A69-EB34-4D24-BB7E-34050C343C8C}"/>
+              </a:ext>
+            </a:extLst>
+          </p:cNvPr>
+          <p:cNvSpPr>
+            <a:spLocks noGrp="1"/>
+          </p:cNvSpPr>
+          <p:nvPr>
+            <p:ph idx="1"/>
+          </p:nvPr>
+        </p:nvSpPr>
+        <p:spPr/>
+        <p:txBody>
+          <a:bodyPr/>
+          <a:lstStyle/>
+          <a:p>
+            <a:r>
+              <a:rPr lang="en-US" err="1">
+                <a:cs typeface="Arial"/>
+              </a:rPr>
+              <a:t>Gráficos</a:t>
+            </a:r>
+            <a:r>
+              <a:rPr lang="en-US">
+                <a:cs typeface="Arial"/>
+              </a:rPr>
+              <a:t>:</a:t>
+            </a:r>
+          </a:p>
+          <a:p>
+            <a:endParaRPr lang="en-US">
+              <a:cs typeface="Arial"/>
+            </a:endParaRPr>
+          </a:p>
+        </p:txBody>
+      </p:sp>
+      <p:pic>
+        <p:nvPicPr>
+          <p:cNvPr id="6" name="Picture 6" descr="A picture containing sky&#10;&#10;Description generated with very high confidence">
+            <a:extLst>
+              <a:ext uri="{FF2B5EF4-FFF2-40B4-BE49-F238E27FC236}">
+                <a16:creationId xmlns:a16="http://schemas.microsoft.com/office/drawing/2014/main" id="{AEE3188E-A787-4391-8D8B-75B8BBEC7920}"/>
+              </a:ext>
+            </a:extLst>
+          </p:cNvPr>
+          <p:cNvPicPr>
+            <a:picLocks noChangeAspect="1"/>
+          </p:cNvPicPr>
+          <p:nvPr/>
+        </p:nvPicPr>
+        <p:blipFill>
+          <a:blip r:embed="rId2"/>
+          <a:stretch>
+            <a:fillRect/>
+          </a:stretch>
+        </p:blipFill>
+        <p:spPr>
+          <a:xfrm>
+            <a:off x="2582780" y="2588677"/>
+            <a:ext cx="7748336" cy="3060267"/>
+          </a:xfrm>
+          <a:prstGeom prst="rect">
+            <a:avLst/>
+          </a:prstGeom>
+        </p:spPr>
+      </p:pic>
+      <p:sp>
+        <p:nvSpPr>
+          <p:cNvPr id="8" name="TextBox 7">
+            <a:extLst>
+              <a:ext uri="{FF2B5EF4-FFF2-40B4-BE49-F238E27FC236}">
+                <a16:creationId xmlns:a16="http://schemas.microsoft.com/office/drawing/2014/main" id="{7657B173-F2C7-4D61-A70A-CAC56361A7C3}"/>
+              </a:ext>
+            </a:extLst>
+          </p:cNvPr>
+          <p:cNvSpPr txBox="1"/>
+          <p:nvPr/>
+        </p:nvSpPr>
+        <p:spPr>
+          <a:xfrm>
+            <a:off x="5606716" y="5642810"/>
+            <a:ext cx="2743200" cy="369332"/>
+          </a:xfrm>
+          <a:prstGeom prst="rect">
+            <a:avLst/>
+          </a:prstGeom>
+        </p:spPr>
+        <p:txBody>
+          <a:bodyPr rot="0" spcFirstLastPara="0" vertOverflow="overflow" horzOverflow="overflow" vert="horz" wrap="square" lIns="91440" tIns="45720" rIns="91440" bIns="45720" numCol="1" spcCol="0" rtlCol="0" fromWordArt="0" anchor="t" anchorCtr="0" forceAA="0" compatLnSpc="1">
+            <a:prstTxWarp prst="textNoShape">
+              <a:avLst/>
+            </a:prstTxWarp>
+            <a:spAutoFit/>
+          </a:bodyPr>
+          <a:lstStyle/>
+          <a:p>
+            <a:r>
+              <a:rPr lang="en-US" err="1">
+                <a:cs typeface="Arial"/>
+              </a:rPr>
+              <a:t>Figura</a:t>
+            </a:r>
+            <a:r>
+              <a:rPr lang="en-US">
+                <a:cs typeface="Arial"/>
+              </a:rPr>
+              <a:t> 7</a:t>
+            </a:r>
+          </a:p>
+        </p:txBody>
+      </p:sp>
+      <p:sp>
+        <p:nvSpPr>
+          <p:cNvPr id="4" name="Espaço Reservado para Número de Slide 3">
+            <a:extLst>
+              <a:ext uri="{FF2B5EF4-FFF2-40B4-BE49-F238E27FC236}">
+                <a16:creationId xmlns:a16="http://schemas.microsoft.com/office/drawing/2014/main" id="{826534C3-F99C-452A-B0EC-C153484058F0}"/>
+              </a:ext>
+            </a:extLst>
+          </p:cNvPr>
+          <p:cNvSpPr>
+            <a:spLocks noGrp="1"/>
+          </p:cNvSpPr>
+          <p:nvPr>
+            <p:ph type="sldNum" sz="quarter" idx="12"/>
+          </p:nvPr>
+        </p:nvSpPr>
+        <p:spPr/>
+        <p:txBody>
+          <a:bodyPr/>
+          <a:lstStyle/>
+          <a:p>
+            <a:fld id="{64079E33-1B1B-4251-8EEF-3C4640F9F3A4}" type="slidenum">
+              <a:rPr lang="pt-BR" smtClean="0"/>
+              <a:t>15</a:t>
+            </a:fld>
+            <a:endParaRPr lang="pt-BR"/>
+          </a:p>
+        </p:txBody>
+      </p:sp>
+    </p:spTree>
+    <p:extLst>
+      <p:ext uri="{BB962C8B-B14F-4D97-AF65-F5344CB8AC3E}">
+        <p14:creationId xmlns:p14="http://schemas.microsoft.com/office/powerpoint/2010/main" val="1739936723"/>
+      </p:ext>
+    </p:extLst>
+  </p:cSld>
+  <p:clrMapOvr>
+    <a:masterClrMapping/>
+  </p:clrMapOvr>
+</p:sld>
+</file>
+
+<file path=ppt/slides/slide16.xml><?xml version="1.0" encoding="utf-8"?>
+<p:sld xmlns:a="http://schemas.openxmlformats.org/drawingml/2006/main" xmlns:r="http://schemas.openxmlformats.org/officeDocument/2006/relationships" xmlns:p="http://schemas.openxmlformats.org/presentationml/2006/main">
+  <p:cSld>
+    <p:spTree>
+      <p:nvGrpSpPr>
+        <p:cNvPr id="1" name=""/>
+        <p:cNvGrpSpPr/>
+        <p:nvPr/>
+      </p:nvGrpSpPr>
+      <p:grpSpPr>
+        <a:xfrm>
+          <a:off x="0" y="0"/>
+          <a:ext cx="0" cy="0"/>
+          <a:chOff x="0" y="0"/>
+          <a:chExt cx="0" cy="0"/>
+        </a:xfrm>
+      </p:grpSpPr>
+      <p:sp>
+        <p:nvSpPr>
+          <p:cNvPr id="2" name="Title 1">
+            <a:extLst>
+              <a:ext uri="{FF2B5EF4-FFF2-40B4-BE49-F238E27FC236}">
+                <a16:creationId xmlns:a16="http://schemas.microsoft.com/office/drawing/2014/main" id="{18FB7192-ACB9-41A8-9165-0CB6A44CB7FD}"/>
+              </a:ext>
+            </a:extLst>
+          </p:cNvPr>
+          <p:cNvSpPr>
+            <a:spLocks noGrp="1"/>
+          </p:cNvSpPr>
+          <p:nvPr>
+            <p:ph type="title"/>
+          </p:nvPr>
+        </p:nvSpPr>
+        <p:spPr/>
+        <p:txBody>
+          <a:bodyPr/>
+          <a:lstStyle/>
+          <a:p>
+            <a:r>
+              <a:rPr lang="en-US" err="1">
+                <a:cs typeface="Arial"/>
+              </a:rPr>
+              <a:t>Resultados</a:t>
+            </a:r>
+            <a:r>
+              <a:rPr lang="en-US">
+                <a:cs typeface="Arial"/>
+              </a:rPr>
+              <a:t> e </a:t>
+            </a:r>
+            <a:r>
+              <a:rPr lang="en-US" err="1">
+                <a:cs typeface="Arial"/>
+              </a:rPr>
+              <a:t>Discussões</a:t>
+            </a:r>
+            <a:endParaRPr lang="en-US" err="1"/>
+          </a:p>
+        </p:txBody>
+      </p:sp>
+      <p:sp>
+        <p:nvSpPr>
+          <p:cNvPr id="3" name="Content Placeholder 2">
+            <a:extLst>
+              <a:ext uri="{FF2B5EF4-FFF2-40B4-BE49-F238E27FC236}">
+                <a16:creationId xmlns:a16="http://schemas.microsoft.com/office/drawing/2014/main" id="{C6496F65-2CB6-4293-BC3E-FB5DFB5E89A8}"/>
+              </a:ext>
+            </a:extLst>
+          </p:cNvPr>
+          <p:cNvSpPr>
+            <a:spLocks noGrp="1"/>
+          </p:cNvSpPr>
+          <p:nvPr>
+            <p:ph idx="1"/>
+          </p:nvPr>
+        </p:nvSpPr>
+        <p:spPr/>
+        <p:txBody>
+          <a:bodyPr/>
+          <a:lstStyle/>
+          <a:p>
+            <a:r>
+              <a:rPr lang="en-US" err="1">
+                <a:cs typeface="Arial"/>
+              </a:rPr>
+              <a:t>Gráficos</a:t>
+            </a:r>
+          </a:p>
+          <a:p>
+            <a:endParaRPr lang="en-US">
+              <a:cs typeface="Arial"/>
+            </a:endParaRPr>
+          </a:p>
+        </p:txBody>
+      </p:sp>
+      <p:pic>
+        <p:nvPicPr>
+          <p:cNvPr id="4" name="Picture 4" descr="A close up of a map&#10;&#10;Description generated with high confidence">
+            <a:extLst>
+              <a:ext uri="{FF2B5EF4-FFF2-40B4-BE49-F238E27FC236}">
+                <a16:creationId xmlns:a16="http://schemas.microsoft.com/office/drawing/2014/main" id="{0C8AED84-59AB-4D3B-B61C-9843044B8A30}"/>
+              </a:ext>
+            </a:extLst>
+          </p:cNvPr>
+          <p:cNvPicPr>
+            <a:picLocks noChangeAspect="1"/>
+          </p:cNvPicPr>
+          <p:nvPr/>
+        </p:nvPicPr>
+        <p:blipFill>
+          <a:blip r:embed="rId2"/>
+          <a:stretch>
+            <a:fillRect/>
+          </a:stretch>
+        </p:blipFill>
+        <p:spPr>
+          <a:xfrm>
+            <a:off x="1596190" y="2417942"/>
+            <a:ext cx="8702841" cy="3329545"/>
+          </a:xfrm>
+          <a:prstGeom prst="rect">
+            <a:avLst/>
+          </a:prstGeom>
+        </p:spPr>
+      </p:pic>
+      <p:sp>
+        <p:nvSpPr>
+          <p:cNvPr id="6" name="TextBox 5">
+            <a:extLst>
+              <a:ext uri="{FF2B5EF4-FFF2-40B4-BE49-F238E27FC236}">
+                <a16:creationId xmlns:a16="http://schemas.microsoft.com/office/drawing/2014/main" id="{279F660F-DA47-4F82-BB89-F05FDB22F40A}"/>
+              </a:ext>
+            </a:extLst>
+          </p:cNvPr>
+          <p:cNvSpPr txBox="1"/>
+          <p:nvPr/>
+        </p:nvSpPr>
+        <p:spPr>
+          <a:xfrm>
+            <a:off x="5213684" y="5715000"/>
+            <a:ext cx="2743200" cy="369332"/>
+          </a:xfrm>
+          <a:prstGeom prst="rect">
+            <a:avLst/>
+          </a:prstGeom>
+        </p:spPr>
+        <p:txBody>
+          <a:bodyPr rot="0" spcFirstLastPara="0" vertOverflow="overflow" horzOverflow="overflow" vert="horz" wrap="square" lIns="91440" tIns="45720" rIns="91440" bIns="45720" numCol="1" spcCol="0" rtlCol="0" fromWordArt="0" anchor="t" anchorCtr="0" forceAA="0" compatLnSpc="1">
+            <a:prstTxWarp prst="textNoShape">
+              <a:avLst/>
+            </a:prstTxWarp>
+            <a:spAutoFit/>
+          </a:bodyPr>
+          <a:lstStyle/>
+          <a:p>
+            <a:r>
+              <a:rPr lang="en-US" err="1"/>
+              <a:t>FIgura</a:t>
+            </a:r>
+            <a:r>
+              <a:rPr lang="en-US">
+                <a:cs typeface="Arial"/>
+              </a:rPr>
+              <a:t> 8</a:t>
+            </a:r>
+            <a:endParaRPr lang="en-US"/>
+          </a:p>
+        </p:txBody>
+      </p:sp>
+      <p:sp>
+        <p:nvSpPr>
+          <p:cNvPr id="5" name="Espaço Reservado para Número de Slide 4">
+            <a:extLst>
+              <a:ext uri="{FF2B5EF4-FFF2-40B4-BE49-F238E27FC236}">
+                <a16:creationId xmlns:a16="http://schemas.microsoft.com/office/drawing/2014/main" id="{F0602ADF-32F1-4166-87AF-565E0AD8FCA3}"/>
+              </a:ext>
+            </a:extLst>
+          </p:cNvPr>
+          <p:cNvSpPr>
+            <a:spLocks noGrp="1"/>
+          </p:cNvSpPr>
+          <p:nvPr>
+            <p:ph type="sldNum" sz="quarter" idx="12"/>
+          </p:nvPr>
+        </p:nvSpPr>
+        <p:spPr/>
+        <p:txBody>
+          <a:bodyPr/>
+          <a:lstStyle/>
+          <a:p>
+            <a:fld id="{64079E33-1B1B-4251-8EEF-3C4640F9F3A4}" type="slidenum">
+              <a:rPr lang="pt-BR" smtClean="0"/>
+              <a:t>16</a:t>
+            </a:fld>
+            <a:endParaRPr lang="pt-BR"/>
+          </a:p>
+        </p:txBody>
+      </p:sp>
+    </p:spTree>
+    <p:extLst>
+      <p:ext uri="{BB962C8B-B14F-4D97-AF65-F5344CB8AC3E}">
+        <p14:creationId xmlns:p14="http://schemas.microsoft.com/office/powerpoint/2010/main" val="1044427732"/>
+      </p:ext>
+    </p:extLst>
+  </p:cSld>
+  <p:clrMapOvr>
+    <a:masterClrMapping/>
+  </p:clrMapOvr>
+</p:sld>
+</file>
+
+<file path=ppt/slides/slide17.xml><?xml version="1.0" encoding="utf-8"?>
+<p:sld xmlns:a="http://schemas.openxmlformats.org/drawingml/2006/main" xmlns:r="http://schemas.openxmlformats.org/officeDocument/2006/relationships" xmlns:p="http://schemas.openxmlformats.org/presentationml/2006/main">
+  <p:cSld>
+    <p:spTree>
+      <p:nvGrpSpPr>
+        <p:cNvPr id="1" name=""/>
+        <p:cNvGrpSpPr/>
+        <p:nvPr/>
+      </p:nvGrpSpPr>
+      <p:grpSpPr>
+        <a:xfrm>
+          <a:off x="0" y="0"/>
+          <a:ext cx="0" cy="0"/>
+          <a:chOff x="0" y="0"/>
+          <a:chExt cx="0" cy="0"/>
+        </a:xfrm>
+      </p:grpSpPr>
+      <p:pic>
+        <p:nvPicPr>
+          <p:cNvPr id="6" name="Picture 6" descr="A close up of a box&#10;&#10;Description generated with high confidence">
+            <a:extLst>
+              <a:ext uri="{FF2B5EF4-FFF2-40B4-BE49-F238E27FC236}">
+                <a16:creationId xmlns:a16="http://schemas.microsoft.com/office/drawing/2014/main" id="{9A22015F-26C4-4865-8B70-57700E7F1319}"/>
+              </a:ext>
+            </a:extLst>
+          </p:cNvPr>
+          <p:cNvPicPr>
+            <a:picLocks noChangeAspect="1"/>
+          </p:cNvPicPr>
+          <p:nvPr/>
+        </p:nvPicPr>
+        <p:blipFill>
+          <a:blip r:embed="rId2"/>
+          <a:stretch>
+            <a:fillRect/>
+          </a:stretch>
+        </p:blipFill>
+        <p:spPr>
+          <a:xfrm>
+            <a:off x="4732421" y="1623776"/>
+            <a:ext cx="3689684" cy="3522215"/>
+          </a:xfrm>
+          <a:prstGeom prst="rect">
+            <a:avLst/>
+          </a:prstGeom>
+        </p:spPr>
+      </p:pic>
+      <p:pic>
+        <p:nvPicPr>
+          <p:cNvPr id="4" name="Picture 4" descr="A close up of a box&#10;&#10;Description generated with high confidence">
+            <a:extLst>
+              <a:ext uri="{FF2B5EF4-FFF2-40B4-BE49-F238E27FC236}">
+                <a16:creationId xmlns:a16="http://schemas.microsoft.com/office/drawing/2014/main" id="{DDF7A0B2-F7B9-4449-8AE1-CA6832998BC3}"/>
+              </a:ext>
+            </a:extLst>
+          </p:cNvPr>
+          <p:cNvPicPr>
+            <a:picLocks noGrp="1" noChangeAspect="1"/>
+          </p:cNvPicPr>
+          <p:nvPr>
+            <p:ph idx="1"/>
+          </p:nvPr>
+        </p:nvPicPr>
+        <p:blipFill>
+          <a:blip r:embed="rId3"/>
+          <a:stretch>
+            <a:fillRect/>
+          </a:stretch>
+        </p:blipFill>
+        <p:spPr>
+          <a:xfrm>
+            <a:off x="782920" y="1624264"/>
+            <a:ext cx="3575654" cy="3531353"/>
+          </a:xfrm>
+          <a:prstGeom prst="rect">
+            <a:avLst/>
+          </a:prstGeom>
+        </p:spPr>
+      </p:pic>
+      <p:sp>
+        <p:nvSpPr>
+          <p:cNvPr id="2" name="Title 1">
+            <a:extLst>
+              <a:ext uri="{FF2B5EF4-FFF2-40B4-BE49-F238E27FC236}">
+                <a16:creationId xmlns:a16="http://schemas.microsoft.com/office/drawing/2014/main" id="{FA4B4CEB-B001-4754-AC43-20EA923DBDFE}"/>
+              </a:ext>
+            </a:extLst>
+          </p:cNvPr>
+          <p:cNvSpPr>
+            <a:spLocks noGrp="1"/>
+          </p:cNvSpPr>
+          <p:nvPr>
+            <p:ph type="title"/>
+          </p:nvPr>
+        </p:nvSpPr>
+        <p:spPr/>
+        <p:txBody>
+          <a:bodyPr/>
+          <a:lstStyle/>
+          <a:p>
+            <a:r>
+              <a:rPr lang="en-US" err="1">
+                <a:cs typeface="Arial"/>
+              </a:rPr>
+              <a:t>Protótipo</a:t>
+            </a:r>
+            <a:endParaRPr lang="en-US" err="1"/>
+          </a:p>
+        </p:txBody>
+      </p:sp>
+      <p:sp>
+        <p:nvSpPr>
+          <p:cNvPr id="9" name="TextBox 8">
+            <a:extLst>
+              <a:ext uri="{FF2B5EF4-FFF2-40B4-BE49-F238E27FC236}">
+                <a16:creationId xmlns:a16="http://schemas.microsoft.com/office/drawing/2014/main" id="{BD2E91DC-9131-4682-A690-AD176560A14F}"/>
+              </a:ext>
+            </a:extLst>
+          </p:cNvPr>
+          <p:cNvSpPr txBox="1"/>
+          <p:nvPr/>
+        </p:nvSpPr>
+        <p:spPr>
+          <a:xfrm>
+            <a:off x="4732420" y="5201652"/>
+            <a:ext cx="2743200" cy="276999"/>
+          </a:xfrm>
+          <a:prstGeom prst="rect">
+            <a:avLst/>
+          </a:prstGeom>
+        </p:spPr>
+        <p:txBody>
+          <a:bodyPr rot="0" spcFirstLastPara="0" vertOverflow="overflow" horzOverflow="overflow" vert="horz" wrap="square" lIns="91440" tIns="45720" rIns="91440" bIns="45720" numCol="1" spcCol="0" rtlCol="0" fromWordArt="0" anchor="t" anchorCtr="0" forceAA="0" compatLnSpc="1">
+            <a:prstTxWarp prst="textNoShape">
+              <a:avLst/>
+            </a:prstTxWarp>
+            <a:spAutoFit/>
+          </a:bodyPr>
+          <a:lstStyle/>
+          <a:p>
+            <a:r>
+              <a:rPr lang="en-US" sz="1200" err="1"/>
+              <a:t>Figura</a:t>
+            </a:r>
+            <a:r>
+              <a:rPr lang="en-US" sz="1200">
+                <a:cs typeface="Arial"/>
+              </a:rPr>
+              <a:t> 10 - </a:t>
+            </a:r>
+            <a:r>
+              <a:rPr lang="en-US" sz="1200" err="1">
+                <a:cs typeface="Arial"/>
+              </a:rPr>
+              <a:t>Protótipo</a:t>
+            </a:r>
+            <a:r>
+              <a:rPr lang="en-US" sz="1200">
+                <a:cs typeface="Arial"/>
+              </a:rPr>
+              <a:t> sensor</a:t>
+            </a:r>
+            <a:endParaRPr lang="en-US"/>
+          </a:p>
+        </p:txBody>
+      </p:sp>
+      <p:sp>
+        <p:nvSpPr>
+          <p:cNvPr id="10" name="TextBox 9">
+            <a:extLst>
+              <a:ext uri="{FF2B5EF4-FFF2-40B4-BE49-F238E27FC236}">
+                <a16:creationId xmlns:a16="http://schemas.microsoft.com/office/drawing/2014/main" id="{094DCF34-64C4-42F7-B0A6-888B1B7FA3FA}"/>
+              </a:ext>
+            </a:extLst>
+          </p:cNvPr>
+          <p:cNvSpPr txBox="1"/>
+          <p:nvPr/>
+        </p:nvSpPr>
+        <p:spPr>
+          <a:xfrm>
+            <a:off x="705852" y="5249779"/>
+            <a:ext cx="3112168" cy="276999"/>
+          </a:xfrm>
+          <a:prstGeom prst="rect">
+            <a:avLst/>
+          </a:prstGeom>
+        </p:spPr>
+        <p:txBody>
+          <a:bodyPr rot="0" spcFirstLastPara="0" vertOverflow="overflow" horzOverflow="overflow" vert="horz" wrap="square" lIns="91440" tIns="45720" rIns="91440" bIns="45720" numCol="1" spcCol="0" rtlCol="0" fromWordArt="0" anchor="t" anchorCtr="0" forceAA="0" compatLnSpc="1">
+            <a:prstTxWarp prst="textNoShape">
+              <a:avLst/>
+            </a:prstTxWarp>
+            <a:spAutoFit/>
+          </a:bodyPr>
+          <a:lstStyle/>
+          <a:p>
+            <a:r>
+              <a:rPr lang="en-US" sz="1200" err="1">
+                <a:cs typeface="Arial"/>
+              </a:rPr>
+              <a:t>Figura</a:t>
+            </a:r>
+            <a:r>
+              <a:rPr lang="en-US" sz="1200">
+                <a:cs typeface="Arial"/>
+              </a:rPr>
+              <a:t> 9 - </a:t>
+            </a:r>
+            <a:r>
+              <a:rPr lang="en-US" sz="1200" err="1">
+                <a:cs typeface="Arial"/>
+              </a:rPr>
+              <a:t>Protótipo</a:t>
+            </a:r>
+            <a:r>
+              <a:rPr lang="en-US" sz="1200">
+                <a:cs typeface="Arial"/>
+              </a:rPr>
+              <a:t> </a:t>
+            </a:r>
+            <a:r>
+              <a:rPr lang="en-US" sz="1200" err="1">
+                <a:cs typeface="Arial"/>
+              </a:rPr>
+              <a:t>pessoa</a:t>
+            </a:r>
+          </a:p>
+        </p:txBody>
+      </p:sp>
+      <p:sp>
+        <p:nvSpPr>
+          <p:cNvPr id="12" name="TextBox 11">
+            <a:extLst>
+              <a:ext uri="{FF2B5EF4-FFF2-40B4-BE49-F238E27FC236}">
+                <a16:creationId xmlns:a16="http://schemas.microsoft.com/office/drawing/2014/main" id="{BB357B6D-88E7-486C-A5C6-39064FCB16FA}"/>
+              </a:ext>
+            </a:extLst>
+          </p:cNvPr>
+          <p:cNvSpPr txBox="1"/>
+          <p:nvPr/>
+        </p:nvSpPr>
+        <p:spPr>
+          <a:xfrm>
+            <a:off x="9071810" y="1624263"/>
+            <a:ext cx="2743200" cy="2585323"/>
+          </a:xfrm>
+          <a:prstGeom prst="rect">
+            <a:avLst/>
+          </a:prstGeom>
+        </p:spPr>
+        <p:txBody>
+          <a:bodyPr rot="0" spcFirstLastPara="0" vertOverflow="overflow" horzOverflow="overflow" vert="horz" wrap="square" lIns="91440" tIns="45720" rIns="91440" bIns="45720" numCol="1" spcCol="0" rtlCol="0" fromWordArt="0" anchor="t" anchorCtr="0" forceAA="0" compatLnSpc="1">
+            <a:prstTxWarp prst="textNoShape">
+              <a:avLst/>
+            </a:prstTxWarp>
+            <a:spAutoFit/>
+          </a:bodyPr>
+          <a:lstStyle/>
+          <a:p>
+            <a:r>
+              <a:rPr lang="en-US">
+                <a:cs typeface="Arial"/>
+              </a:rPr>
+              <a:t>Custo Geral:</a:t>
+            </a:r>
+          </a:p>
+          <a:p>
+            <a:pPr marL="285750" indent="-285750">
+              <a:buFont typeface="Arial"/>
+              <a:buChar char="•"/>
+            </a:pPr>
+            <a:r>
+              <a:rPr lang="en-US" sz="1400">
+                <a:cs typeface="Arial"/>
+              </a:rPr>
+              <a:t>Esp8266 – R$ 30,00 x5</a:t>
+            </a:r>
+          </a:p>
+          <a:p>
+            <a:pPr marL="285750" indent="-285750">
+              <a:buFont typeface="Arial"/>
+              <a:buChar char="•"/>
+            </a:pPr>
+            <a:r>
+              <a:rPr lang="en-US" sz="1400" err="1">
+                <a:cs typeface="Arial"/>
+              </a:rPr>
+              <a:t>Bateria</a:t>
+            </a:r>
+            <a:r>
+              <a:rPr lang="en-US" sz="1400">
+                <a:cs typeface="Arial"/>
+              </a:rPr>
+              <a:t> 9v – R$ 22,00 x5</a:t>
+            </a:r>
+          </a:p>
+          <a:p>
+            <a:pPr marL="285750" indent="-285750">
+              <a:buFont typeface="Arial"/>
+              <a:buChar char="•"/>
+            </a:pPr>
+            <a:r>
+              <a:rPr lang="en-US" sz="1400" err="1">
+                <a:cs typeface="Arial"/>
+              </a:rPr>
+              <a:t>Botão</a:t>
+            </a:r>
+            <a:r>
+              <a:rPr lang="en-US" sz="1400">
+                <a:cs typeface="Arial"/>
+              </a:rPr>
+              <a:t> On/Off - R$ 2,00 x2</a:t>
+            </a:r>
+          </a:p>
+          <a:p>
+            <a:pPr marL="285750" indent="-285750">
+              <a:buFont typeface="Arial"/>
+              <a:buChar char="•"/>
+            </a:pPr>
+            <a:r>
+              <a:rPr lang="en-US" sz="1400">
+                <a:cs typeface="Arial"/>
+              </a:rPr>
+              <a:t>Sensor </a:t>
+            </a:r>
+            <a:r>
+              <a:rPr lang="en-US" sz="1400" err="1">
+                <a:cs typeface="Arial"/>
+              </a:rPr>
+              <a:t>Infravermelho</a:t>
+            </a:r>
+            <a:r>
+              <a:rPr lang="en-US" sz="1400">
+                <a:cs typeface="Arial"/>
+              </a:rPr>
+              <a:t> – R$ 35,00 x1</a:t>
+            </a:r>
+          </a:p>
+          <a:p>
+            <a:pPr marL="285750" indent="-285750">
+              <a:buFont typeface="Arial"/>
+              <a:buChar char="•"/>
+            </a:pPr>
+            <a:r>
+              <a:rPr lang="en-US" sz="1400">
+                <a:cs typeface="Arial"/>
+              </a:rPr>
+              <a:t>Total – R$ 299,00</a:t>
+            </a:r>
+          </a:p>
+          <a:p>
+            <a:endParaRPr lang="en-US" sz="1400">
+              <a:cs typeface="Arial"/>
+            </a:endParaRPr>
+          </a:p>
+          <a:p>
+            <a:pPr>
+              <a:buFont typeface="Arial"/>
+            </a:pPr>
+            <a:r>
+              <a:rPr lang="en-US">
+                <a:cs typeface="Arial"/>
+              </a:rPr>
+              <a:t>Custo Individual:</a:t>
+            </a:r>
+          </a:p>
+          <a:p>
+            <a:pPr marL="285750" indent="-285750">
+              <a:buFont typeface="Arial"/>
+              <a:buChar char="•"/>
+            </a:pPr>
+            <a:r>
+              <a:rPr lang="en-US" sz="1400" err="1">
+                <a:cs typeface="Arial"/>
+              </a:rPr>
+              <a:t>Protótipo</a:t>
+            </a:r>
+            <a:r>
+              <a:rPr lang="en-US" sz="1400">
+                <a:cs typeface="Arial"/>
+              </a:rPr>
+              <a:t> </a:t>
+            </a:r>
+            <a:r>
+              <a:rPr lang="en-US" sz="1400" err="1">
+                <a:cs typeface="Arial"/>
+              </a:rPr>
+              <a:t>pessoa</a:t>
+            </a:r>
+            <a:r>
+              <a:rPr lang="en-US" sz="1400">
+                <a:cs typeface="Arial"/>
+              </a:rPr>
+              <a:t> – R$ 54,00</a:t>
+            </a:r>
+          </a:p>
+          <a:p>
+            <a:pPr marL="285750" indent="-285750">
+              <a:buFont typeface="Arial"/>
+              <a:buChar char="•"/>
+            </a:pPr>
+            <a:r>
+              <a:rPr lang="en-US" sz="1400" err="1">
+                <a:cs typeface="Arial"/>
+              </a:rPr>
+              <a:t>Protótipo</a:t>
+            </a:r>
+            <a:r>
+              <a:rPr lang="en-US" sz="1400">
+                <a:cs typeface="Arial"/>
+              </a:rPr>
+              <a:t> sensor – R$ 89,00</a:t>
+            </a:r>
+          </a:p>
+        </p:txBody>
+      </p:sp>
+      <p:sp>
+        <p:nvSpPr>
+          <p:cNvPr id="3" name="Espaço Reservado para Número de Slide 2">
+            <a:extLst>
+              <a:ext uri="{FF2B5EF4-FFF2-40B4-BE49-F238E27FC236}">
+                <a16:creationId xmlns:a16="http://schemas.microsoft.com/office/drawing/2014/main" id="{C7E00F4D-A721-423D-8527-A04E011A7BF3}"/>
+              </a:ext>
+            </a:extLst>
+          </p:cNvPr>
+          <p:cNvSpPr>
+            <a:spLocks noGrp="1"/>
+          </p:cNvSpPr>
+          <p:nvPr>
+            <p:ph type="sldNum" sz="quarter" idx="12"/>
+          </p:nvPr>
+        </p:nvSpPr>
+        <p:spPr/>
+        <p:txBody>
+          <a:bodyPr/>
+          <a:lstStyle/>
+          <a:p>
+            <a:fld id="{64079E33-1B1B-4251-8EEF-3C4640F9F3A4}" type="slidenum">
+              <a:rPr lang="pt-BR" smtClean="0"/>
+              <a:t>17</a:t>
+            </a:fld>
+            <a:endParaRPr lang="pt-BR"/>
+          </a:p>
+        </p:txBody>
+      </p:sp>
+    </p:spTree>
+    <p:extLst>
+      <p:ext uri="{BB962C8B-B14F-4D97-AF65-F5344CB8AC3E}">
+        <p14:creationId xmlns:p14="http://schemas.microsoft.com/office/powerpoint/2010/main" val="1845792132"/>
+      </p:ext>
+    </p:extLst>
+  </p:cSld>
+  <p:clrMapOvr>
+    <a:masterClrMapping/>
+  </p:clrMapOvr>
+</p:sld>
+</file>
+
+<file path=ppt/slides/slide18.xml><?xml version="1.0" encoding="utf-8"?>
+<p:sld xmlns:a="http://schemas.openxmlformats.org/drawingml/2006/main" xmlns:r="http://schemas.openxmlformats.org/officeDocument/2006/relationships" xmlns:p="http://schemas.openxmlformats.org/presentationml/2006/main">
+  <p:cSld>
+    <p:spTree>
+      <p:nvGrpSpPr>
+        <p:cNvPr id="1" name=""/>
+        <p:cNvGrpSpPr/>
+        <p:nvPr/>
+      </p:nvGrpSpPr>
+      <p:grpSpPr>
+        <a:xfrm>
+          <a:off x="0" y="0"/>
+          <a:ext cx="0" cy="0"/>
+          <a:chOff x="0" y="0"/>
+          <a:chExt cx="0" cy="0"/>
+        </a:xfrm>
+      </p:grpSpPr>
+      <p:sp>
+        <p:nvSpPr>
+          <p:cNvPr id="2" name="Title 1">
+            <a:extLst>
+              <a:ext uri="{FF2B5EF4-FFF2-40B4-BE49-F238E27FC236}">
+                <a16:creationId xmlns:a16="http://schemas.microsoft.com/office/drawing/2014/main" id="{7990D462-2715-4669-8033-FB6BC46F950F}"/>
+              </a:ext>
+            </a:extLst>
+          </p:cNvPr>
+          <p:cNvSpPr>
+            <a:spLocks noGrp="1"/>
+          </p:cNvSpPr>
+          <p:nvPr>
+            <p:ph type="title"/>
+          </p:nvPr>
+        </p:nvSpPr>
+        <p:spPr/>
+        <p:txBody>
+          <a:bodyPr/>
+          <a:lstStyle/>
+          <a:p>
+            <a:r>
+              <a:rPr lang="en-US" err="1">
+                <a:cs typeface="Arial"/>
+              </a:rPr>
+              <a:t>Conclusão</a:t>
+            </a:r>
+            <a:endParaRPr lang="en-US" err="1"/>
+          </a:p>
+        </p:txBody>
+      </p:sp>
+      <p:sp>
+        <p:nvSpPr>
+          <p:cNvPr id="3" name="Content Placeholder 2">
+            <a:extLst>
+              <a:ext uri="{FF2B5EF4-FFF2-40B4-BE49-F238E27FC236}">
+                <a16:creationId xmlns:a16="http://schemas.microsoft.com/office/drawing/2014/main" id="{A774997B-2FCE-48AF-BB14-F988D4D4C67F}"/>
+              </a:ext>
+            </a:extLst>
+          </p:cNvPr>
+          <p:cNvSpPr>
+            <a:spLocks noGrp="1"/>
+          </p:cNvSpPr>
+          <p:nvPr>
+            <p:ph idx="1"/>
+          </p:nvPr>
+        </p:nvSpPr>
+        <p:spPr/>
+        <p:txBody>
+          <a:bodyPr/>
+          <a:lstStyle/>
+          <a:p>
+            <a:pPr marL="0" indent="0" algn="just">
+              <a:buNone/>
+            </a:pPr>
+            <a:r>
+              <a:rPr lang="en-US">
+                <a:cs typeface="Arial"/>
+              </a:rPr>
+              <a:t>A </a:t>
+            </a:r>
+            <a:r>
+              <a:rPr lang="en-US" err="1">
+                <a:cs typeface="Arial"/>
+              </a:rPr>
+              <a:t>partir</a:t>
+            </a:r>
+            <a:r>
+              <a:rPr lang="en-US">
+                <a:cs typeface="Arial"/>
+              </a:rPr>
+              <a:t> dos dados </a:t>
+            </a:r>
+            <a:r>
+              <a:rPr lang="en-US" err="1">
+                <a:cs typeface="Arial"/>
+              </a:rPr>
+              <a:t>gerados</a:t>
+            </a:r>
+            <a:r>
+              <a:rPr lang="en-US">
+                <a:cs typeface="Arial"/>
+              </a:rPr>
+              <a:t> </a:t>
+            </a:r>
+            <a:r>
+              <a:rPr lang="en-US" err="1">
+                <a:cs typeface="Arial"/>
+              </a:rPr>
+              <a:t>pelo</a:t>
+            </a:r>
+            <a:r>
+              <a:rPr lang="en-US">
+                <a:cs typeface="Arial"/>
+              </a:rPr>
+              <a:t> </a:t>
+            </a:r>
+            <a:r>
+              <a:rPr lang="en-US" err="1">
+                <a:cs typeface="Arial"/>
+              </a:rPr>
+              <a:t>protótipo</a:t>
+            </a:r>
+            <a:r>
+              <a:rPr lang="en-US">
+                <a:cs typeface="Arial"/>
+              </a:rPr>
+              <a:t> é </a:t>
+            </a:r>
+            <a:r>
+              <a:rPr lang="en-US" err="1">
+                <a:cs typeface="Arial"/>
+              </a:rPr>
+              <a:t>possível</a:t>
+            </a:r>
+            <a:r>
+              <a:rPr lang="en-US">
+                <a:cs typeface="Arial"/>
+              </a:rPr>
+              <a:t> </a:t>
+            </a:r>
+            <a:r>
+              <a:rPr lang="en-US" err="1">
+                <a:cs typeface="Arial"/>
+              </a:rPr>
+              <a:t>analisar</a:t>
+            </a:r>
+            <a:r>
+              <a:rPr lang="en-US">
+                <a:cs typeface="Arial"/>
+              </a:rPr>
+              <a:t> que a </a:t>
+            </a:r>
+            <a:r>
+              <a:rPr lang="en-US" err="1">
+                <a:cs typeface="Arial"/>
+              </a:rPr>
+              <a:t>precisão</a:t>
+            </a:r>
+            <a:r>
+              <a:rPr lang="en-US">
+                <a:cs typeface="Arial"/>
+              </a:rPr>
+              <a:t> da </a:t>
+            </a:r>
+            <a:r>
+              <a:rPr lang="en-US" err="1">
+                <a:cs typeface="Arial"/>
+              </a:rPr>
+              <a:t>localização</a:t>
+            </a:r>
+            <a:r>
+              <a:rPr lang="en-US">
+                <a:cs typeface="Arial"/>
+              </a:rPr>
+              <a:t> de </a:t>
+            </a:r>
+            <a:r>
+              <a:rPr lang="en-US" err="1">
+                <a:cs typeface="Arial"/>
+              </a:rPr>
+              <a:t>uma</a:t>
+            </a:r>
+            <a:r>
+              <a:rPr lang="en-US">
+                <a:cs typeface="Arial"/>
+              </a:rPr>
+              <a:t> </a:t>
+            </a:r>
+            <a:r>
+              <a:rPr lang="en-US" err="1">
+                <a:cs typeface="Arial"/>
+              </a:rPr>
+              <a:t>pessoa</a:t>
+            </a:r>
+            <a:r>
+              <a:rPr lang="en-US">
+                <a:cs typeface="Arial"/>
+              </a:rPr>
+              <a:t> </a:t>
+            </a:r>
+            <a:r>
+              <a:rPr lang="en-US" err="1">
+                <a:cs typeface="Arial"/>
+              </a:rPr>
+              <a:t>fica</a:t>
+            </a:r>
+            <a:r>
+              <a:rPr lang="en-US">
+                <a:cs typeface="Arial"/>
+              </a:rPr>
+              <a:t> fora do que </a:t>
+            </a:r>
+            <a:r>
+              <a:rPr lang="en-US" err="1">
+                <a:cs typeface="Arial"/>
+              </a:rPr>
+              <a:t>seria</a:t>
+            </a:r>
+            <a:r>
+              <a:rPr lang="en-US">
+                <a:cs typeface="Arial"/>
+              </a:rPr>
+              <a:t> </a:t>
+            </a:r>
+            <a:r>
+              <a:rPr lang="en-US" err="1">
+                <a:cs typeface="Arial"/>
+              </a:rPr>
+              <a:t>considerado</a:t>
+            </a:r>
+            <a:r>
+              <a:rPr lang="en-US">
+                <a:cs typeface="Arial"/>
+              </a:rPr>
+              <a:t> </a:t>
+            </a:r>
+            <a:r>
+              <a:rPr lang="en-US" err="1">
+                <a:cs typeface="Arial"/>
+              </a:rPr>
+              <a:t>razoável</a:t>
+            </a:r>
+            <a:r>
+              <a:rPr lang="en-US">
+                <a:cs typeface="Arial"/>
+              </a:rPr>
+              <a:t> para a </a:t>
+            </a:r>
+            <a:r>
+              <a:rPr lang="en-US" err="1">
+                <a:cs typeface="Arial"/>
+              </a:rPr>
+              <a:t>localização</a:t>
+            </a:r>
+            <a:r>
+              <a:rPr lang="en-US">
+                <a:cs typeface="Arial"/>
+              </a:rPr>
+              <a:t> indoor </a:t>
+            </a:r>
+            <a:r>
+              <a:rPr lang="en-US" err="1">
+                <a:cs typeface="Arial"/>
+              </a:rPr>
+              <a:t>devido</a:t>
+            </a:r>
+            <a:r>
+              <a:rPr lang="en-US">
+                <a:cs typeface="Arial"/>
+              </a:rPr>
+              <a:t> a </a:t>
+            </a:r>
+            <a:r>
+              <a:rPr lang="en-US" err="1">
+                <a:cs typeface="Arial"/>
+              </a:rPr>
+              <a:t>fatores</a:t>
+            </a:r>
+            <a:r>
+              <a:rPr lang="en-US">
+                <a:cs typeface="Arial"/>
+              </a:rPr>
+              <a:t> </a:t>
+            </a:r>
+            <a:r>
+              <a:rPr lang="en-US" err="1">
+                <a:cs typeface="Arial"/>
+              </a:rPr>
+              <a:t>externos</a:t>
+            </a:r>
+            <a:r>
+              <a:rPr lang="en-US">
+                <a:cs typeface="Arial"/>
+              </a:rPr>
+              <a:t> e pela </a:t>
+            </a:r>
+            <a:r>
+              <a:rPr lang="en-US" err="1">
+                <a:cs typeface="Arial"/>
+              </a:rPr>
+              <a:t>falta</a:t>
+            </a:r>
+            <a:r>
+              <a:rPr lang="en-US">
+                <a:cs typeface="Arial"/>
+              </a:rPr>
+              <a:t> de </a:t>
+            </a:r>
+            <a:r>
+              <a:rPr lang="en-US" err="1">
+                <a:cs typeface="Arial"/>
+              </a:rPr>
+              <a:t>análise</a:t>
+            </a:r>
+            <a:r>
+              <a:rPr lang="en-US">
+                <a:cs typeface="Arial"/>
+              </a:rPr>
+              <a:t> do </a:t>
+            </a:r>
+            <a:r>
+              <a:rPr lang="en-US" err="1">
+                <a:cs typeface="Arial"/>
+              </a:rPr>
+              <a:t>sinal</a:t>
+            </a:r>
+            <a:r>
+              <a:rPr lang="en-US">
+                <a:cs typeface="Arial"/>
+              </a:rPr>
+              <a:t> </a:t>
+            </a:r>
+            <a:r>
+              <a:rPr lang="en-US" err="1">
+                <a:cs typeface="Arial"/>
+              </a:rPr>
+              <a:t>gerado</a:t>
+            </a:r>
+            <a:r>
+              <a:rPr lang="en-US">
+                <a:cs typeface="Arial"/>
+              </a:rPr>
+              <a:t> pela esp8266. </a:t>
+            </a:r>
+            <a:r>
+              <a:rPr lang="en-US" err="1">
+                <a:cs typeface="Arial"/>
+              </a:rPr>
+              <a:t>Contudo</a:t>
+            </a:r>
+            <a:r>
+              <a:rPr lang="en-US">
+                <a:cs typeface="Arial"/>
+              </a:rPr>
+              <a:t>, o </a:t>
+            </a:r>
+            <a:r>
+              <a:rPr lang="en-US" err="1">
+                <a:cs typeface="Arial"/>
+              </a:rPr>
+              <a:t>protótipo</a:t>
+            </a:r>
+            <a:r>
+              <a:rPr lang="en-US">
+                <a:cs typeface="Arial"/>
+              </a:rPr>
+              <a:t> é </a:t>
+            </a:r>
+            <a:r>
+              <a:rPr lang="en-US" err="1">
+                <a:cs typeface="Arial"/>
+              </a:rPr>
+              <a:t>capaz</a:t>
+            </a:r>
+            <a:r>
+              <a:rPr lang="en-US">
+                <a:cs typeface="Arial"/>
+              </a:rPr>
+              <a:t> de </a:t>
+            </a:r>
+            <a:r>
+              <a:rPr lang="en-US" err="1">
+                <a:cs typeface="Arial"/>
+              </a:rPr>
+              <a:t>localizar</a:t>
+            </a:r>
+            <a:r>
+              <a:rPr lang="en-US">
+                <a:cs typeface="Arial"/>
+              </a:rPr>
+              <a:t> a </a:t>
+            </a:r>
+            <a:r>
+              <a:rPr lang="en-US" err="1">
+                <a:cs typeface="Arial"/>
+              </a:rPr>
+              <a:t>sala</a:t>
+            </a:r>
+            <a:r>
+              <a:rPr lang="en-US">
+                <a:cs typeface="Arial"/>
+              </a:rPr>
+              <a:t>, o </a:t>
+            </a:r>
+            <a:r>
+              <a:rPr lang="en-US" err="1">
+                <a:cs typeface="Arial"/>
+              </a:rPr>
+              <a:t>andar</a:t>
+            </a:r>
+            <a:r>
+              <a:rPr lang="en-US">
+                <a:cs typeface="Arial"/>
+              </a:rPr>
+              <a:t> e </a:t>
+            </a:r>
+            <a:r>
+              <a:rPr lang="en-US" err="1">
+                <a:cs typeface="Arial"/>
+              </a:rPr>
+              <a:t>se a</a:t>
+            </a:r>
+            <a:r>
+              <a:rPr lang="en-US">
+                <a:cs typeface="Arial"/>
+              </a:rPr>
+              <a:t> </a:t>
+            </a:r>
+            <a:r>
+              <a:rPr lang="en-US" err="1">
+                <a:cs typeface="Arial"/>
+              </a:rPr>
+              <a:t>pessoa</a:t>
+            </a:r>
+            <a:r>
+              <a:rPr lang="en-US">
+                <a:cs typeface="Arial"/>
+              </a:rPr>
+              <a:t> é </a:t>
+            </a:r>
+            <a:r>
+              <a:rPr lang="en-US" err="1">
+                <a:cs typeface="Arial"/>
+              </a:rPr>
+              <a:t>ou</a:t>
+            </a:r>
+            <a:r>
+              <a:rPr lang="en-US">
+                <a:cs typeface="Arial"/>
+              </a:rPr>
+              <a:t> </a:t>
+            </a:r>
+            <a:r>
+              <a:rPr lang="en-US" err="1">
+                <a:cs typeface="Arial"/>
+              </a:rPr>
+              <a:t>não</a:t>
+            </a:r>
+            <a:r>
+              <a:rPr lang="en-US">
+                <a:cs typeface="Arial"/>
+              </a:rPr>
+              <a:t> </a:t>
+            </a:r>
+            <a:r>
+              <a:rPr lang="en-US" err="1">
+                <a:cs typeface="Arial"/>
+              </a:rPr>
+              <a:t>funcionário</a:t>
+            </a:r>
+            <a:r>
+              <a:rPr lang="en-US">
+                <a:cs typeface="Arial"/>
+              </a:rPr>
+              <a:t> da </a:t>
+            </a:r>
+            <a:r>
+              <a:rPr lang="en-US" err="1">
+                <a:cs typeface="Arial"/>
+              </a:rPr>
+              <a:t>empresa</a:t>
+            </a:r>
+            <a:r>
+              <a:rPr lang="en-US">
+                <a:cs typeface="Arial"/>
+              </a:rPr>
+              <a:t>.</a:t>
+            </a:r>
+            <a:endParaRPr lang="en-US"/>
+          </a:p>
+        </p:txBody>
+      </p:sp>
+      <p:sp>
+        <p:nvSpPr>
+          <p:cNvPr id="4" name="Espaço Reservado para Número de Slide 3">
+            <a:extLst>
+              <a:ext uri="{FF2B5EF4-FFF2-40B4-BE49-F238E27FC236}">
+                <a16:creationId xmlns:a16="http://schemas.microsoft.com/office/drawing/2014/main" id="{26CBBE47-D40A-470A-AB43-C7211507D5FE}"/>
+              </a:ext>
+            </a:extLst>
+          </p:cNvPr>
+          <p:cNvSpPr>
+            <a:spLocks noGrp="1"/>
+          </p:cNvSpPr>
+          <p:nvPr>
+            <p:ph type="sldNum" sz="quarter" idx="12"/>
+          </p:nvPr>
+        </p:nvSpPr>
+        <p:spPr/>
+        <p:txBody>
+          <a:bodyPr/>
+          <a:lstStyle/>
+          <a:p>
+            <a:fld id="{64079E33-1B1B-4251-8EEF-3C4640F9F3A4}" type="slidenum">
+              <a:rPr lang="pt-BR" smtClean="0"/>
+              <a:t>18</a:t>
+            </a:fld>
+            <a:endParaRPr lang="pt-BR"/>
+          </a:p>
+        </p:txBody>
+      </p:sp>
+    </p:spTree>
+    <p:extLst>
+      <p:ext uri="{BB962C8B-B14F-4D97-AF65-F5344CB8AC3E}">
+        <p14:creationId xmlns:p14="http://schemas.microsoft.com/office/powerpoint/2010/main" val="910572889"/>
+      </p:ext>
+    </p:extLst>
+  </p:cSld>
+  <p:clrMapOvr>
+    <a:masterClrMapping/>
+  </p:clrMapOvr>
+</p:sld>
+</file>
+
+<file path=ppt/slides/slide19.xml><?xml version="1.0" encoding="utf-8"?>
+<p:sld xmlns:a="http://schemas.openxmlformats.org/drawingml/2006/main" xmlns:r="http://schemas.openxmlformats.org/officeDocument/2006/relationships" xmlns:p="http://schemas.openxmlformats.org/presentationml/2006/main">
+  <p:cSld>
+    <p:spTree>
+      <p:nvGrpSpPr>
+        <p:cNvPr id="1" name=""/>
+        <p:cNvGrpSpPr/>
+        <p:nvPr/>
+      </p:nvGrpSpPr>
+      <p:grpSpPr>
+        <a:xfrm>
+          <a:off x="0" y="0"/>
+          <a:ext cx="0" cy="0"/>
+          <a:chOff x="0" y="0"/>
+          <a:chExt cx="0" cy="0"/>
+        </a:xfrm>
+      </p:grpSpPr>
+      <p:sp>
+        <p:nvSpPr>
           <p:cNvPr id="2" name="Título 1">
             <a:extLst>
               <a:ext uri="{FF2B5EF4-FFF2-40B4-BE49-F238E27FC236}">
@@ -4930,7 +8083,7 @@
           <a:lstStyle/>
           <a:p>
             <a:r>
-              <a:rPr lang="pt-BR" dirty="0"/>
+              <a:rPr lang="pt-BR"/>
               <a:t>Referências</a:t>
             </a:r>
           </a:p>
@@ -4959,77 +8112,77 @@
           <a:p>
             <a:pPr algn="just"/>
             <a:r>
-              <a:rPr lang="pt-BR" sz="1800" dirty="0" err="1">
+              <a:rPr lang="pt-BR" sz="2000" dirty="0" err="1">
                 <a:latin typeface="Times New Roman" panose="02020603050405020304" pitchFamily="18" charset="0"/>
                 <a:cs typeface="Times New Roman" panose="02020603050405020304" pitchFamily="18" charset="0"/>
               </a:rPr>
               <a:t>An</a:t>
             </a:r>
             <a:r>
-              <a:rPr lang="pt-BR" sz="1800" dirty="0">
+              <a:rPr lang="pt-BR" sz="2000" dirty="0">
                 <a:latin typeface="Times New Roman" panose="02020603050405020304" pitchFamily="18" charset="0"/>
                 <a:cs typeface="Times New Roman" panose="02020603050405020304" pitchFamily="18" charset="0"/>
               </a:rPr>
               <a:t> </a:t>
             </a:r>
             <a:r>
-              <a:rPr lang="pt-BR" sz="1800" dirty="0" err="1">
+              <a:rPr lang="pt-BR" sz="2000" dirty="0" err="1">
                 <a:latin typeface="Times New Roman" panose="02020603050405020304" pitchFamily="18" charset="0"/>
                 <a:cs typeface="Times New Roman" panose="02020603050405020304" pitchFamily="18" charset="0"/>
               </a:rPr>
               <a:t>Introduction</a:t>
             </a:r>
             <a:r>
-              <a:rPr lang="pt-BR" sz="1800" dirty="0">
+              <a:rPr lang="pt-BR" sz="2000" dirty="0">
                 <a:latin typeface="Times New Roman" panose="02020603050405020304" pitchFamily="18" charset="0"/>
                 <a:cs typeface="Times New Roman" panose="02020603050405020304" pitchFamily="18" charset="0"/>
               </a:rPr>
               <a:t> </a:t>
             </a:r>
             <a:r>
-              <a:rPr lang="pt-BR" sz="1800" dirty="0" err="1">
+              <a:rPr lang="pt-BR" sz="2000" dirty="0" err="1">
                 <a:latin typeface="Times New Roman" panose="02020603050405020304" pitchFamily="18" charset="0"/>
                 <a:cs typeface="Times New Roman" panose="02020603050405020304" pitchFamily="18" charset="0"/>
               </a:rPr>
               <a:t>Maths</a:t>
             </a:r>
             <a:r>
-              <a:rPr lang="pt-BR" sz="1800" dirty="0">
+              <a:rPr lang="pt-BR" sz="2000" dirty="0">
                 <a:latin typeface="Times New Roman" panose="02020603050405020304" pitchFamily="18" charset="0"/>
                 <a:cs typeface="Times New Roman" panose="02020603050405020304" pitchFamily="18" charset="0"/>
               </a:rPr>
               <a:t> </a:t>
             </a:r>
             <a:r>
-              <a:rPr lang="pt-BR" sz="1800" dirty="0" err="1">
+              <a:rPr lang="pt-BR" sz="2000" dirty="0" err="1">
                 <a:latin typeface="Times New Roman" panose="02020603050405020304" pitchFamily="18" charset="0"/>
                 <a:cs typeface="Times New Roman" panose="02020603050405020304" pitchFamily="18" charset="0"/>
               </a:rPr>
               <a:t>of</a:t>
             </a:r>
             <a:r>
-              <a:rPr lang="pt-BR" sz="1800" dirty="0">
+              <a:rPr lang="pt-BR" sz="2000" dirty="0">
                 <a:latin typeface="Times New Roman" panose="02020603050405020304" pitchFamily="18" charset="0"/>
                 <a:cs typeface="Times New Roman" panose="02020603050405020304" pitchFamily="18" charset="0"/>
               </a:rPr>
               <a:t> Global </a:t>
             </a:r>
             <a:r>
-              <a:rPr lang="pt-BR" sz="1800" dirty="0" err="1">
+              <a:rPr lang="pt-BR" sz="2000" dirty="0" err="1">
                 <a:latin typeface="Times New Roman" panose="02020603050405020304" pitchFamily="18" charset="0"/>
                 <a:cs typeface="Times New Roman" panose="02020603050405020304" pitchFamily="18" charset="0"/>
               </a:rPr>
               <a:t>Posg</a:t>
             </a:r>
             <a:r>
-              <a:rPr lang="pt-BR" sz="1800" dirty="0">
+              <a:rPr lang="pt-BR" sz="2000" dirty="0">
                 <a:latin typeface="Times New Roman" panose="02020603050405020304" pitchFamily="18" charset="0"/>
                 <a:cs typeface="Times New Roman" panose="02020603050405020304" pitchFamily="18" charset="0"/>
               </a:rPr>
               <a:t> Systems. Disponível em: &lt;</a:t>
             </a:r>
             <a:r>
-              <a:rPr lang="pt-BR" sz="1800" dirty="0">
+              <a:rPr lang="pt-BR" sz="2000" dirty="0">
                 <a:latin typeface="Times New Roman" panose="02020603050405020304" pitchFamily="18" charset="0"/>
                 <a:cs typeface="Times New Roman" panose="02020603050405020304" pitchFamily="18" charset="0"/>
                 <a:hlinkClick r:id="rId2">
@@ -5043,101 +8196,101 @@
               <a:t> </a:t>
             </a:r>
             <a:r>
-              <a:rPr lang="pt-BR" sz="1800" dirty="0">
+              <a:rPr lang="pt-BR" sz="2000" dirty="0">
                 <a:latin typeface="Times New Roman" panose="02020603050405020304" pitchFamily="18" charset="0"/>
                 <a:cs typeface="Times New Roman" panose="02020603050405020304" pitchFamily="18" charset="0"/>
               </a:rPr>
-              <a:t>http://jwilson.coe.uga.edu/EMAT6680Fa05/Schultz/6690/Barn_GPS/Barn_GPS.html&gt;. </a:t>
-            </a:r>
-          </a:p>
-          <a:p>
-            <a:pPr algn="just"/>
-            <a:r>
-              <a:rPr lang="pt-BR" sz="1800" dirty="0">
+              <a:t>http://jwilson.coe.uga.edu/EMAT6680Fa05/Schultz/6690/</a:t>
+            </a:r>
+            <a:r>
+              <a:rPr lang="pt-BR" sz="2000" dirty="0" err="1">
                 <a:latin typeface="Times New Roman" panose="02020603050405020304" pitchFamily="18" charset="0"/>
                 <a:cs typeface="Times New Roman" panose="02020603050405020304" pitchFamily="18" charset="0"/>
               </a:rPr>
-              <a:t>Indoor </a:t>
-            </a:r>
-            <a:r>
-              <a:rPr lang="pt-BR" sz="1800" dirty="0" err="1">
+              <a:t>Barn_GPS</a:t>
+            </a:r>
+            <a:r>
+              <a:rPr lang="pt-BR" sz="2000" dirty="0">
                 <a:latin typeface="Times New Roman" panose="02020603050405020304" pitchFamily="18" charset="0"/>
                 <a:cs typeface="Times New Roman" panose="02020603050405020304" pitchFamily="18" charset="0"/>
               </a:rPr>
-              <a:t>Localization</a:t>
-            </a:r>
-            <a:r>
-              <a:rPr lang="pt-BR" sz="1800" dirty="0">
+              <a:t>/Barn_GPS.html&gt;. </a:t>
+            </a:r>
+          </a:p>
+          <a:p>
+            <a:pPr algn="just"/>
+            <a:r>
+              <a:rPr lang="pt-BR" sz="2000" dirty="0">
                 <a:latin typeface="Times New Roman" panose="02020603050405020304" pitchFamily="18" charset="0"/>
                 <a:cs typeface="Times New Roman" panose="02020603050405020304" pitchFamily="18" charset="0"/>
               </a:rPr>
-              <a:t> </a:t>
-            </a:r>
-            <a:r>
-              <a:rPr lang="pt-BR" sz="1800" dirty="0" err="1">
+              <a:t>Indoor </a:t>
+            </a:r>
+            <a:r>
+              <a:rPr lang="pt-BR" sz="2000" dirty="0" err="1">
                 <a:latin typeface="Times New Roman" panose="02020603050405020304" pitchFamily="18" charset="0"/>
                 <a:cs typeface="Times New Roman" panose="02020603050405020304" pitchFamily="18" charset="0"/>
               </a:rPr>
-              <a:t>Method</a:t>
-            </a:r>
-            <a:r>
-              <a:rPr lang="pt-BR" sz="1800" dirty="0">
+              <a:t>Localization</a:t>
+            </a:r>
+            <a:r>
+              <a:rPr lang="pt-BR" sz="2000" dirty="0">
                 <a:latin typeface="Times New Roman" panose="02020603050405020304" pitchFamily="18" charset="0"/>
                 <a:cs typeface="Times New Roman" panose="02020603050405020304" pitchFamily="18" charset="0"/>
               </a:rPr>
               <a:t> </a:t>
             </a:r>
             <a:r>
-              <a:rPr lang="pt-BR" sz="1800" dirty="0" err="1">
+              <a:rPr lang="pt-BR" sz="2000" dirty="0" err="1">
                 <a:latin typeface="Times New Roman" panose="02020603050405020304" pitchFamily="18" charset="0"/>
                 <a:cs typeface="Times New Roman" panose="02020603050405020304" pitchFamily="18" charset="0"/>
               </a:rPr>
-              <a:t>Based</a:t>
-            </a:r>
-            <a:r>
-              <a:rPr lang="pt-BR" sz="1800" dirty="0">
+              <a:t>Method</a:t>
+            </a:r>
+            <a:r>
+              <a:rPr lang="pt-BR" sz="2000" dirty="0">
                 <a:latin typeface="Times New Roman" panose="02020603050405020304" pitchFamily="18" charset="0"/>
                 <a:cs typeface="Times New Roman" panose="02020603050405020304" pitchFamily="18" charset="0"/>
               </a:rPr>
               <a:t> </a:t>
             </a:r>
             <a:r>
-              <a:rPr lang="pt-BR" sz="1800" dirty="0" err="1">
+              <a:rPr lang="pt-BR" sz="2000" dirty="0" err="1">
                 <a:latin typeface="Times New Roman" panose="02020603050405020304" pitchFamily="18" charset="0"/>
                 <a:cs typeface="Times New Roman" panose="02020603050405020304" pitchFamily="18" charset="0"/>
               </a:rPr>
-              <a:t>on</a:t>
-            </a:r>
-            <a:r>
-              <a:rPr lang="pt-BR" sz="1800" dirty="0">
+              <a:t>Based</a:t>
+            </a:r>
+            <a:r>
+              <a:rPr lang="pt-BR" sz="2000" dirty="0">
                 <a:latin typeface="Times New Roman" panose="02020603050405020304" pitchFamily="18" charset="0"/>
                 <a:cs typeface="Times New Roman" panose="02020603050405020304" pitchFamily="18" charset="0"/>
               </a:rPr>
-              <a:t> Wi-Fi </a:t>
-            </a:r>
-            <a:r>
-              <a:rPr lang="pt-BR" sz="1800" dirty="0" err="1">
+              <a:t> on Wi-Fi </a:t>
+            </a:r>
+            <a:r>
+              <a:rPr lang="pt-BR" sz="2000" dirty="0" err="1">
                 <a:latin typeface="Times New Roman" panose="02020603050405020304" pitchFamily="18" charset="0"/>
                 <a:cs typeface="Times New Roman" panose="02020603050405020304" pitchFamily="18" charset="0"/>
               </a:rPr>
               <a:t>Trilateration</a:t>
             </a:r>
             <a:r>
-              <a:rPr lang="pt-BR" sz="1800" dirty="0">
+              <a:rPr lang="pt-BR" sz="2000" dirty="0">
                 <a:latin typeface="Times New Roman" panose="02020603050405020304" pitchFamily="18" charset="0"/>
                 <a:cs typeface="Times New Roman" panose="02020603050405020304" pitchFamily="18" charset="0"/>
               </a:rPr>
               <a:t> </a:t>
             </a:r>
             <a:r>
-              <a:rPr lang="pt-BR" sz="1800" dirty="0" err="1">
+              <a:rPr lang="pt-BR" sz="2000" dirty="0" err="1">
                 <a:latin typeface="Times New Roman" panose="02020603050405020304" pitchFamily="18" charset="0"/>
                 <a:cs typeface="Times New Roman" panose="02020603050405020304" pitchFamily="18" charset="0"/>
               </a:rPr>
               <a:t>Technique</a:t>
             </a:r>
             <a:r>
-              <a:rPr lang="pt-BR" sz="1800" dirty="0">
+              <a:rPr lang="pt-BR" sz="2000" dirty="0">
                 <a:latin typeface="Times New Roman" panose="02020603050405020304" pitchFamily="18" charset="0"/>
                 <a:cs typeface="Times New Roman" panose="02020603050405020304" pitchFamily="18" charset="0"/>
               </a:rPr>
@@ -5147,56 +8300,56 @@
           <a:p>
             <a:pPr algn="just"/>
             <a:r>
-              <a:rPr lang="pt-BR" sz="1800" dirty="0" err="1">
+              <a:rPr lang="pt-BR" sz="2000" dirty="0" err="1">
                 <a:latin typeface="Times New Roman" panose="02020603050405020304" pitchFamily="18" charset="0"/>
                 <a:cs typeface="Times New Roman" panose="02020603050405020304" pitchFamily="18" charset="0"/>
               </a:rPr>
               <a:t>User</a:t>
             </a:r>
             <a:r>
-              <a:rPr lang="pt-BR" sz="1800" dirty="0">
+              <a:rPr lang="pt-BR" sz="2000" dirty="0">
                 <a:latin typeface="Times New Roman" panose="02020603050405020304" pitchFamily="18" charset="0"/>
                 <a:cs typeface="Times New Roman" panose="02020603050405020304" pitchFamily="18" charset="0"/>
               </a:rPr>
               <a:t> </a:t>
             </a:r>
             <a:r>
-              <a:rPr lang="pt-BR" sz="1800" dirty="0" err="1">
+              <a:rPr lang="pt-BR" sz="2000" dirty="0" err="1">
                 <a:latin typeface="Times New Roman" panose="02020603050405020304" pitchFamily="18" charset="0"/>
                 <a:cs typeface="Times New Roman" panose="02020603050405020304" pitchFamily="18" charset="0"/>
               </a:rPr>
               <a:t>Datagram</a:t>
             </a:r>
             <a:r>
-              <a:rPr lang="pt-BR" sz="1800" dirty="0">
+              <a:rPr lang="pt-BR" sz="2000" dirty="0">
                 <a:latin typeface="Times New Roman" panose="02020603050405020304" pitchFamily="18" charset="0"/>
                 <a:cs typeface="Times New Roman" panose="02020603050405020304" pitchFamily="18" charset="0"/>
               </a:rPr>
               <a:t> </a:t>
             </a:r>
             <a:r>
-              <a:rPr lang="pt-BR" sz="1800" dirty="0" err="1">
+              <a:rPr lang="pt-BR" sz="2000" dirty="0" err="1">
                 <a:latin typeface="Times New Roman" panose="02020603050405020304" pitchFamily="18" charset="0"/>
                 <a:cs typeface="Times New Roman" panose="02020603050405020304" pitchFamily="18" charset="0"/>
               </a:rPr>
               <a:t>Protocol</a:t>
             </a:r>
             <a:r>
-              <a:rPr lang="pt-BR" sz="1800" dirty="0">
+              <a:rPr lang="pt-BR" sz="2000" dirty="0">
                 <a:latin typeface="Times New Roman" panose="02020603050405020304" pitchFamily="18" charset="0"/>
                 <a:cs typeface="Times New Roman" panose="02020603050405020304" pitchFamily="18" charset="0"/>
               </a:rPr>
               <a:t>. Disponível em: &lt;https://pt.wikipedia.org/wiki/</a:t>
             </a:r>
             <a:r>
-              <a:rPr lang="pt-BR" sz="1800" dirty="0" err="1">
+              <a:rPr lang="pt-BR" sz="2000" dirty="0" err="1">
                 <a:latin typeface="Times New Roman" panose="02020603050405020304" pitchFamily="18" charset="0"/>
                 <a:cs typeface="Times New Roman" panose="02020603050405020304" pitchFamily="18" charset="0"/>
               </a:rPr>
               <a:t>User_Datagram_Protocol</a:t>
             </a:r>
             <a:r>
-              <a:rPr lang="pt-BR" sz="1800" dirty="0">
+              <a:rPr lang="pt-BR" sz="2000" dirty="0">
                 <a:latin typeface="Times New Roman" panose="02020603050405020304" pitchFamily="18" charset="0"/>
                 <a:cs typeface="Times New Roman" panose="02020603050405020304" pitchFamily="18" charset="0"/>
               </a:rPr>
@@ -5206,40 +8359,207 @@
           <a:p>
             <a:pPr algn="just"/>
             <a:r>
-              <a:rPr lang="pt-BR" sz="1800" dirty="0">
+              <a:rPr lang="pt-BR" sz="2000" dirty="0">
                 <a:latin typeface="Times New Roman" panose="02020603050405020304" pitchFamily="18" charset="0"/>
                 <a:cs typeface="Times New Roman" panose="02020603050405020304" pitchFamily="18" charset="0"/>
               </a:rPr>
               <a:t>UDP. Disponível em: &lt;https://arduino-esp8266.readthedocs.io/</a:t>
             </a:r>
             <a:r>
-              <a:rPr lang="pt-BR" sz="1800" dirty="0" err="1">
+              <a:rPr lang="pt-BR" sz="2000" dirty="0" err="1">
                 <a:latin typeface="Times New Roman" panose="02020603050405020304" pitchFamily="18" charset="0"/>
                 <a:cs typeface="Times New Roman" panose="02020603050405020304" pitchFamily="18" charset="0"/>
               </a:rPr>
               <a:t>en</a:t>
             </a:r>
             <a:r>
-              <a:rPr lang="pt-BR" sz="1800" dirty="0">
+              <a:rPr lang="pt-BR" sz="2000" dirty="0">
                 <a:latin typeface="Times New Roman" panose="02020603050405020304" pitchFamily="18" charset="0"/>
                 <a:cs typeface="Times New Roman" panose="02020603050405020304" pitchFamily="18" charset="0"/>
               </a:rPr>
               <a:t>/</a:t>
             </a:r>
             <a:r>
-              <a:rPr lang="pt-BR" sz="1800" dirty="0" err="1">
+              <a:rPr lang="pt-BR" sz="2000" dirty="0" err="1">
                 <a:latin typeface="Times New Roman" panose="02020603050405020304" pitchFamily="18" charset="0"/>
                 <a:cs typeface="Times New Roman" panose="02020603050405020304" pitchFamily="18" charset="0"/>
               </a:rPr>
               <a:t>latest</a:t>
             </a:r>
             <a:r>
-              <a:rPr lang="pt-BR" sz="1800" dirty="0">
+              <a:rPr lang="pt-BR" sz="2000" dirty="0">
                 <a:latin typeface="Times New Roman" panose="02020603050405020304" pitchFamily="18" charset="0"/>
                 <a:cs typeface="Times New Roman" panose="02020603050405020304" pitchFamily="18" charset="0"/>
               </a:rPr>
-              <a:t>/esp8266wifi/udp-examples.html&gt;. </a:t>
-            </a:r>
+              <a:t>/esp8266wifi/udp-examples.html&gt;. </a:t>
+            </a:r>
+            <a:endParaRPr lang="pt-BR" sz="3600" dirty="0">
+              <a:latin typeface="Arial"/>
+              <a:cs typeface="Arial"/>
+            </a:endParaRPr>
+          </a:p>
+          <a:p>
+            <a:pPr algn="just"/>
+            <a:r>
+              <a:rPr lang="pt-BR" sz="2000" dirty="0" err="1">
+                <a:latin typeface="Times New Roman"/>
+                <a:cs typeface="Times New Roman"/>
+              </a:rPr>
+              <a:t>Django</a:t>
+            </a:r>
+            <a:r>
+              <a:rPr lang="pt-BR" sz="2000" dirty="0">
+                <a:latin typeface="Times New Roman"/>
+                <a:cs typeface="Times New Roman"/>
+              </a:rPr>
+              <a:t>. Disponível em: &lt;https://docs.djangoproject.com/</a:t>
+            </a:r>
+            <a:r>
+              <a:rPr lang="pt-BR" sz="2000" dirty="0" err="1">
+                <a:latin typeface="Times New Roman"/>
+                <a:cs typeface="Times New Roman"/>
+              </a:rPr>
+              <a:t>en</a:t>
+            </a:r>
+            <a:r>
+              <a:rPr lang="pt-BR" sz="2000" dirty="0">
+                <a:latin typeface="Times New Roman"/>
+                <a:cs typeface="Times New Roman"/>
+              </a:rPr>
+              <a:t>/2.1/&gt;.</a:t>
+            </a:r>
+          </a:p>
+          <a:p>
+            <a:pPr algn="just"/>
+            <a:r>
+              <a:rPr lang="pt-BR" sz="2000" dirty="0" err="1">
+                <a:latin typeface="Times New Roman"/>
+                <a:cs typeface="Times New Roman"/>
+              </a:rPr>
+              <a:t>Django-channels</a:t>
+            </a:r>
+            <a:r>
+              <a:rPr lang="pt-BR" sz="2000" dirty="0">
+                <a:latin typeface="Times New Roman"/>
+                <a:cs typeface="Times New Roman"/>
+              </a:rPr>
+              <a:t>. Disponível em: &lt;https://channels.readthedocs.io/</a:t>
+            </a:r>
+            <a:r>
+              <a:rPr lang="pt-BR" sz="2000" dirty="0" err="1">
+                <a:latin typeface="Times New Roman"/>
+                <a:cs typeface="Times New Roman"/>
+              </a:rPr>
+              <a:t>en</a:t>
+            </a:r>
+            <a:r>
+              <a:rPr lang="pt-BR" sz="2000" dirty="0">
+                <a:latin typeface="Times New Roman"/>
+                <a:cs typeface="Times New Roman"/>
+              </a:rPr>
+              <a:t>/</a:t>
+            </a:r>
+            <a:r>
+              <a:rPr lang="pt-BR" sz="2000" dirty="0" err="1">
+                <a:latin typeface="Times New Roman"/>
+                <a:cs typeface="Times New Roman"/>
+              </a:rPr>
+              <a:t>latest</a:t>
+            </a:r>
+            <a:r>
+              <a:rPr lang="pt-BR" sz="2000" dirty="0">
+                <a:latin typeface="Times New Roman"/>
+                <a:cs typeface="Times New Roman"/>
+              </a:rPr>
+              <a:t>/&gt;.</a:t>
+            </a:r>
+          </a:p>
+          <a:p>
+            <a:pPr algn="just"/>
+            <a:r>
+              <a:rPr lang="pt-BR" sz="2000" dirty="0" err="1">
+                <a:latin typeface="Times New Roman"/>
+                <a:cs typeface="Times New Roman"/>
+              </a:rPr>
+              <a:t>Websockets</a:t>
+            </a:r>
+            <a:r>
+              <a:rPr lang="pt-BR" sz="2000" dirty="0">
+                <a:latin typeface="Times New Roman"/>
+                <a:cs typeface="Times New Roman"/>
+              </a:rPr>
+              <a:t>. Disponível em: &lt;https://pypi.org/</a:t>
+            </a:r>
+            <a:r>
+              <a:rPr lang="pt-BR" sz="2000" dirty="0" err="1">
+                <a:latin typeface="Times New Roman"/>
+                <a:cs typeface="Times New Roman"/>
+              </a:rPr>
+              <a:t>project</a:t>
+            </a:r>
+            <a:r>
+              <a:rPr lang="pt-BR" sz="2000" dirty="0">
+                <a:latin typeface="Times New Roman"/>
+                <a:cs typeface="Times New Roman"/>
+              </a:rPr>
+              <a:t>/</a:t>
+            </a:r>
+            <a:r>
+              <a:rPr lang="pt-BR" sz="2000" dirty="0" err="1">
+                <a:latin typeface="Times New Roman"/>
+                <a:cs typeface="Times New Roman"/>
+              </a:rPr>
+              <a:t>websocket-client</a:t>
+            </a:r>
+            <a:r>
+              <a:rPr lang="pt-BR" sz="2000" dirty="0">
+                <a:latin typeface="Times New Roman"/>
+                <a:cs typeface="Times New Roman"/>
+              </a:rPr>
+              <a:t>/&gt;.</a:t>
+            </a:r>
+          </a:p>
+          <a:p>
+            <a:pPr algn="just"/>
+            <a:endParaRPr lang="pt-BR" sz="1800" dirty="0">
+              <a:latin typeface="Times New Roman"/>
+              <a:cs typeface="Times New Roman"/>
+            </a:endParaRPr>
+          </a:p>
+          <a:p>
+            <a:pPr algn="just"/>
+            <a:endParaRPr lang="pt-BR" sz="1800" dirty="0">
+              <a:latin typeface="Times New Roman"/>
+              <a:cs typeface="Times New Roman"/>
+            </a:endParaRPr>
+          </a:p>
+        </p:txBody>
+      </p:sp>
+      <p:sp>
+        <p:nvSpPr>
+          <p:cNvPr id="4" name="Espaço Reservado para Número de Slide 3">
+            <a:extLst>
+              <a:ext uri="{FF2B5EF4-FFF2-40B4-BE49-F238E27FC236}">
+                <a16:creationId xmlns:a16="http://schemas.microsoft.com/office/drawing/2014/main" id="{CDCEFB95-8EC7-4405-8841-44285F27FFCB}"/>
+              </a:ext>
+            </a:extLst>
+          </p:cNvPr>
+          <p:cNvSpPr>
+            <a:spLocks noGrp="1"/>
+          </p:cNvSpPr>
+          <p:nvPr>
+            <p:ph type="sldNum" sz="quarter" idx="12"/>
+          </p:nvPr>
+        </p:nvSpPr>
+        <p:spPr/>
+        <p:txBody>
+          <a:bodyPr/>
+          <a:lstStyle/>
+          <a:p>
+            <a:fld id="{64079E33-1B1B-4251-8EEF-3C4640F9F3A4}" type="slidenum">
+              <a:rPr lang="pt-BR" smtClean="0"/>
+              <a:t>19</a:t>
+            </a:fld>
             <a:endParaRPr lang="pt-BR" dirty="0"/>
           </a:p>
         </p:txBody>
@@ -5314,57 +8634,88 @@
             <a:pPr algn="just"/>
             <a:r>
               <a:rPr lang="pt-BR" dirty="0"/>
-              <a:t>Localização </a:t>
-            </a:r>
-            <a:r>
-              <a:rPr lang="pt-BR" dirty="0" err="1"/>
-              <a:t>In-door</a:t>
-            </a:r>
-            <a:r>
-              <a:rPr lang="pt-BR" dirty="0"/>
-              <a:t>.</a:t>
-            </a:r>
-          </a:p>
-          <a:p>
-            <a:pPr marL="0" indent="0" algn="just">
-              <a:buNone/>
-            </a:pPr>
-            <a:r>
-              <a:rPr lang="pt-BR" dirty="0"/>
-              <a:t>        * Pessoas</a:t>
-            </a:r>
-          </a:p>
-          <a:p>
-            <a:pPr marL="0" indent="0" algn="just">
-              <a:buNone/>
-            </a:pPr>
-            <a:r>
-              <a:rPr lang="pt-BR" dirty="0"/>
-              <a:t>	* Lugares (</a:t>
-            </a:r>
-            <a:r>
-              <a:rPr lang="pt-BR" dirty="0" err="1"/>
+              <a:t>Localização Indoor</a:t>
+            </a:r>
+            <a:endParaRPr lang="pt-BR" dirty="0">
+              <a:cs typeface="Arial"/>
+            </a:endParaRPr>
+          </a:p>
+          <a:p>
+            <a:pPr lvl="1" algn="just"/>
+            <a:r>
+              <a:rPr lang="pt-BR" sz="2000" dirty="0">
+                <a:cs typeface="Arial"/>
+              </a:rPr>
+              <a:t>Pessoas</a:t>
+            </a:r>
+          </a:p>
+          <a:p>
+            <a:pPr lvl="1" algn="just"/>
+            <a:r>
+              <a:rPr lang="pt-BR" sz="2000" dirty="0">
+                <a:cs typeface="Arial"/>
+              </a:rPr>
+              <a:t>Lugares (</a:t>
+            </a:r>
+            <a:r>
+              <a:rPr lang="pt-BR" sz="2000" dirty="0" err="1">
+                <a:cs typeface="Arial"/>
+              </a:rPr>
               <a:t>Ex</a:t>
             </a:r>
             <a:r>
-              <a:rPr lang="pt-BR" dirty="0"/>
-              <a:t>: Lojas)</a:t>
-            </a:r>
-          </a:p>
-          <a:p>
-            <a:pPr marL="0" indent="0" algn="just">
-              <a:buNone/>
-            </a:pPr>
-            <a:r>
-              <a:rPr lang="pt-BR" dirty="0"/>
-              <a:t>	* Aparelhos</a:t>
-            </a:r>
+              <a:rPr lang="pt-BR" sz="2000" dirty="0">
+                <a:cs typeface="Arial"/>
+              </a:rPr>
+              <a:t>: Lojas, empresas...)</a:t>
+            </a:r>
+          </a:p>
+          <a:p>
+            <a:pPr lvl="1" algn="just"/>
+            <a:r>
+              <a:rPr lang="pt-BR" sz="2000" dirty="0">
+                <a:cs typeface="Arial"/>
+              </a:rPr>
+              <a:t>Aparelhos e equipamentos</a:t>
+            </a:r>
+            <a:endParaRPr lang="pt-BR" sz="2000" dirty="0"/>
           </a:p>
           <a:p>
             <a:pPr marL="0" indent="0">
               <a:buNone/>
             </a:pPr>
-            <a:endParaRPr lang="pt-BR" dirty="0"/>
+            <a:endParaRPr lang="pt-BR" dirty="0">
+              <a:cs typeface="Arial"/>
+            </a:endParaRPr>
+          </a:p>
+        </p:txBody>
+      </p:sp>
+      <p:sp>
+        <p:nvSpPr>
+          <p:cNvPr id="4" name="Espaço Reservado para Número de Slide 3">
+            <a:extLst>
+              <a:ext uri="{FF2B5EF4-FFF2-40B4-BE49-F238E27FC236}">
+                <a16:creationId xmlns:a16="http://schemas.microsoft.com/office/drawing/2014/main" id="{AAC9F280-4BD3-45AF-9D04-12DF687203D9}"/>
+              </a:ext>
+            </a:extLst>
+          </p:cNvPr>
+          <p:cNvSpPr>
+            <a:spLocks noGrp="1"/>
+          </p:cNvSpPr>
+          <p:nvPr>
+            <p:ph type="sldNum" sz="quarter" idx="12"/>
+          </p:nvPr>
+        </p:nvSpPr>
+        <p:spPr/>
+        <p:txBody>
+          <a:bodyPr/>
+          <a:lstStyle/>
+          <a:p>
+            <a:fld id="{64079E33-1B1B-4251-8EEF-3C4640F9F3A4}" type="slidenum">
+              <a:rPr lang="pt-BR" smtClean="0"/>
+              <a:t>2</a:t>
+            </a:fld>
+            <a:endParaRPr lang="pt-BR"/>
           </a:p>
         </p:txBody>
       </p:sp>
@@ -5453,7 +8804,7 @@
                 <a:latin typeface="Arial" pitchFamily="34" charset="0"/>
                 <a:cs typeface="Arial" pitchFamily="34" charset="0"/>
               </a:rPr>
-              <a:t>A utilidade da localização de pessoas e aparelhos vem se aperfeiçoando cada vez mais com a evolução de programas e aplicativos que utilizam-se deste recurso.</a:t>
+              <a:t>A utilidade da localização de pessoas e aparelhos vem se aperfeiçoando cada vez mais com a evolução de dispositivos e softwares que usam este recurso.</a:t>
             </a:r>
           </a:p>
           <a:p>
@@ -5463,25 +8814,40 @@
                 <a:latin typeface="Arial" pitchFamily="34" charset="0"/>
                 <a:cs typeface="Arial" pitchFamily="34" charset="0"/>
               </a:rPr>
-              <a:t>Com a baixa efetividade da localização por GPS em lugares fechados, a localização </a:t>
-            </a:r>
-            <a:r>
-              <a:rPr lang="pt-BR" dirty="0" err="1">
-                <a:latin typeface="Arial" pitchFamily="34" charset="0"/>
-                <a:cs typeface="Arial" pitchFamily="34" charset="0"/>
-              </a:rPr>
-              <a:t>in-door</a:t>
-            </a:r>
-            <a:r>
-              <a:rPr lang="pt-BR" dirty="0">
-                <a:latin typeface="Arial" pitchFamily="34" charset="0"/>
-                <a:cs typeface="Arial" pitchFamily="34" charset="0"/>
-              </a:rPr>
-              <a:t> acaba se tornando alvo de pesquisas e projetos por ser bastante relevante a qual seria possível monitorar a localização dos funcionários dentro de uma empresa. </a:t>
+              <a:t>Pela falta de eficácia da localização por GPS em lugares fechados, a localização indoor acaba se tornando alvo de pesquisas e projetos por ser bastante relevante. </a:t>
             </a:r>
           </a:p>
           <a:p>
             <a:endParaRPr lang="pt-BR" dirty="0"/>
+          </a:p>
+        </p:txBody>
+      </p:sp>
+      <p:sp>
+        <p:nvSpPr>
+          <p:cNvPr id="4" name="Espaço Reservado para Número de Slide 3">
+            <a:extLst>
+              <a:ext uri="{FF2B5EF4-FFF2-40B4-BE49-F238E27FC236}">
+                <a16:creationId xmlns:a16="http://schemas.microsoft.com/office/drawing/2014/main" id="{5645C947-623E-45EF-BC2F-6D554E3DE356}"/>
+              </a:ext>
+            </a:extLst>
+          </p:cNvPr>
+          <p:cNvSpPr>
+            <a:spLocks noGrp="1"/>
+          </p:cNvSpPr>
+          <p:nvPr>
+            <p:ph type="sldNum" sz="quarter" idx="12"/>
+          </p:nvPr>
+        </p:nvSpPr>
+        <p:spPr/>
+        <p:txBody>
+          <a:bodyPr/>
+          <a:lstStyle/>
+          <a:p>
+            <a:fld id="{64079E33-1B1B-4251-8EEF-3C4640F9F3A4}" type="slidenum">
+              <a:rPr lang="pt-BR" smtClean="0"/>
+              <a:t>3</a:t>
+            </a:fld>
+            <a:endParaRPr lang="pt-BR"/>
           </a:p>
         </p:txBody>
       </p:sp>
@@ -5537,7 +8903,7 @@
           <a:lstStyle/>
           <a:p>
             <a:r>
-              <a:rPr lang="pt-BR" dirty="0"/>
+              <a:rPr lang="pt-BR"/>
               <a:t>Problemas</a:t>
             </a:r>
           </a:p>
@@ -5579,8 +8945,11 @@
             <a:pPr algn="just"/>
             <a:r>
               <a:rPr lang="pt-BR" dirty="0"/>
-              <a:t>Análise do sinal emitido pela esp8266.</a:t>
-            </a:r>
+              <a:t>Análise do sinal emitido pelo transmissor.</a:t>
+            </a:r>
+            <a:endParaRPr lang="pt-BR" dirty="0">
+              <a:cs typeface="Arial"/>
+            </a:endParaRPr>
           </a:p>
           <a:p>
             <a:pPr algn="just"/>
@@ -5588,6 +8957,35 @@
               <a:rPr lang="pt-BR" dirty="0"/>
               <a:t>Tempo de resposta.</a:t>
             </a:r>
+          </a:p>
+        </p:txBody>
+      </p:sp>
+      <p:sp>
+        <p:nvSpPr>
+          <p:cNvPr id="4" name="Espaço Reservado para Número de Slide 3">
+            <a:extLst>
+              <a:ext uri="{FF2B5EF4-FFF2-40B4-BE49-F238E27FC236}">
+                <a16:creationId xmlns:a16="http://schemas.microsoft.com/office/drawing/2014/main" id="{037EBA5A-FE5D-4CE8-96B4-6482395DD669}"/>
+              </a:ext>
+            </a:extLst>
+          </p:cNvPr>
+          <p:cNvSpPr>
+            <a:spLocks noGrp="1"/>
+          </p:cNvSpPr>
+          <p:nvPr>
+            <p:ph type="sldNum" sz="quarter" idx="12"/>
+          </p:nvPr>
+        </p:nvSpPr>
+        <p:spPr/>
+        <p:txBody>
+          <a:bodyPr/>
+          <a:lstStyle/>
+          <a:p>
+            <a:fld id="{64079E33-1B1B-4251-8EEF-3C4640F9F3A4}" type="slidenum">
+              <a:rPr lang="pt-BR" smtClean="0"/>
+              <a:t>4</a:t>
+            </a:fld>
+            <a:endParaRPr lang="pt-BR"/>
           </a:p>
         </p:txBody>
       </p:sp>
@@ -5643,7 +9041,7 @@
           <a:lstStyle/>
           <a:p>
             <a:r>
-              <a:rPr lang="pt-BR" dirty="0"/>
+              <a:rPr lang="pt-BR"/>
               <a:t>Objetivo</a:t>
             </a:r>
           </a:p>
@@ -5676,7 +9074,7 @@
                 <a:latin typeface="Arial" pitchFamily="34" charset="0"/>
                 <a:cs typeface="Arial" pitchFamily="34" charset="0"/>
               </a:rPr>
-              <a:t>Desenvolver um protótipo com a finalidade de localização através da potência do sinal (rede WiFi) que os esp8266 transmitem. </a:t>
+              <a:t>Desenvolver um protótipo com a finalidade de localizar pessoas (funcionários) através da potência do sinal (rede WiFi). </a:t>
             </a:r>
           </a:p>
           <a:p>
@@ -5686,7 +9084,7 @@
                 <a:latin typeface="Arial" pitchFamily="34" charset="0"/>
                 <a:cs typeface="Arial" pitchFamily="34" charset="0"/>
               </a:rPr>
-              <a:t>Reconhecer em qual sala e andar o funcionário se encontra.</a:t>
+              <a:t>Reconhecer em qual sala e andar de um edifício um funcionário se encontra.</a:t>
             </a:r>
           </a:p>
           <a:p>
@@ -5696,7 +9094,7 @@
                 <a:latin typeface="Arial" pitchFamily="34" charset="0"/>
                 <a:cs typeface="Arial" pitchFamily="34" charset="0"/>
               </a:rPr>
-              <a:t>Identificar pessoa.</a:t>
+              <a:t>Identificação de funcionários.</a:t>
             </a:r>
           </a:p>
           <a:p>
@@ -5709,6 +9107,35 @@
               <a:t>Visualizar a localização através de qualquer dispositivo com internet. </a:t>
             </a:r>
             <a:endParaRPr lang="pt-BR" dirty="0"/>
+          </a:p>
+        </p:txBody>
+      </p:sp>
+      <p:sp>
+        <p:nvSpPr>
+          <p:cNvPr id="4" name="Espaço Reservado para Número de Slide 3">
+            <a:extLst>
+              <a:ext uri="{FF2B5EF4-FFF2-40B4-BE49-F238E27FC236}">
+                <a16:creationId xmlns:a16="http://schemas.microsoft.com/office/drawing/2014/main" id="{58C836F8-F6E0-43B1-B14F-EDA0EAE0C703}"/>
+              </a:ext>
+            </a:extLst>
+          </p:cNvPr>
+          <p:cNvSpPr>
+            <a:spLocks noGrp="1"/>
+          </p:cNvSpPr>
+          <p:nvPr>
+            <p:ph type="sldNum" sz="quarter" idx="12"/>
+          </p:nvPr>
+        </p:nvSpPr>
+        <p:spPr/>
+        <p:txBody>
+          <a:bodyPr/>
+          <a:lstStyle/>
+          <a:p>
+            <a:fld id="{64079E33-1B1B-4251-8EEF-3C4640F9F3A4}" type="slidenum">
+              <a:rPr lang="pt-BR" smtClean="0"/>
+              <a:t>5</a:t>
+            </a:fld>
+            <a:endParaRPr lang="pt-BR"/>
           </a:p>
         </p:txBody>
       </p:sp>
@@ -5764,7 +9191,7 @@
           <a:lstStyle/>
           <a:p>
             <a:r>
-              <a:rPr lang="pt-BR" dirty="0"/>
+              <a:rPr lang="pt-BR"/>
               <a:t>Materiais e Recursos</a:t>
             </a:r>
           </a:p>
@@ -6022,24 +9449,24 @@
               <a:buNone/>
             </a:pPr>
             <a:r>
-              <a:rPr lang="pt-BR" sz="2000" kern="0" dirty="0" err="1"/>
+              <a:rPr lang="pt-BR" sz="2000" kern="0" err="1"/>
               <a:t>NodeMCU</a:t>
             </a:r>
             <a:r>
-              <a:rPr lang="pt-BR" sz="2000" kern="0" dirty="0"/>
-              <a:t>                      Sensor Infravermelho E18-D80NK             Python</a:t>
-            </a:r>
-            <a:r>
-              <a:rPr lang="pt-BR" kern="0" dirty="0"/>
-              <a:t>                </a:t>
-            </a:r>
-            <a:r>
-              <a:rPr lang="pt-BR" sz="2000" kern="0" dirty="0"/>
+              <a:rPr lang="pt-BR" sz="2000" kern="0"/>
+              <a:t> (esp8266)    Sensor Infravermelho E18-D80NK             Python</a:t>
+            </a:r>
+            <a:r>
+              <a:rPr lang="pt-BR" kern="0"/>
+              <a:t>             </a:t>
+            </a:r>
+            <a:r>
+              <a:rPr lang="pt-BR" sz="2000" kern="0"/>
               <a:t>Arduino IDE</a:t>
             </a:r>
             <a:r>
-              <a:rPr lang="pt-BR" kern="0" dirty="0"/>
-              <a:t>  </a:t>
+              <a:rPr lang="pt-BR" kern="0"/>
+              <a:t>  </a:t>
             </a:r>
           </a:p>
         </p:txBody>
@@ -6225,10 +9652,10 @@
               <a:buNone/>
             </a:pPr>
             <a:r>
-              <a:rPr lang="pt-BR" sz="2800" kern="0" dirty="0"/>
+              <a:rPr lang="pt-BR" sz="2800" kern="0"/>
               <a:t>Equipamentos                         Plataformas de Desenvolvimento</a:t>
             </a:r>
-            <a:endParaRPr lang="pt-BR" sz="4000" kern="0" dirty="0"/>
+            <a:endParaRPr lang="pt-BR" sz="4000" kern="0"/>
           </a:p>
         </p:txBody>
       </p:sp>
@@ -6304,6 +9731,35 @@
           </a:prstGeom>
         </p:spPr>
       </p:pic>
+      <p:sp>
+        <p:nvSpPr>
+          <p:cNvPr id="3" name="Espaço Reservado para Número de Slide 2">
+            <a:extLst>
+              <a:ext uri="{FF2B5EF4-FFF2-40B4-BE49-F238E27FC236}">
+                <a16:creationId xmlns:a16="http://schemas.microsoft.com/office/drawing/2014/main" id="{319B2CAF-27B3-4948-89E0-19C8B09D125E}"/>
+              </a:ext>
+            </a:extLst>
+          </p:cNvPr>
+          <p:cNvSpPr>
+            <a:spLocks noGrp="1"/>
+          </p:cNvSpPr>
+          <p:nvPr>
+            <p:ph type="sldNum" sz="quarter" idx="12"/>
+          </p:nvPr>
+        </p:nvSpPr>
+        <p:spPr/>
+        <p:txBody>
+          <a:bodyPr/>
+          <a:lstStyle/>
+          <a:p>
+            <a:fld id="{64079E33-1B1B-4251-8EEF-3C4640F9F3A4}" type="slidenum">
+              <a:rPr lang="pt-BR" smtClean="0"/>
+              <a:t>6</a:t>
+            </a:fld>
+            <a:endParaRPr lang="pt-BR"/>
+          </a:p>
+        </p:txBody>
+      </p:sp>
     </p:spTree>
     <p:extLst>
       <p:ext uri="{BB962C8B-B14F-4D97-AF65-F5344CB8AC3E}">
@@ -6356,8 +9812,8 @@
           <a:lstStyle/>
           <a:p>
             <a:r>
-              <a:rPr lang="pt-BR" sz="3600" dirty="0"/>
-              <a:t>Parte I – Identificando através do Sensor</a:t>
+              <a:rPr lang="pt-BR" sz="3600"/>
+              <a:t>Funcionamento</a:t>
             </a:r>
           </a:p>
         </p:txBody>
@@ -6390,33 +9846,42 @@
           <a:p>
             <a:pPr algn="just"/>
             <a:r>
-              <a:rPr lang="pt-BR" sz="2400" dirty="0"/>
+              <a:rPr lang="pt-BR" sz="2400"/>
               <a:t>Sensor Infravermelho: O funcionário passa pelo sensor, a ESP8266 (sensor) dispara um Broadcast UDP.</a:t>
             </a:r>
           </a:p>
           <a:p>
             <a:pPr algn="just"/>
             <a:r>
-              <a:rPr lang="pt-BR" sz="2400" dirty="0"/>
+              <a:rPr lang="pt-BR" sz="2400"/>
               <a:t>UDP: Protocolo de Redes. Envia um datagrama solicitando o MAC de quem passou pelo sensor.</a:t>
             </a:r>
+            <a:endParaRPr lang="pt-BR" sz="2400">
+              <a:cs typeface="Arial"/>
+            </a:endParaRPr>
           </a:p>
           <a:p>
             <a:pPr algn="just"/>
             <a:r>
-              <a:rPr lang="pt-BR" sz="2400" dirty="0"/>
-              <a:t>ESP8266 (pessoa): Recebe o UDP pela porta definida e utilizando o utilizando o protocolo ARP, retorna o seu MAC.</a:t>
-            </a:r>
+              <a:rPr lang="pt-BR" sz="2400"/>
+              <a:t>ESP8266 (pessoa): Recebe o UDP pela porta definida e envia o seu MAC.</a:t>
+            </a:r>
+            <a:endParaRPr lang="pt-BR" sz="2400">
+              <a:cs typeface="Arial"/>
+            </a:endParaRPr>
           </a:p>
           <a:p>
             <a:pPr algn="just"/>
             <a:r>
-              <a:rPr lang="pt-BR" sz="2400" dirty="0"/>
+              <a:rPr lang="pt-BR" sz="2400"/>
               <a:t>ESP8266 (sensor): Recebe o MAC e envia ao servidor.</a:t>
             </a:r>
-          </a:p>
-          <a:p>
-            <a:endParaRPr lang="pt-BR" sz="2400" dirty="0"/>
+            <a:endParaRPr lang="pt-BR" sz="2400">
+              <a:cs typeface="Arial"/>
+            </a:endParaRPr>
+          </a:p>
+          <a:p>
+            <a:endParaRPr lang="pt-BR" sz="2400"/>
           </a:p>
         </p:txBody>
       </p:sp>
@@ -6631,9 +10096,38 @@
               <a:buNone/>
             </a:pPr>
             <a:r>
-              <a:rPr lang="pt-BR" sz="1400" kern="0" dirty="0"/>
+              <a:rPr lang="pt-BR" sz="1400" kern="0"/>
               <a:t>Figura 1: Diagrama de identificação pelo Sensor Infravermelho.</a:t>
             </a:r>
+          </a:p>
+        </p:txBody>
+      </p:sp>
+      <p:sp>
+        <p:nvSpPr>
+          <p:cNvPr id="6" name="Espaço Reservado para Número de Slide 5">
+            <a:extLst>
+              <a:ext uri="{FF2B5EF4-FFF2-40B4-BE49-F238E27FC236}">
+                <a16:creationId xmlns:a16="http://schemas.microsoft.com/office/drawing/2014/main" id="{059520D2-0617-4CFD-8F0D-0FE021E7D8AE}"/>
+              </a:ext>
+            </a:extLst>
+          </p:cNvPr>
+          <p:cNvSpPr>
+            <a:spLocks noGrp="1"/>
+          </p:cNvSpPr>
+          <p:nvPr>
+            <p:ph type="sldNum" sz="quarter" idx="12"/>
+          </p:nvPr>
+        </p:nvSpPr>
+        <p:spPr/>
+        <p:txBody>
+          <a:bodyPr/>
+          <a:lstStyle/>
+          <a:p>
+            <a:fld id="{64079E33-1B1B-4251-8EEF-3C4640F9F3A4}" type="slidenum">
+              <a:rPr lang="pt-BR" smtClean="0"/>
+              <a:t>7</a:t>
+            </a:fld>
+            <a:endParaRPr lang="pt-BR"/>
           </a:p>
         </p:txBody>
       </p:sp>
@@ -6689,7 +10183,7 @@
           <a:lstStyle/>
           <a:p>
             <a:r>
-              <a:rPr lang="pt-BR" dirty="0"/>
+              <a:rPr lang="pt-BR"/>
               <a:t>Funcionamento</a:t>
             </a:r>
           </a:p>
@@ -6757,29 +10251,53 @@
             <a:pPr lvl="1"/>
             <a:r>
               <a:rPr lang="pt-BR" dirty="0"/>
-              <a:t>Indicador de força/intensidade do sinal recebido</a:t>
+              <a:t>Indicador de força/intensidade do sinal recebido.</a:t>
             </a:r>
           </a:p>
           <a:p>
             <a:pPr lvl="1"/>
             <a:r>
               <a:rPr lang="pt-BR" dirty="0"/>
-              <a:t>O cálculo do RSSI é feito </a:t>
-            </a:r>
-            <a:r>
-              <a:rPr lang="pt-BR" dirty="0" err="1"/>
-              <a:t>predefinidamente</a:t>
-            </a:r>
-            <a:r>
-              <a:rPr lang="pt-BR" dirty="0"/>
-              <a:t> por uma função já existente na biblioteca do módulo ESP8266 que retorna um valor em dB;</a:t>
-            </a:r>
+              <a:t>O cálculo do RSSI é feito de maneira pré-definida por uma função já existente na biblioteca do módulo ESP8266 que retorna um valor em dB.</a:t>
+            </a:r>
+            <a:endParaRPr lang="pt-BR" dirty="0">
+              <a:cs typeface="Arial"/>
+            </a:endParaRPr>
           </a:p>
           <a:p>
             <a:pPr marL="0" indent="0">
               <a:buNone/>
             </a:pPr>
             <a:endParaRPr lang="pt-BR" dirty="0"/>
+          </a:p>
+        </p:txBody>
+      </p:sp>
+      <p:sp>
+        <p:nvSpPr>
+          <p:cNvPr id="4" name="Espaço Reservado para Número de Slide 3">
+            <a:extLst>
+              <a:ext uri="{FF2B5EF4-FFF2-40B4-BE49-F238E27FC236}">
+                <a16:creationId xmlns:a16="http://schemas.microsoft.com/office/drawing/2014/main" id="{5E76F058-79CF-4922-AB72-58D3CA866E57}"/>
+              </a:ext>
+            </a:extLst>
+          </p:cNvPr>
+          <p:cNvSpPr>
+            <a:spLocks noGrp="1"/>
+          </p:cNvSpPr>
+          <p:nvPr>
+            <p:ph type="sldNum" sz="quarter" idx="12"/>
+          </p:nvPr>
+        </p:nvSpPr>
+        <p:spPr/>
+        <p:txBody>
+          <a:bodyPr/>
+          <a:lstStyle/>
+          <a:p>
+            <a:fld id="{64079E33-1B1B-4251-8EEF-3C4640F9F3A4}" type="slidenum">
+              <a:rPr lang="pt-BR" smtClean="0"/>
+              <a:t>8</a:t>
+            </a:fld>
+            <a:endParaRPr lang="pt-BR"/>
           </a:p>
         </p:txBody>
       </p:sp>
@@ -6834,7 +10352,7 @@
           <a:lstStyle/>
           <a:p>
             <a:r>
-              <a:rPr lang="pt-BR" dirty="0"/>
+              <a:rPr lang="pt-BR"/>
               <a:t>Funcionamento</a:t>
             </a:r>
           </a:p>
@@ -6861,7 +10379,7 @@
           <a:lstStyle/>
           <a:p>
             <a:r>
-              <a:rPr lang="pt-BR" dirty="0"/>
+              <a:rPr lang="pt-BR"/>
               <a:t>Perda de propagação no espaço livre:</a:t>
             </a:r>
           </a:p>
@@ -7017,6 +10535,76 @@
           </a:prstGeom>
         </p:spPr>
       </p:pic>
+      <p:sp>
+        <p:nvSpPr>
+          <p:cNvPr id="9" name="Espaço Reservado para Número de Slide 8">
+            <a:extLst>
+              <a:ext uri="{FF2B5EF4-FFF2-40B4-BE49-F238E27FC236}">
+                <a16:creationId xmlns:a16="http://schemas.microsoft.com/office/drawing/2014/main" id="{C6E0CAE4-66C9-4CC0-96A5-C967359265AD}"/>
+              </a:ext>
+            </a:extLst>
+          </p:cNvPr>
+          <p:cNvSpPr>
+            <a:spLocks noGrp="1"/>
+          </p:cNvSpPr>
+          <p:nvPr>
+            <p:ph type="sldNum" sz="quarter" idx="12"/>
+          </p:nvPr>
+        </p:nvSpPr>
+        <p:spPr/>
+        <p:txBody>
+          <a:bodyPr/>
+          <a:lstStyle/>
+          <a:p>
+            <a:fld id="{64079E33-1B1B-4251-8EEF-3C4640F9F3A4}" type="slidenum">
+              <a:rPr lang="pt-BR" smtClean="0"/>
+              <a:t>9</a:t>
+            </a:fld>
+            <a:endParaRPr lang="pt-BR"/>
+          </a:p>
+        </p:txBody>
+      </p:sp>
+      <p:sp>
+        <p:nvSpPr>
+          <p:cNvPr id="10" name="Retângulo 9">
+            <a:extLst>
+              <a:ext uri="{FF2B5EF4-FFF2-40B4-BE49-F238E27FC236}">
+                <a16:creationId xmlns:a16="http://schemas.microsoft.com/office/drawing/2014/main" id="{EAC3EC5A-C3E7-4AB7-B526-9FA76F54A1E8}"/>
+              </a:ext>
+            </a:extLst>
+          </p:cNvPr>
+          <p:cNvSpPr/>
+          <p:nvPr/>
+        </p:nvSpPr>
+        <p:spPr>
+          <a:xfrm>
+            <a:off x="1191354" y="6114018"/>
+            <a:ext cx="8199745" cy="369332"/>
+          </a:xfrm>
+          <a:prstGeom prst="rect">
+            <a:avLst/>
+          </a:prstGeom>
+        </p:spPr>
+        <p:txBody>
+          <a:bodyPr wrap="none">
+            <a:spAutoFit/>
+          </a:bodyPr>
+          <a:lstStyle/>
+          <a:p>
+            <a:r>
+              <a:rPr lang="en-US" dirty="0" err="1"/>
+              <a:t>Figura</a:t>
+            </a:r>
+            <a:r>
+              <a:rPr lang="en-US" dirty="0">
+                <a:cs typeface="Arial"/>
+              </a:rPr>
+              <a:t> 2: https://www.semfionetworks.com/blog/free-space-path-loss-diagrams</a:t>
+            </a:r>
+            <a:endParaRPr lang="en-US" dirty="0"/>
+          </a:p>
+        </p:txBody>
+      </p:sp>
     </p:spTree>
     <p:extLst>
       <p:ext uri="{BB962C8B-B14F-4D97-AF65-F5344CB8AC3E}">
@@ -7751,4 +11339,299 @@
     </a:ext>
   </a:extLst>
 </a:theme>
+</file>
+
+<file path=ppt/theme/theme2.xml><?xml version="1.0" encoding="utf-8"?>
+<a:theme xmlns:a="http://schemas.openxmlformats.org/drawingml/2006/main" name="Tema do Office">
+  <a:themeElements>
+    <a:clrScheme name="Office">
+      <a:dk1>
+        <a:sysClr val="windowText" lastClr="000000"/>
+      </a:dk1>
+      <a:lt1>
+        <a:sysClr val="window" lastClr="FFFFFF"/>
+      </a:lt1>
+      <a:dk2>
+        <a:srgbClr val="44546A"/>
+      </a:dk2>
+      <a:lt2>
+        <a:srgbClr val="E7E6E6"/>
+      </a:lt2>
+      <a:accent1>
+        <a:srgbClr val="4472C4"/>
+      </a:accent1>
+      <a:accent2>
+        <a:srgbClr val="ED7D31"/>
+      </a:accent2>
+      <a:accent3>
+        <a:srgbClr val="A5A5A5"/>
+      </a:accent3>
+      <a:accent4>
+        <a:srgbClr val="FFC000"/>
+      </a:accent4>
+      <a:accent5>
+        <a:srgbClr val="5B9BD5"/>
+      </a:accent5>
+      <a:accent6>
+        <a:srgbClr val="70AD47"/>
+      </a:accent6>
+      <a:hlink>
+        <a:srgbClr val="0563C1"/>
+      </a:hlink>
+      <a:folHlink>
+        <a:srgbClr val="954F72"/>
+      </a:folHlink>
+    </a:clrScheme>
+    <a:fontScheme name="Office">
+      <a:majorFont>
+        <a:latin typeface="Calibri Light" panose="020F0302020204030204"/>
+        <a:ea typeface=""/>
+        <a:cs typeface=""/>
+        <a:font script="Jpan" typeface="游ゴシック Light"/>
+        <a:font script="Hang" typeface="맑은 고딕"/>
+        <a:font script="Hans" typeface="等线 Light"/>
+        <a:font script="Hant" typeface="新細明體"/>
+        <a:font script="Arab" typeface="Times New Roman"/>
+        <a:font script="Hebr" typeface="Times New Roman"/>
+        <a:font script="Thai" typeface="Angsana New"/>
+        <a:font script="Ethi" typeface="Nyala"/>
+        <a:font script="Beng" typeface="Vrinda"/>
+        <a:font script="Gujr" typeface="Shruti"/>
+        <a:font script="Khmr" typeface="MoolBoran"/>
+        <a:font script="Knda" typeface="Tunga"/>
+        <a:font script="Guru" typeface="Raavi"/>
+        <a:font script="Cans" typeface="Euphemia"/>
+        <a:font script="Cher" typeface="Plantagenet Cherokee"/>
+        <a:font script="Yiii" typeface="Microsoft Yi Baiti"/>
+        <a:font script="Tibt" typeface="Microsoft Himalaya"/>
+        <a:font script="Thaa" typeface="MV Boli"/>
+        <a:font script="Deva" typeface="Mangal"/>
+        <a:font script="Telu" typeface="Gautami"/>
+        <a:font script="Taml" typeface="Latha"/>
+        <a:font script="Syrc" typeface="Estrangelo Edessa"/>
+        <a:font script="Orya" typeface="Kalinga"/>
+        <a:font script="Mlym" typeface="Kartika"/>
+        <a:font script="Laoo" typeface="DokChampa"/>
+        <a:font script="Sinh" typeface="Iskoola Pota"/>
+        <a:font script="Mong" typeface="Mongolian Baiti"/>
+        <a:font script="Viet" typeface="Times New Roman"/>
+        <a:font script="Uigh" typeface="Microsoft Uighur"/>
+        <a:font script="Geor" typeface="Sylfaen"/>
+        <a:font script="Armn" typeface="Arial"/>
+        <a:font script="Bugi" typeface="Leelawadee UI"/>
+        <a:font script="Bopo" typeface="Microsoft JhengHei"/>
+        <a:font script="Java" typeface="Javanese Text"/>
+        <a:font script="Lisu" typeface="Segoe UI"/>
+        <a:font script="Mymr" typeface="Myanmar Text"/>
+        <a:font script="Nkoo" typeface="Ebrima"/>
+        <a:font script="Olck" typeface="Nirmala UI"/>
+        <a:font script="Osma" typeface="Ebrima"/>
+        <a:font script="Phag" typeface="Phagspa"/>
+        <a:font script="Syrn" typeface="Estrangelo Edessa"/>
+        <a:font script="Syrj" typeface="Estrangelo Edessa"/>
+        <a:font script="Syre" typeface="Estrangelo Edessa"/>
+        <a:font script="Sora" typeface="Nirmala UI"/>
+        <a:font script="Tale" typeface="Microsoft Tai Le"/>
+        <a:font script="Talu" typeface="Microsoft New Tai Lue"/>
+        <a:font script="Tfng" typeface="Ebrima"/>
+      </a:majorFont>
+      <a:minorFont>
+        <a:latin typeface="Calibri" panose="020F0502020204030204"/>
+        <a:ea typeface=""/>
+        <a:cs typeface=""/>
+        <a:font script="Jpan" typeface="游ゴシック"/>
+        <a:font script="Hang" typeface="맑은 고딕"/>
+        <a:font script="Hans" typeface="等线"/>
+        <a:font script="Hant" typeface="新細明體"/>
+        <a:font script="Arab" typeface="Arial"/>
+        <a:font script="Hebr" typeface="Arial"/>
+        <a:font script="Thai" typeface="Cordia New"/>
+        <a:font script="Ethi" typeface="Nyala"/>
+        <a:font script="Beng" typeface="Vrinda"/>
+        <a:font script="Gujr" typeface="Shruti"/>
+        <a:font script="Khmr" typeface="DaunPenh"/>
+        <a:font script="Knda" typeface="Tunga"/>
+        <a:font script="Guru" typeface="Raavi"/>
+        <a:font script="Cans" typeface="Euphemia"/>
+        <a:font script="Cher" typeface="Plantagenet Cherokee"/>
+        <a:font script="Yiii" typeface="Microsoft Yi Baiti"/>
+        <a:font script="Tibt" typeface="Microsoft Himalaya"/>
+        <a:font script="Thaa" typeface="MV Boli"/>
+        <a:font script="Deva" typeface="Mangal"/>
+        <a:font script="Telu" typeface="Gautami"/>
+        <a:font script="Taml" typeface="Latha"/>
+        <a:font script="Syrc" typeface="Estrangelo Edessa"/>
+        <a:font script="Orya" typeface="Kalinga"/>
+        <a:font script="Mlym" typeface="Kartika"/>
+        <a:font script="Laoo" typeface="DokChampa"/>
+        <a:font script="Sinh" typeface="Iskoola Pota"/>
+        <a:font script="Mong" typeface="Mongolian Baiti"/>
+        <a:font script="Viet" typeface="Arial"/>
+        <a:font script="Uigh" typeface="Microsoft Uighur"/>
+        <a:font script="Geor" typeface="Sylfaen"/>
+        <a:font script="Armn" typeface="Arial"/>
+        <a:font script="Bugi" typeface="Leelawadee UI"/>
+        <a:font script="Bopo" typeface="Microsoft JhengHei"/>
+        <a:font script="Java" typeface="Javanese Text"/>
+        <a:font script="Lisu" typeface="Segoe UI"/>
+        <a:font script="Mymr" typeface="Myanmar Text"/>
+        <a:font script="Nkoo" typeface="Ebrima"/>
+        <a:font script="Olck" typeface="Nirmala UI"/>
+        <a:font script="Osma" typeface="Ebrima"/>
+        <a:font script="Phag" typeface="Phagspa"/>
+        <a:font script="Syrn" typeface="Estrangelo Edessa"/>
+        <a:font script="Syrj" typeface="Estrangelo Edessa"/>
+        <a:font script="Syre" typeface="Estrangelo Edessa"/>
+        <a:font script="Sora" typeface="Nirmala UI"/>
+        <a:font script="Tale" typeface="Microsoft Tai Le"/>
+        <a:font script="Talu" typeface="Microsoft New Tai Lue"/>
+        <a:font script="Tfng" typeface="Ebrima"/>
+      </a:minorFont>
+    </a:fontScheme>
+    <a:fmtScheme name="Office">
+      <a:fillStyleLst>
+        <a:solidFill>
+          <a:schemeClr val="phClr"/>
+        </a:solidFill>
+        <a:gradFill rotWithShape="1">
+          <a:gsLst>
+            <a:gs pos="0">
+              <a:schemeClr val="phClr">
+                <a:lumMod val="110000"/>
+                <a:satMod val="105000"/>
+                <a:tint val="67000"/>
+              </a:schemeClr>
+            </a:gs>
+            <a:gs pos="50000">
+              <a:schemeClr val="phClr">
+                <a:lumMod val="105000"/>
+                <a:satMod val="103000"/>
+                <a:tint val="73000"/>
+              </a:schemeClr>
+            </a:gs>
+            <a:gs pos="100000">
+              <a:schemeClr val="phClr">
+                <a:lumMod val="105000"/>
+                <a:satMod val="109000"/>
+                <a:tint val="81000"/>
+              </a:schemeClr>
+            </a:gs>
+          </a:gsLst>
+          <a:lin ang="5400000" scaled="0"/>
+        </a:gradFill>
+        <a:gradFill rotWithShape="1">
+          <a:gsLst>
+            <a:gs pos="0">
+              <a:schemeClr val="phClr">
+                <a:satMod val="103000"/>
+                <a:lumMod val="102000"/>
+                <a:tint val="94000"/>
+              </a:schemeClr>
+            </a:gs>
+            <a:gs pos="50000">
+              <a:schemeClr val="phClr">
+                <a:satMod val="110000"/>
+                <a:lumMod val="100000"/>
+                <a:shade val="100000"/>
+              </a:schemeClr>
+            </a:gs>
+            <a:gs pos="100000">
+              <a:schemeClr val="phClr">
+                <a:lumMod val="99000"/>
+                <a:satMod val="120000"/>
+                <a:shade val="78000"/>
+              </a:schemeClr>
+            </a:gs>
+          </a:gsLst>
+          <a:lin ang="5400000" scaled="0"/>
+        </a:gradFill>
+      </a:fillStyleLst>
+      <a:lnStyleLst>
+        <a:ln w="6350" cap="flat" cmpd="sng" algn="ctr">
+          <a:solidFill>
+            <a:schemeClr val="phClr"/>
+          </a:solidFill>
+          <a:prstDash val="solid"/>
+          <a:miter lim="800000"/>
+        </a:ln>
+        <a:ln w="12700" cap="flat" cmpd="sng" algn="ctr">
+          <a:solidFill>
+            <a:schemeClr val="phClr"/>
+          </a:solidFill>
+          <a:prstDash val="solid"/>
+          <a:miter lim="800000"/>
+        </a:ln>
+        <a:ln w="19050" cap="flat" cmpd="sng" algn="ctr">
+          <a:solidFill>
+            <a:schemeClr val="phClr"/>
+          </a:solidFill>
+          <a:prstDash val="solid"/>
+          <a:miter lim="800000"/>
+        </a:ln>
+      </a:lnStyleLst>
+      <a:effectStyleLst>
+        <a:effectStyle>
+          <a:effectLst/>
+        </a:effectStyle>
+        <a:effectStyle>
+          <a:effectLst/>
+        </a:effectStyle>
+        <a:effectStyle>
+          <a:effectLst>
+            <a:outerShdw blurRad="57150" dist="19050" dir="5400000" algn="ctr" rotWithShape="0">
+              <a:srgbClr val="000000">
+                <a:alpha val="63000"/>
+              </a:srgbClr>
+            </a:outerShdw>
+          </a:effectLst>
+        </a:effectStyle>
+      </a:effectStyleLst>
+      <a:bgFillStyleLst>
+        <a:solidFill>
+          <a:schemeClr val="phClr"/>
+        </a:solidFill>
+        <a:solidFill>
+          <a:schemeClr val="phClr">
+            <a:tint val="95000"/>
+            <a:satMod val="170000"/>
+          </a:schemeClr>
+        </a:solidFill>
+        <a:gradFill rotWithShape="1">
+          <a:gsLst>
+            <a:gs pos="0">
+              <a:schemeClr val="phClr">
+                <a:tint val="93000"/>
+                <a:satMod val="150000"/>
+                <a:shade val="98000"/>
+                <a:lumMod val="102000"/>
+              </a:schemeClr>
+            </a:gs>
+            <a:gs pos="50000">
+              <a:schemeClr val="phClr">
+                <a:tint val="98000"/>
+                <a:satMod val="130000"/>
+                <a:shade val="90000"/>
+                <a:lumMod val="103000"/>
+              </a:schemeClr>
+            </a:gs>
+            <a:gs pos="100000">
+              <a:schemeClr val="phClr">
+                <a:shade val="63000"/>
+                <a:satMod val="120000"/>
+              </a:schemeClr>
+            </a:gs>
+          </a:gsLst>
+          <a:lin ang="5400000" scaled="0"/>
+        </a:gradFill>
+      </a:bgFillStyleLst>
+    </a:fmtScheme>
+  </a:themeElements>
+  <a:objectDefaults/>
+  <a:extraClrSchemeLst/>
+  <a:extLst>
+    <a:ext uri="{05A4C25C-085E-4340-85A3-A5531E510DB2}">
+      <thm15:themeFamily xmlns:thm15="http://schemas.microsoft.com/office/thememl/2012/main" name="Office Theme" id="{62F939B6-93AF-4DB8-9C6B-D6C7DFDC589F}" vid="{4A3C46E8-61CC-4603-A589-7422A47A8E4A}"/>
+    </a:ext>
+  </a:extLst>
+</a:theme>
 </file>